--- a/FCS_ADM1graphics.pptx
+++ b/FCS_ADM1graphics.pptx
@@ -5,12 +5,13 @@
     <p:sldMasterId id="2147483648" r:id="rId1"/>
   </p:sldMasterIdLst>
   <p:sldIdLst>
-    <p:sldId id="256" r:id="rId8"/>
+    <p:sldId id="256" r:id="rId2"/>
+    <p:sldId id="257" r:id="rId3"/>
   </p:sldIdLst>
   <p:sldSz cx="9144000" cy="6858000" type="screen4x3"/>
   <p:notesSz cx="6858000" cy="9144000"/>
   <p:custDataLst>
-    <p:tags r:id="rId3"/>
+    <p:tags r:id="rId4"/>
   </p:custDataLst>
   <p:defaultTextStyle>
     <a:defPPr>
@@ -107,6 +108,22 @@
       </a:defRPr>
     </a:lvl9pPr>
   </p:defaultTextStyle>
+  <p:extLst>
+    <p:ext uri="{EFAFB233-063F-42B5-8137-9DF3F51BA10A}">
+      <p15:sldGuideLst xmlns:p15="http://schemas.microsoft.com/office/powerpoint/2012/main">
+        <p15:guide id="1" orient="horz" pos="2160">
+          <p15:clr>
+            <a:srgbClr val="A4A3A4"/>
+          </p15:clr>
+        </p15:guide>
+        <p15:guide id="2" pos="2880">
+          <p15:clr>
+            <a:srgbClr val="A4A3A4"/>
+          </p15:clr>
+        </p15:guide>
+      </p15:sldGuideLst>
+    </p:ext>
+  </p:extLst>
 </p:presentation>
 </file>
 
@@ -148,7 +165,7 @@
           <a:lstStyle/>
           <a:p>
             <a:r>
-              <a:rPr lang="en-US" smtClean="0"/>
+              <a:rPr lang="en-US"/>
               <a:t>Click to edit Master title style</a:t>
             </a:r>
             <a:endParaRPr lang="en-GB"/>
@@ -267,7 +284,7 @@
           </a:lstStyle>
           <a:p>
             <a:r>
-              <a:rPr lang="en-US" smtClean="0"/>
+              <a:rPr lang="en-US"/>
               <a:t>Click to edit Master subtitle style</a:t>
             </a:r>
             <a:endParaRPr lang="en-GB"/>
@@ -291,7 +308,7 @@
           <a:p>
             <a:fld id="{E6744CE3-0875-4B69-89C0-6F72D8139561}" type="datetimeFigureOut">
               <a:rPr lang="en-GB" smtClean="0"/>
-              <a:t>26/05/17</a:t>
+              <a:t>12/06/2023</a:t>
             </a:fld>
             <a:endParaRPr lang="en-GB"/>
           </a:p>
@@ -385,7 +402,7 @@
           <a:lstStyle/>
           <a:p>
             <a:r>
-              <a:rPr lang="en-US" smtClean="0"/>
+              <a:rPr lang="en-US"/>
               <a:t>Click to edit Master title style</a:t>
             </a:r>
             <a:endParaRPr lang="en-GB"/>
@@ -409,35 +426,35 @@
           <a:p>
             <a:pPr lvl="0"/>
             <a:r>
-              <a:rPr lang="en-US" smtClean="0"/>
+              <a:rPr lang="en-US"/>
               <a:t>Click to edit Master text styles</a:t>
             </a:r>
           </a:p>
           <a:p>
             <a:pPr lvl="1"/>
             <a:r>
-              <a:rPr lang="en-US" smtClean="0"/>
+              <a:rPr lang="en-US"/>
               <a:t>Second level</a:t>
             </a:r>
           </a:p>
           <a:p>
             <a:pPr lvl="2"/>
             <a:r>
-              <a:rPr lang="en-US" smtClean="0"/>
+              <a:rPr lang="en-US"/>
               <a:t>Third level</a:t>
             </a:r>
           </a:p>
           <a:p>
             <a:pPr lvl="3"/>
             <a:r>
-              <a:rPr lang="en-US" smtClean="0"/>
+              <a:rPr lang="en-US"/>
               <a:t>Fourth level</a:t>
             </a:r>
           </a:p>
           <a:p>
             <a:pPr lvl="4"/>
             <a:r>
-              <a:rPr lang="en-US" smtClean="0"/>
+              <a:rPr lang="en-US"/>
               <a:t>Fifth level</a:t>
             </a:r>
             <a:endParaRPr lang="en-GB"/>
@@ -461,7 +478,7 @@
           <a:p>
             <a:fld id="{E6744CE3-0875-4B69-89C0-6F72D8139561}" type="datetimeFigureOut">
               <a:rPr lang="en-GB" smtClean="0"/>
-              <a:t>26/05/17</a:t>
+              <a:t>12/06/2023</a:t>
             </a:fld>
             <a:endParaRPr lang="en-GB"/>
           </a:p>
@@ -564,7 +581,7 @@
           </a:lstStyle>
           <a:p>
             <a:r>
-              <a:rPr lang="en-US" smtClean="0"/>
+              <a:rPr lang="en-US"/>
               <a:t>Click to edit Master title style</a:t>
             </a:r>
             <a:endParaRPr lang="en-GB"/>
@@ -684,7 +701,7 @@
           <a:p>
             <a:pPr lvl="0"/>
             <a:r>
-              <a:rPr lang="en-US" smtClean="0"/>
+              <a:rPr lang="en-US"/>
               <a:t>Click to edit Master text styles</a:t>
             </a:r>
           </a:p>
@@ -707,7 +724,7 @@
           <a:p>
             <a:fld id="{E6744CE3-0875-4B69-89C0-6F72D8139561}" type="datetimeFigureOut">
               <a:rPr lang="en-GB" smtClean="0"/>
-              <a:t>26/05/17</a:t>
+              <a:t>12/06/2023</a:t>
             </a:fld>
             <a:endParaRPr lang="en-GB"/>
           </a:p>
@@ -801,7 +818,7 @@
           <a:lstStyle/>
           <a:p>
             <a:r>
-              <a:rPr lang="en-US" smtClean="0"/>
+              <a:rPr lang="en-US"/>
               <a:t>Click to edit Master title style</a:t>
             </a:r>
             <a:endParaRPr lang="en-GB"/>
@@ -858,35 +875,35 @@
           <a:p>
             <a:pPr lvl="0"/>
             <a:r>
-              <a:rPr lang="en-US" smtClean="0"/>
+              <a:rPr lang="en-US"/>
               <a:t>Click to edit Master text styles</a:t>
             </a:r>
           </a:p>
           <a:p>
             <a:pPr lvl="1"/>
             <a:r>
-              <a:rPr lang="en-US" smtClean="0"/>
+              <a:rPr lang="en-US"/>
               <a:t>Second level</a:t>
             </a:r>
           </a:p>
           <a:p>
             <a:pPr lvl="2"/>
             <a:r>
-              <a:rPr lang="en-US" smtClean="0"/>
+              <a:rPr lang="en-US"/>
               <a:t>Third level</a:t>
             </a:r>
           </a:p>
           <a:p>
             <a:pPr lvl="3"/>
             <a:r>
-              <a:rPr lang="en-US" smtClean="0"/>
+              <a:rPr lang="en-US"/>
               <a:t>Fourth level</a:t>
             </a:r>
           </a:p>
           <a:p>
             <a:pPr lvl="4"/>
             <a:r>
-              <a:rPr lang="en-US" smtClean="0"/>
+              <a:rPr lang="en-US"/>
               <a:t>Fifth level</a:t>
             </a:r>
             <a:endParaRPr lang="en-GB"/>
@@ -943,35 +960,35 @@
           <a:p>
             <a:pPr lvl="0"/>
             <a:r>
-              <a:rPr lang="en-US" smtClean="0"/>
+              <a:rPr lang="en-US"/>
               <a:t>Click to edit Master text styles</a:t>
             </a:r>
           </a:p>
           <a:p>
             <a:pPr lvl="1"/>
             <a:r>
-              <a:rPr lang="en-US" smtClean="0"/>
+              <a:rPr lang="en-US"/>
               <a:t>Second level</a:t>
             </a:r>
           </a:p>
           <a:p>
             <a:pPr lvl="2"/>
             <a:r>
-              <a:rPr lang="en-US" smtClean="0"/>
+              <a:rPr lang="en-US"/>
               <a:t>Third level</a:t>
             </a:r>
           </a:p>
           <a:p>
             <a:pPr lvl="3"/>
             <a:r>
-              <a:rPr lang="en-US" smtClean="0"/>
+              <a:rPr lang="en-US"/>
               <a:t>Fourth level</a:t>
             </a:r>
           </a:p>
           <a:p>
             <a:pPr lvl="4"/>
             <a:r>
-              <a:rPr lang="en-US" smtClean="0"/>
+              <a:rPr lang="en-US"/>
               <a:t>Fifth level</a:t>
             </a:r>
             <a:endParaRPr lang="en-GB"/>
@@ -995,7 +1012,7 @@
           <a:p>
             <a:fld id="{E6744CE3-0875-4B69-89C0-6F72D8139561}" type="datetimeFigureOut">
               <a:rPr lang="en-GB" smtClean="0"/>
-              <a:t>26/05/17</a:t>
+              <a:t>12/06/2023</a:t>
             </a:fld>
             <a:endParaRPr lang="en-GB"/>
           </a:p>
@@ -1093,7 +1110,7 @@
           </a:lstStyle>
           <a:p>
             <a:r>
-              <a:rPr lang="en-US" smtClean="0"/>
+              <a:rPr lang="en-US"/>
               <a:t>Click to edit Master title style</a:t>
             </a:r>
             <a:endParaRPr lang="en-GB"/>
@@ -1159,7 +1176,7 @@
           <a:p>
             <a:pPr lvl="0"/>
             <a:r>
-              <a:rPr lang="en-US" smtClean="0"/>
+              <a:rPr lang="en-US"/>
               <a:t>Click to edit Master text styles</a:t>
             </a:r>
           </a:p>
@@ -1215,35 +1232,35 @@
           <a:p>
             <a:pPr lvl="0"/>
             <a:r>
-              <a:rPr lang="en-US" smtClean="0"/>
+              <a:rPr lang="en-US"/>
               <a:t>Click to edit Master text styles</a:t>
             </a:r>
           </a:p>
           <a:p>
             <a:pPr lvl="1"/>
             <a:r>
-              <a:rPr lang="en-US" smtClean="0"/>
+              <a:rPr lang="en-US"/>
               <a:t>Second level</a:t>
             </a:r>
           </a:p>
           <a:p>
             <a:pPr lvl="2"/>
             <a:r>
-              <a:rPr lang="en-US" smtClean="0"/>
+              <a:rPr lang="en-US"/>
               <a:t>Third level</a:t>
             </a:r>
           </a:p>
           <a:p>
             <a:pPr lvl="3"/>
             <a:r>
-              <a:rPr lang="en-US" smtClean="0"/>
+              <a:rPr lang="en-US"/>
               <a:t>Fourth level</a:t>
             </a:r>
           </a:p>
           <a:p>
             <a:pPr lvl="4"/>
             <a:r>
-              <a:rPr lang="en-US" smtClean="0"/>
+              <a:rPr lang="en-US"/>
               <a:t>Fifth level</a:t>
             </a:r>
             <a:endParaRPr lang="en-GB"/>
@@ -1309,7 +1326,7 @@
           <a:p>
             <a:pPr lvl="0"/>
             <a:r>
-              <a:rPr lang="en-US" smtClean="0"/>
+              <a:rPr lang="en-US"/>
               <a:t>Click to edit Master text styles</a:t>
             </a:r>
           </a:p>
@@ -1365,35 +1382,35 @@
           <a:p>
             <a:pPr lvl="0"/>
             <a:r>
-              <a:rPr lang="en-US" smtClean="0"/>
+              <a:rPr lang="en-US"/>
               <a:t>Click to edit Master text styles</a:t>
             </a:r>
           </a:p>
           <a:p>
             <a:pPr lvl="1"/>
             <a:r>
-              <a:rPr lang="en-US" smtClean="0"/>
+              <a:rPr lang="en-US"/>
               <a:t>Second level</a:t>
             </a:r>
           </a:p>
           <a:p>
             <a:pPr lvl="2"/>
             <a:r>
-              <a:rPr lang="en-US" smtClean="0"/>
+              <a:rPr lang="en-US"/>
               <a:t>Third level</a:t>
             </a:r>
           </a:p>
           <a:p>
             <a:pPr lvl="3"/>
             <a:r>
-              <a:rPr lang="en-US" smtClean="0"/>
+              <a:rPr lang="en-US"/>
               <a:t>Fourth level</a:t>
             </a:r>
           </a:p>
           <a:p>
             <a:pPr lvl="4"/>
             <a:r>
-              <a:rPr lang="en-US" smtClean="0"/>
+              <a:rPr lang="en-US"/>
               <a:t>Fifth level</a:t>
             </a:r>
             <a:endParaRPr lang="en-GB"/>
@@ -1417,7 +1434,7 @@
           <a:p>
             <a:fld id="{E6744CE3-0875-4B69-89C0-6F72D8139561}" type="datetimeFigureOut">
               <a:rPr lang="en-GB" smtClean="0"/>
-              <a:t>26/05/17</a:t>
+              <a:t>12/06/2023</a:t>
             </a:fld>
             <a:endParaRPr lang="en-GB"/>
           </a:p>
@@ -1511,7 +1528,7 @@
           <a:lstStyle/>
           <a:p>
             <a:r>
-              <a:rPr lang="en-US" smtClean="0"/>
+              <a:rPr lang="en-US"/>
               <a:t>Click to edit Master title style</a:t>
             </a:r>
             <a:endParaRPr lang="en-GB"/>
@@ -1535,7 +1552,7 @@
           <a:p>
             <a:fld id="{E6744CE3-0875-4B69-89C0-6F72D8139561}" type="datetimeFigureOut">
               <a:rPr lang="en-GB" smtClean="0"/>
-              <a:t>26/05/17</a:t>
+              <a:t>12/06/2023</a:t>
             </a:fld>
             <a:endParaRPr lang="en-GB"/>
           </a:p>
@@ -1630,7 +1647,7 @@
           <a:p>
             <a:fld id="{E6744CE3-0875-4B69-89C0-6F72D8139561}" type="datetimeFigureOut">
               <a:rPr lang="en-GB" smtClean="0"/>
-              <a:t>26/05/17</a:t>
+              <a:t>12/06/2023</a:t>
             </a:fld>
             <a:endParaRPr lang="en-GB"/>
           </a:p>
@@ -1739,7 +1756,7 @@
           <a:lstStyle/>
           <a:p>
             <a:r>
-              <a:rPr lang="en-US" smtClean="0"/>
+              <a:rPr lang="en-US"/>
               <a:t>Click to edit Master title style</a:t>
             </a:r>
             <a:endParaRPr lang="en-GB"/>
@@ -1773,35 +1790,35 @@
           <a:p>
             <a:pPr lvl="0"/>
             <a:r>
-              <a:rPr lang="en-US" smtClean="0"/>
+              <a:rPr lang="en-US"/>
               <a:t>Click to edit Master text styles</a:t>
             </a:r>
           </a:p>
           <a:p>
             <a:pPr lvl="1"/>
             <a:r>
-              <a:rPr lang="en-US" smtClean="0"/>
+              <a:rPr lang="en-US"/>
               <a:t>Second level</a:t>
             </a:r>
           </a:p>
           <a:p>
             <a:pPr lvl="2"/>
             <a:r>
-              <a:rPr lang="en-US" smtClean="0"/>
+              <a:rPr lang="en-US"/>
               <a:t>Third level</a:t>
             </a:r>
           </a:p>
           <a:p>
             <a:pPr lvl="3"/>
             <a:r>
-              <a:rPr lang="en-US" smtClean="0"/>
+              <a:rPr lang="en-US"/>
               <a:t>Fourth level</a:t>
             </a:r>
           </a:p>
           <a:p>
             <a:pPr lvl="4"/>
             <a:r>
-              <a:rPr lang="en-US" smtClean="0"/>
+              <a:rPr lang="en-US"/>
               <a:t>Fifth level</a:t>
             </a:r>
             <a:endParaRPr lang="en-GB"/>
@@ -1843,7 +1860,7 @@
           <a:p>
             <a:fld id="{E6744CE3-0875-4B69-89C0-6F72D8139561}" type="datetimeFigureOut">
               <a:rPr lang="en-GB" smtClean="0"/>
-              <a:t>26/05/17</a:t>
+              <a:t>12/06/2023</a:t>
             </a:fld>
             <a:endParaRPr lang="en-GB"/>
           </a:p>
@@ -2214,9 +2231,9 @@
           <a:chExt cx="0" cy="0"/>
         </a:xfrm>
       </p:grpSpPr>
-      <p:grpSp xmlns:pic="http://schemas.openxmlformats.org/drawingml/2006/picture">
+      <p:grpSp>
         <p:nvGrpSpPr>
-          <p:cNvPr id="2" name=""/>
+          <p:cNvPr id="2" name="Group 1"/>
           <p:cNvGrpSpPr/>
           <p:nvPr/>
         </p:nvGrpSpPr>
@@ -2260,7 +2277,3172 @@
           <p:txBody>
             <a:bodyPr/>
             <a:lstStyle/>
-            <a:p/>
+            <a:p>
+              <a:endParaRPr/>
+            </a:p>
+          </p:txBody>
+        </p:sp>
+        <p:sp>
+          <p:nvSpPr>
+            <p:cNvPr id="4" name="rc4"/>
+            <p:cNvSpPr/>
+            <p:nvPr/>
+          </p:nvSpPr>
+          <p:spPr>
+            <a:xfrm>
+              <a:off x="3146825" y="1605850"/>
+              <a:ext cx="545239" cy="3575272"/>
+            </a:xfrm>
+            <a:prstGeom prst="rect">
+              <a:avLst/>
+            </a:prstGeom>
+            <a:solidFill>
+              <a:srgbClr val="92D050">
+                <a:alpha val="100000"/>
+              </a:srgbClr>
+            </a:solidFill>
+          </p:spPr>
+          <p:txBody>
+            <a:bodyPr/>
+            <a:lstStyle/>
+            <a:p>
+              <a:endParaRPr/>
+            </a:p>
+          </p:txBody>
+        </p:sp>
+        <p:sp>
+          <p:nvSpPr>
+            <p:cNvPr id="5" name="rc5"/>
+            <p:cNvSpPr/>
+            <p:nvPr/>
+          </p:nvSpPr>
+          <p:spPr>
+            <a:xfrm>
+              <a:off x="3146825" y="5181123"/>
+              <a:ext cx="545239" cy="982971"/>
+            </a:xfrm>
+            <a:prstGeom prst="rect">
+              <a:avLst/>
+            </a:prstGeom>
+            <a:solidFill>
+              <a:srgbClr val="FFFF00">
+                <a:alpha val="100000"/>
+              </a:srgbClr>
+            </a:solidFill>
+          </p:spPr>
+          <p:txBody>
+            <a:bodyPr/>
+            <a:lstStyle/>
+            <a:p>
+              <a:endParaRPr/>
+            </a:p>
+          </p:txBody>
+        </p:sp>
+        <p:sp>
+          <p:nvSpPr>
+            <p:cNvPr id="6" name="rc6"/>
+            <p:cNvSpPr/>
+            <p:nvPr/>
+          </p:nvSpPr>
+          <p:spPr>
+            <a:xfrm>
+              <a:off x="3146825" y="6164094"/>
+              <a:ext cx="545239" cy="13715"/>
+            </a:xfrm>
+            <a:prstGeom prst="rect">
+              <a:avLst/>
+            </a:prstGeom>
+            <a:solidFill>
+              <a:srgbClr val="FF0000">
+                <a:alpha val="100000"/>
+              </a:srgbClr>
+            </a:solidFill>
+          </p:spPr>
+          <p:txBody>
+            <a:bodyPr/>
+            <a:lstStyle/>
+            <a:p>
+              <a:endParaRPr/>
+            </a:p>
+          </p:txBody>
+        </p:sp>
+        <p:sp>
+          <p:nvSpPr>
+            <p:cNvPr id="7" name="rc7"/>
+            <p:cNvSpPr/>
+            <p:nvPr/>
+          </p:nvSpPr>
+          <p:spPr>
+            <a:xfrm>
+              <a:off x="3925739" y="1605850"/>
+              <a:ext cx="545239" cy="3332958"/>
+            </a:xfrm>
+            <a:prstGeom prst="rect">
+              <a:avLst/>
+            </a:prstGeom>
+            <a:solidFill>
+              <a:srgbClr val="92D050">
+                <a:alpha val="100000"/>
+              </a:srgbClr>
+            </a:solidFill>
+          </p:spPr>
+          <p:txBody>
+            <a:bodyPr/>
+            <a:lstStyle/>
+            <a:p>
+              <a:endParaRPr/>
+            </a:p>
+          </p:txBody>
+        </p:sp>
+        <p:sp>
+          <p:nvSpPr>
+            <p:cNvPr id="8" name="rc8"/>
+            <p:cNvSpPr/>
+            <p:nvPr/>
+          </p:nvSpPr>
+          <p:spPr>
+            <a:xfrm>
+              <a:off x="3925739" y="4938809"/>
+              <a:ext cx="545239" cy="1024119"/>
+            </a:xfrm>
+            <a:prstGeom prst="rect">
+              <a:avLst/>
+            </a:prstGeom>
+            <a:solidFill>
+              <a:srgbClr val="FFFF00">
+                <a:alpha val="100000"/>
+              </a:srgbClr>
+            </a:solidFill>
+          </p:spPr>
+          <p:txBody>
+            <a:bodyPr/>
+            <a:lstStyle/>
+            <a:p>
+              <a:endParaRPr/>
+            </a:p>
+          </p:txBody>
+        </p:sp>
+        <p:sp>
+          <p:nvSpPr>
+            <p:cNvPr id="9" name="rc9"/>
+            <p:cNvSpPr/>
+            <p:nvPr/>
+          </p:nvSpPr>
+          <p:spPr>
+            <a:xfrm>
+              <a:off x="3925739" y="5962928"/>
+              <a:ext cx="545239" cy="214882"/>
+            </a:xfrm>
+            <a:prstGeom prst="rect">
+              <a:avLst/>
+            </a:prstGeom>
+            <a:solidFill>
+              <a:srgbClr val="FF0000">
+                <a:alpha val="100000"/>
+              </a:srgbClr>
+            </a:solidFill>
+          </p:spPr>
+          <p:txBody>
+            <a:bodyPr/>
+            <a:lstStyle/>
+            <a:p>
+              <a:endParaRPr/>
+            </a:p>
+          </p:txBody>
+        </p:sp>
+        <p:sp>
+          <p:nvSpPr>
+            <p:cNvPr id="10" name="rc10"/>
+            <p:cNvSpPr/>
+            <p:nvPr/>
+          </p:nvSpPr>
+          <p:spPr>
+            <a:xfrm>
+              <a:off x="2367912" y="1605850"/>
+              <a:ext cx="545239" cy="3703287"/>
+            </a:xfrm>
+            <a:prstGeom prst="rect">
+              <a:avLst/>
+            </a:prstGeom>
+            <a:solidFill>
+              <a:srgbClr val="92D050">
+                <a:alpha val="100000"/>
+              </a:srgbClr>
+            </a:solidFill>
+          </p:spPr>
+          <p:txBody>
+            <a:bodyPr/>
+            <a:lstStyle/>
+            <a:p>
+              <a:endParaRPr/>
+            </a:p>
+          </p:txBody>
+        </p:sp>
+        <p:sp>
+          <p:nvSpPr>
+            <p:cNvPr id="11" name="rc11"/>
+            <p:cNvSpPr/>
+            <p:nvPr/>
+          </p:nvSpPr>
+          <p:spPr>
+            <a:xfrm>
+              <a:off x="2367912" y="5309138"/>
+              <a:ext cx="545239" cy="795521"/>
+            </a:xfrm>
+            <a:prstGeom prst="rect">
+              <a:avLst/>
+            </a:prstGeom>
+            <a:solidFill>
+              <a:srgbClr val="FFFF00">
+                <a:alpha val="100000"/>
+              </a:srgbClr>
+            </a:solidFill>
+          </p:spPr>
+          <p:txBody>
+            <a:bodyPr/>
+            <a:lstStyle/>
+            <a:p>
+              <a:endParaRPr/>
+            </a:p>
+          </p:txBody>
+        </p:sp>
+        <p:sp>
+          <p:nvSpPr>
+            <p:cNvPr id="12" name="rc12"/>
+            <p:cNvSpPr/>
+            <p:nvPr/>
+          </p:nvSpPr>
+          <p:spPr>
+            <a:xfrm>
+              <a:off x="2367912" y="6104659"/>
+              <a:ext cx="545239" cy="73151"/>
+            </a:xfrm>
+            <a:prstGeom prst="rect">
+              <a:avLst/>
+            </a:prstGeom>
+            <a:solidFill>
+              <a:srgbClr val="FF0000">
+                <a:alpha val="100000"/>
+              </a:srgbClr>
+            </a:solidFill>
+          </p:spPr>
+          <p:txBody>
+            <a:bodyPr/>
+            <a:lstStyle/>
+            <a:p>
+              <a:endParaRPr/>
+            </a:p>
+          </p:txBody>
+        </p:sp>
+        <p:sp>
+          <p:nvSpPr>
+            <p:cNvPr id="13" name="rc13"/>
+            <p:cNvSpPr/>
+            <p:nvPr/>
+          </p:nvSpPr>
+          <p:spPr>
+            <a:xfrm>
+              <a:off x="810085" y="1605850"/>
+              <a:ext cx="545239" cy="3968461"/>
+            </a:xfrm>
+            <a:prstGeom prst="rect">
+              <a:avLst/>
+            </a:prstGeom>
+            <a:solidFill>
+              <a:srgbClr val="92D050">
+                <a:alpha val="100000"/>
+              </a:srgbClr>
+            </a:solidFill>
+          </p:spPr>
+          <p:txBody>
+            <a:bodyPr/>
+            <a:lstStyle/>
+            <a:p>
+              <a:endParaRPr/>
+            </a:p>
+          </p:txBody>
+        </p:sp>
+        <p:sp>
+          <p:nvSpPr>
+            <p:cNvPr id="14" name="rc14"/>
+            <p:cNvSpPr/>
+            <p:nvPr/>
+          </p:nvSpPr>
+          <p:spPr>
+            <a:xfrm>
+              <a:off x="810085" y="5574311"/>
+              <a:ext cx="545239" cy="580638"/>
+            </a:xfrm>
+            <a:prstGeom prst="rect">
+              <a:avLst/>
+            </a:prstGeom>
+            <a:solidFill>
+              <a:srgbClr val="FFFF00">
+                <a:alpha val="100000"/>
+              </a:srgbClr>
+            </a:solidFill>
+          </p:spPr>
+          <p:txBody>
+            <a:bodyPr/>
+            <a:lstStyle/>
+            <a:p>
+              <a:endParaRPr/>
+            </a:p>
+          </p:txBody>
+        </p:sp>
+        <p:sp>
+          <p:nvSpPr>
+            <p:cNvPr id="15" name="rc15"/>
+            <p:cNvSpPr/>
+            <p:nvPr/>
+          </p:nvSpPr>
+          <p:spPr>
+            <a:xfrm>
+              <a:off x="810085" y="6154950"/>
+              <a:ext cx="545239" cy="22859"/>
+            </a:xfrm>
+            <a:prstGeom prst="rect">
+              <a:avLst/>
+            </a:prstGeom>
+            <a:solidFill>
+              <a:srgbClr val="FF0000">
+                <a:alpha val="100000"/>
+              </a:srgbClr>
+            </a:solidFill>
+          </p:spPr>
+          <p:txBody>
+            <a:bodyPr/>
+            <a:lstStyle/>
+            <a:p>
+              <a:endParaRPr/>
+            </a:p>
+          </p:txBody>
+        </p:sp>
+        <p:sp>
+          <p:nvSpPr>
+            <p:cNvPr id="16" name="rc16"/>
+            <p:cNvSpPr/>
+            <p:nvPr/>
+          </p:nvSpPr>
+          <p:spPr>
+            <a:xfrm>
+              <a:off x="5483566" y="1605850"/>
+              <a:ext cx="545239" cy="3118076"/>
+            </a:xfrm>
+            <a:prstGeom prst="rect">
+              <a:avLst/>
+            </a:prstGeom>
+            <a:solidFill>
+              <a:srgbClr val="92D050">
+                <a:alpha val="100000"/>
+              </a:srgbClr>
+            </a:solidFill>
+          </p:spPr>
+          <p:txBody>
+            <a:bodyPr/>
+            <a:lstStyle/>
+            <a:p>
+              <a:endParaRPr/>
+            </a:p>
+          </p:txBody>
+        </p:sp>
+        <p:sp>
+          <p:nvSpPr>
+            <p:cNvPr id="17" name="rc17"/>
+            <p:cNvSpPr/>
+            <p:nvPr/>
+          </p:nvSpPr>
+          <p:spPr>
+            <a:xfrm>
+              <a:off x="5483566" y="4723927"/>
+              <a:ext cx="545239" cy="1325868"/>
+            </a:xfrm>
+            <a:prstGeom prst="rect">
+              <a:avLst/>
+            </a:prstGeom>
+            <a:solidFill>
+              <a:srgbClr val="FFFF00">
+                <a:alpha val="100000"/>
+              </a:srgbClr>
+            </a:solidFill>
+          </p:spPr>
+          <p:txBody>
+            <a:bodyPr/>
+            <a:lstStyle/>
+            <a:p>
+              <a:endParaRPr/>
+            </a:p>
+          </p:txBody>
+        </p:sp>
+        <p:sp>
+          <p:nvSpPr>
+            <p:cNvPr id="18" name="rc18"/>
+            <p:cNvSpPr/>
+            <p:nvPr/>
+          </p:nvSpPr>
+          <p:spPr>
+            <a:xfrm>
+              <a:off x="5483566" y="6049795"/>
+              <a:ext cx="545239" cy="128014"/>
+            </a:xfrm>
+            <a:prstGeom prst="rect">
+              <a:avLst/>
+            </a:prstGeom>
+            <a:solidFill>
+              <a:srgbClr val="FF0000">
+                <a:alpha val="100000"/>
+              </a:srgbClr>
+            </a:solidFill>
+          </p:spPr>
+          <p:txBody>
+            <a:bodyPr/>
+            <a:lstStyle/>
+            <a:p>
+              <a:endParaRPr/>
+            </a:p>
+          </p:txBody>
+        </p:sp>
+        <p:sp>
+          <p:nvSpPr>
+            <p:cNvPr id="19" name="rc19"/>
+            <p:cNvSpPr/>
+            <p:nvPr/>
+          </p:nvSpPr>
+          <p:spPr>
+            <a:xfrm>
+              <a:off x="7041393" y="1605850"/>
+              <a:ext cx="545239" cy="2852903"/>
+            </a:xfrm>
+            <a:prstGeom prst="rect">
+              <a:avLst/>
+            </a:prstGeom>
+            <a:solidFill>
+              <a:srgbClr val="92D050">
+                <a:alpha val="100000"/>
+              </a:srgbClr>
+            </a:solidFill>
+          </p:spPr>
+          <p:txBody>
+            <a:bodyPr/>
+            <a:lstStyle/>
+            <a:p>
+              <a:endParaRPr/>
+            </a:p>
+          </p:txBody>
+        </p:sp>
+        <p:sp>
+          <p:nvSpPr>
+            <p:cNvPr id="20" name="rc20"/>
+            <p:cNvSpPr/>
+            <p:nvPr/>
+          </p:nvSpPr>
+          <p:spPr>
+            <a:xfrm>
+              <a:off x="7041393" y="4458753"/>
+              <a:ext cx="545239" cy="1435595"/>
+            </a:xfrm>
+            <a:prstGeom prst="rect">
+              <a:avLst/>
+            </a:prstGeom>
+            <a:solidFill>
+              <a:srgbClr val="FFFF00">
+                <a:alpha val="100000"/>
+              </a:srgbClr>
+            </a:solidFill>
+          </p:spPr>
+          <p:txBody>
+            <a:bodyPr/>
+            <a:lstStyle/>
+            <a:p>
+              <a:endParaRPr/>
+            </a:p>
+          </p:txBody>
+        </p:sp>
+        <p:sp>
+          <p:nvSpPr>
+            <p:cNvPr id="21" name="rc21"/>
+            <p:cNvSpPr/>
+            <p:nvPr/>
+          </p:nvSpPr>
+          <p:spPr>
+            <a:xfrm>
+              <a:off x="7041393" y="5894349"/>
+              <a:ext cx="545239" cy="283461"/>
+            </a:xfrm>
+            <a:prstGeom prst="rect">
+              <a:avLst/>
+            </a:prstGeom>
+            <a:solidFill>
+              <a:srgbClr val="FF0000">
+                <a:alpha val="100000"/>
+              </a:srgbClr>
+            </a:solidFill>
+          </p:spPr>
+          <p:txBody>
+            <a:bodyPr/>
+            <a:lstStyle/>
+            <a:p>
+              <a:endParaRPr/>
+            </a:p>
+          </p:txBody>
+        </p:sp>
+        <p:sp>
+          <p:nvSpPr>
+            <p:cNvPr id="22" name="rc22"/>
+            <p:cNvSpPr/>
+            <p:nvPr/>
+          </p:nvSpPr>
+          <p:spPr>
+            <a:xfrm>
+              <a:off x="7820306" y="1605850"/>
+              <a:ext cx="545239" cy="2816327"/>
+            </a:xfrm>
+            <a:prstGeom prst="rect">
+              <a:avLst/>
+            </a:prstGeom>
+            <a:solidFill>
+              <a:srgbClr val="92D050">
+                <a:alpha val="100000"/>
+              </a:srgbClr>
+            </a:solidFill>
+          </p:spPr>
+          <p:txBody>
+            <a:bodyPr/>
+            <a:lstStyle/>
+            <a:p>
+              <a:endParaRPr/>
+            </a:p>
+          </p:txBody>
+        </p:sp>
+        <p:sp>
+          <p:nvSpPr>
+            <p:cNvPr id="23" name="rc23"/>
+            <p:cNvSpPr/>
+            <p:nvPr/>
+          </p:nvSpPr>
+          <p:spPr>
+            <a:xfrm>
+              <a:off x="7820306" y="4422178"/>
+              <a:ext cx="545239" cy="1426451"/>
+            </a:xfrm>
+            <a:prstGeom prst="rect">
+              <a:avLst/>
+            </a:prstGeom>
+            <a:solidFill>
+              <a:srgbClr val="FFFF00">
+                <a:alpha val="100000"/>
+              </a:srgbClr>
+            </a:solidFill>
+          </p:spPr>
+          <p:txBody>
+            <a:bodyPr/>
+            <a:lstStyle/>
+            <a:p>
+              <a:endParaRPr/>
+            </a:p>
+          </p:txBody>
+        </p:sp>
+        <p:sp>
+          <p:nvSpPr>
+            <p:cNvPr id="24" name="rc24"/>
+            <p:cNvSpPr/>
+            <p:nvPr/>
+          </p:nvSpPr>
+          <p:spPr>
+            <a:xfrm>
+              <a:off x="7820306" y="5848629"/>
+              <a:ext cx="545239" cy="329181"/>
+            </a:xfrm>
+            <a:prstGeom prst="rect">
+              <a:avLst/>
+            </a:prstGeom>
+            <a:solidFill>
+              <a:srgbClr val="FF0000">
+                <a:alpha val="100000"/>
+              </a:srgbClr>
+            </a:solidFill>
+          </p:spPr>
+          <p:txBody>
+            <a:bodyPr/>
+            <a:lstStyle/>
+            <a:p>
+              <a:endParaRPr/>
+            </a:p>
+          </p:txBody>
+        </p:sp>
+        <p:sp>
+          <p:nvSpPr>
+            <p:cNvPr id="25" name="rc25"/>
+            <p:cNvSpPr/>
+            <p:nvPr/>
+          </p:nvSpPr>
+          <p:spPr>
+            <a:xfrm>
+              <a:off x="6262479" y="1605850"/>
+              <a:ext cx="545239" cy="3017493"/>
+            </a:xfrm>
+            <a:prstGeom prst="rect">
+              <a:avLst/>
+            </a:prstGeom>
+            <a:solidFill>
+              <a:srgbClr val="92D050">
+                <a:alpha val="100000"/>
+              </a:srgbClr>
+            </a:solidFill>
+          </p:spPr>
+          <p:txBody>
+            <a:bodyPr/>
+            <a:lstStyle/>
+            <a:p>
+              <a:endParaRPr/>
+            </a:p>
+          </p:txBody>
+        </p:sp>
+        <p:sp>
+          <p:nvSpPr>
+            <p:cNvPr id="26" name="rc26"/>
+            <p:cNvSpPr/>
+            <p:nvPr/>
+          </p:nvSpPr>
+          <p:spPr>
+            <a:xfrm>
+              <a:off x="6262479" y="4623344"/>
+              <a:ext cx="545239" cy="1289292"/>
+            </a:xfrm>
+            <a:prstGeom prst="rect">
+              <a:avLst/>
+            </a:prstGeom>
+            <a:solidFill>
+              <a:srgbClr val="FFFF00">
+                <a:alpha val="100000"/>
+              </a:srgbClr>
+            </a:solidFill>
+          </p:spPr>
+          <p:txBody>
+            <a:bodyPr/>
+            <a:lstStyle/>
+            <a:p>
+              <a:endParaRPr/>
+            </a:p>
+          </p:txBody>
+        </p:sp>
+        <p:sp>
+          <p:nvSpPr>
+            <p:cNvPr id="27" name="rc27"/>
+            <p:cNvSpPr/>
+            <p:nvPr/>
+          </p:nvSpPr>
+          <p:spPr>
+            <a:xfrm>
+              <a:off x="6262479" y="5912637"/>
+              <a:ext cx="545239" cy="265173"/>
+            </a:xfrm>
+            <a:prstGeom prst="rect">
+              <a:avLst/>
+            </a:prstGeom>
+            <a:solidFill>
+              <a:srgbClr val="FF0000">
+                <a:alpha val="100000"/>
+              </a:srgbClr>
+            </a:solidFill>
+          </p:spPr>
+          <p:txBody>
+            <a:bodyPr/>
+            <a:lstStyle/>
+            <a:p>
+              <a:endParaRPr/>
+            </a:p>
+          </p:txBody>
+        </p:sp>
+        <p:sp>
+          <p:nvSpPr>
+            <p:cNvPr id="28" name="rc28"/>
+            <p:cNvSpPr/>
+            <p:nvPr/>
+          </p:nvSpPr>
+          <p:spPr>
+            <a:xfrm>
+              <a:off x="1588998" y="1605850"/>
+              <a:ext cx="545239" cy="3744435"/>
+            </a:xfrm>
+            <a:prstGeom prst="rect">
+              <a:avLst/>
+            </a:prstGeom>
+            <a:solidFill>
+              <a:srgbClr val="92D050">
+                <a:alpha val="100000"/>
+              </a:srgbClr>
+            </a:solidFill>
+          </p:spPr>
+          <p:txBody>
+            <a:bodyPr/>
+            <a:lstStyle/>
+            <a:p>
+              <a:endParaRPr/>
+            </a:p>
+          </p:txBody>
+        </p:sp>
+        <p:sp>
+          <p:nvSpPr>
+            <p:cNvPr id="29" name="rc29"/>
+            <p:cNvSpPr/>
+            <p:nvPr/>
+          </p:nvSpPr>
+          <p:spPr>
+            <a:xfrm>
+              <a:off x="1588998" y="5350285"/>
+              <a:ext cx="545239" cy="758945"/>
+            </a:xfrm>
+            <a:prstGeom prst="rect">
+              <a:avLst/>
+            </a:prstGeom>
+            <a:solidFill>
+              <a:srgbClr val="FFFF00">
+                <a:alpha val="100000"/>
+              </a:srgbClr>
+            </a:solidFill>
+          </p:spPr>
+          <p:txBody>
+            <a:bodyPr/>
+            <a:lstStyle/>
+            <a:p>
+              <a:endParaRPr/>
+            </a:p>
+          </p:txBody>
+        </p:sp>
+        <p:sp>
+          <p:nvSpPr>
+            <p:cNvPr id="30" name="rc30"/>
+            <p:cNvSpPr/>
+            <p:nvPr/>
+          </p:nvSpPr>
+          <p:spPr>
+            <a:xfrm>
+              <a:off x="1588998" y="6109231"/>
+              <a:ext cx="545239" cy="68579"/>
+            </a:xfrm>
+            <a:prstGeom prst="rect">
+              <a:avLst/>
+            </a:prstGeom>
+            <a:solidFill>
+              <a:srgbClr val="FF0000">
+                <a:alpha val="100000"/>
+              </a:srgbClr>
+            </a:solidFill>
+          </p:spPr>
+          <p:txBody>
+            <a:bodyPr/>
+            <a:lstStyle/>
+            <a:p>
+              <a:endParaRPr/>
+            </a:p>
+          </p:txBody>
+        </p:sp>
+        <p:sp>
+          <p:nvSpPr>
+            <p:cNvPr id="31" name="rc31"/>
+            <p:cNvSpPr/>
+            <p:nvPr/>
+          </p:nvSpPr>
+          <p:spPr>
+            <a:xfrm>
+              <a:off x="4704652" y="1605850"/>
+              <a:ext cx="545239" cy="3122648"/>
+            </a:xfrm>
+            <a:prstGeom prst="rect">
+              <a:avLst/>
+            </a:prstGeom>
+            <a:solidFill>
+              <a:srgbClr val="92D050">
+                <a:alpha val="100000"/>
+              </a:srgbClr>
+            </a:solidFill>
+          </p:spPr>
+          <p:txBody>
+            <a:bodyPr/>
+            <a:lstStyle/>
+            <a:p>
+              <a:endParaRPr/>
+            </a:p>
+          </p:txBody>
+        </p:sp>
+        <p:sp>
+          <p:nvSpPr>
+            <p:cNvPr id="32" name="rc32"/>
+            <p:cNvSpPr/>
+            <p:nvPr/>
+          </p:nvSpPr>
+          <p:spPr>
+            <a:xfrm>
+              <a:off x="4704652" y="4728499"/>
+              <a:ext cx="545239" cy="1303008"/>
+            </a:xfrm>
+            <a:prstGeom prst="rect">
+              <a:avLst/>
+            </a:prstGeom>
+            <a:solidFill>
+              <a:srgbClr val="FFFF00">
+                <a:alpha val="100000"/>
+              </a:srgbClr>
+            </a:solidFill>
+          </p:spPr>
+          <p:txBody>
+            <a:bodyPr/>
+            <a:lstStyle/>
+            <a:p>
+              <a:endParaRPr/>
+            </a:p>
+          </p:txBody>
+        </p:sp>
+        <p:sp>
+          <p:nvSpPr>
+            <p:cNvPr id="33" name="rc33"/>
+            <p:cNvSpPr/>
+            <p:nvPr/>
+          </p:nvSpPr>
+          <p:spPr>
+            <a:xfrm>
+              <a:off x="4704652" y="6031507"/>
+              <a:ext cx="545239" cy="146302"/>
+            </a:xfrm>
+            <a:prstGeom prst="rect">
+              <a:avLst/>
+            </a:prstGeom>
+            <a:solidFill>
+              <a:srgbClr val="FF0000">
+                <a:alpha val="100000"/>
+              </a:srgbClr>
+            </a:solidFill>
+          </p:spPr>
+          <p:txBody>
+            <a:bodyPr/>
+            <a:lstStyle/>
+            <a:p>
+              <a:endParaRPr/>
+            </a:p>
+          </p:txBody>
+        </p:sp>
+        <p:sp>
+          <p:nvSpPr>
+            <p:cNvPr id="34" name="tx34"/>
+            <p:cNvSpPr/>
+            <p:nvPr/>
+          </p:nvSpPr>
+          <p:spPr>
+            <a:xfrm>
+              <a:off x="3239394" y="3343133"/>
+              <a:ext cx="360102" cy="95808"/>
+            </a:xfrm>
+            <a:prstGeom prst="rect">
+              <a:avLst/>
+            </a:prstGeom>
+            <a:noFill/>
+          </p:spPr>
+          <p:txBody>
+            <a:bodyPr wrap="none" lIns="0" tIns="0" rIns="0" bIns="0" anchor="ctr" anchorCtr="1"/>
+            <a:lstStyle/>
+            <a:p>
+              <a:pPr marL="0" marR="0" indent="0" algn="l">
+                <a:lnSpc>
+                  <a:spcPts val="1000"/>
+                </a:lnSpc>
+                <a:spcBef>
+                  <a:spcPts val="0"/>
+                </a:spcBef>
+                <a:spcAft>
+                  <a:spcPts val="0"/>
+                </a:spcAft>
+              </a:pPr>
+              <a:r>
+                <a:rPr sz="1000">
+                  <a:solidFill>
+                    <a:srgbClr val="FFFFFF">
+                      <a:alpha val="100000"/>
+                    </a:srgbClr>
+                  </a:solidFill>
+                  <a:latin typeface="Arial"/>
+                  <a:cs typeface="Arial"/>
+                </a:rPr>
+                <a:t>78.2%</a:t>
+              </a:r>
+            </a:p>
+          </p:txBody>
+        </p:sp>
+        <p:sp>
+          <p:nvSpPr>
+            <p:cNvPr id="35" name="tx35"/>
+            <p:cNvSpPr/>
+            <p:nvPr/>
+          </p:nvSpPr>
+          <p:spPr>
+            <a:xfrm>
+              <a:off x="3239394" y="5622255"/>
+              <a:ext cx="360102" cy="95808"/>
+            </a:xfrm>
+            <a:prstGeom prst="rect">
+              <a:avLst/>
+            </a:prstGeom>
+            <a:noFill/>
+          </p:spPr>
+          <p:txBody>
+            <a:bodyPr wrap="none" lIns="0" tIns="0" rIns="0" bIns="0" anchor="ctr" anchorCtr="1"/>
+            <a:lstStyle/>
+            <a:p>
+              <a:pPr marL="0" marR="0" indent="0" algn="l">
+                <a:lnSpc>
+                  <a:spcPts val="1000"/>
+                </a:lnSpc>
+                <a:spcBef>
+                  <a:spcPts val="0"/>
+                </a:spcBef>
+                <a:spcAft>
+                  <a:spcPts val="0"/>
+                </a:spcAft>
+              </a:pPr>
+              <a:r>
+                <a:rPr sz="1000">
+                  <a:solidFill>
+                    <a:srgbClr val="000000">
+                      <a:alpha val="100000"/>
+                    </a:srgbClr>
+                  </a:solidFill>
+                  <a:latin typeface="Arial"/>
+                  <a:cs typeface="Arial"/>
+                </a:rPr>
+                <a:t>21.5%</a:t>
+              </a:r>
+            </a:p>
+          </p:txBody>
+        </p:sp>
+        <p:sp>
+          <p:nvSpPr>
+            <p:cNvPr id="36" name="tx36"/>
+            <p:cNvSpPr/>
+            <p:nvPr/>
+          </p:nvSpPr>
+          <p:spPr>
+            <a:xfrm>
+              <a:off x="3274710" y="6120599"/>
+              <a:ext cx="289470" cy="95808"/>
+            </a:xfrm>
+            <a:prstGeom prst="rect">
+              <a:avLst/>
+            </a:prstGeom>
+            <a:noFill/>
+          </p:spPr>
+          <p:txBody>
+            <a:bodyPr wrap="none" lIns="0" tIns="0" rIns="0" bIns="0" anchor="ctr" anchorCtr="1"/>
+            <a:lstStyle/>
+            <a:p>
+              <a:pPr marL="0" marR="0" indent="0" algn="l">
+                <a:lnSpc>
+                  <a:spcPts val="1000"/>
+                </a:lnSpc>
+                <a:spcBef>
+                  <a:spcPts val="0"/>
+                </a:spcBef>
+                <a:spcAft>
+                  <a:spcPts val="0"/>
+                </a:spcAft>
+              </a:pPr>
+              <a:r>
+                <a:rPr sz="1000">
+                  <a:solidFill>
+                    <a:srgbClr val="FFFFFF">
+                      <a:alpha val="100000"/>
+                    </a:srgbClr>
+                  </a:solidFill>
+                  <a:latin typeface="Arial"/>
+                  <a:cs typeface="Arial"/>
+                </a:rPr>
+                <a:t>0.3%</a:t>
+              </a:r>
+            </a:p>
+          </p:txBody>
+        </p:sp>
+        <p:sp>
+          <p:nvSpPr>
+            <p:cNvPr id="37" name="tx37"/>
+            <p:cNvSpPr/>
+            <p:nvPr/>
+          </p:nvSpPr>
+          <p:spPr>
+            <a:xfrm>
+              <a:off x="4018307" y="3221976"/>
+              <a:ext cx="360102" cy="95808"/>
+            </a:xfrm>
+            <a:prstGeom prst="rect">
+              <a:avLst/>
+            </a:prstGeom>
+            <a:noFill/>
+          </p:spPr>
+          <p:txBody>
+            <a:bodyPr wrap="none" lIns="0" tIns="0" rIns="0" bIns="0" anchor="ctr" anchorCtr="1"/>
+            <a:lstStyle/>
+            <a:p>
+              <a:pPr marL="0" marR="0" indent="0" algn="l">
+                <a:lnSpc>
+                  <a:spcPts val="1000"/>
+                </a:lnSpc>
+                <a:spcBef>
+                  <a:spcPts val="0"/>
+                </a:spcBef>
+                <a:spcAft>
+                  <a:spcPts val="0"/>
+                </a:spcAft>
+              </a:pPr>
+              <a:r>
+                <a:rPr sz="1000">
+                  <a:solidFill>
+                    <a:srgbClr val="FFFFFF">
+                      <a:alpha val="100000"/>
+                    </a:srgbClr>
+                  </a:solidFill>
+                  <a:latin typeface="Arial"/>
+                  <a:cs typeface="Arial"/>
+                </a:rPr>
+                <a:t>72.9%</a:t>
+              </a:r>
+            </a:p>
+          </p:txBody>
+        </p:sp>
+        <p:sp>
+          <p:nvSpPr>
+            <p:cNvPr id="38" name="tx38"/>
+            <p:cNvSpPr/>
+            <p:nvPr/>
+          </p:nvSpPr>
+          <p:spPr>
+            <a:xfrm>
+              <a:off x="4018307" y="5400515"/>
+              <a:ext cx="360102" cy="95808"/>
+            </a:xfrm>
+            <a:prstGeom prst="rect">
+              <a:avLst/>
+            </a:prstGeom>
+            <a:noFill/>
+          </p:spPr>
+          <p:txBody>
+            <a:bodyPr wrap="none" lIns="0" tIns="0" rIns="0" bIns="0" anchor="ctr" anchorCtr="1"/>
+            <a:lstStyle/>
+            <a:p>
+              <a:pPr marL="0" marR="0" indent="0" algn="l">
+                <a:lnSpc>
+                  <a:spcPts val="1000"/>
+                </a:lnSpc>
+                <a:spcBef>
+                  <a:spcPts val="0"/>
+                </a:spcBef>
+                <a:spcAft>
+                  <a:spcPts val="0"/>
+                </a:spcAft>
+              </a:pPr>
+              <a:r>
+                <a:rPr sz="1000">
+                  <a:solidFill>
+                    <a:srgbClr val="000000">
+                      <a:alpha val="100000"/>
+                    </a:srgbClr>
+                  </a:solidFill>
+                  <a:latin typeface="Arial"/>
+                  <a:cs typeface="Arial"/>
+                </a:rPr>
+                <a:t>22.4%</a:t>
+              </a:r>
+            </a:p>
+          </p:txBody>
+        </p:sp>
+        <p:sp>
+          <p:nvSpPr>
+            <p:cNvPr id="39" name="tx39"/>
+            <p:cNvSpPr/>
+            <p:nvPr/>
+          </p:nvSpPr>
+          <p:spPr>
+            <a:xfrm>
+              <a:off x="4053623" y="6020016"/>
+              <a:ext cx="289470" cy="95808"/>
+            </a:xfrm>
+            <a:prstGeom prst="rect">
+              <a:avLst/>
+            </a:prstGeom>
+            <a:noFill/>
+          </p:spPr>
+          <p:txBody>
+            <a:bodyPr wrap="none" lIns="0" tIns="0" rIns="0" bIns="0" anchor="ctr" anchorCtr="1"/>
+            <a:lstStyle/>
+            <a:p>
+              <a:pPr marL="0" marR="0" indent="0" algn="l">
+                <a:lnSpc>
+                  <a:spcPts val="1000"/>
+                </a:lnSpc>
+                <a:spcBef>
+                  <a:spcPts val="0"/>
+                </a:spcBef>
+                <a:spcAft>
+                  <a:spcPts val="0"/>
+                </a:spcAft>
+              </a:pPr>
+              <a:r>
+                <a:rPr sz="1000">
+                  <a:solidFill>
+                    <a:srgbClr val="FFFFFF">
+                      <a:alpha val="100000"/>
+                    </a:srgbClr>
+                  </a:solidFill>
+                  <a:latin typeface="Arial"/>
+                  <a:cs typeface="Arial"/>
+                </a:rPr>
+                <a:t>4.7%</a:t>
+              </a:r>
+            </a:p>
+          </p:txBody>
+        </p:sp>
+        <p:sp>
+          <p:nvSpPr>
+            <p:cNvPr id="40" name="tx40"/>
+            <p:cNvSpPr/>
+            <p:nvPr/>
+          </p:nvSpPr>
+          <p:spPr>
+            <a:xfrm>
+              <a:off x="2513438" y="3407140"/>
+              <a:ext cx="254186" cy="95808"/>
+            </a:xfrm>
+            <a:prstGeom prst="rect">
+              <a:avLst/>
+            </a:prstGeom>
+            <a:noFill/>
+          </p:spPr>
+          <p:txBody>
+            <a:bodyPr wrap="none" lIns="0" tIns="0" rIns="0" bIns="0" anchor="ctr" anchorCtr="1"/>
+            <a:lstStyle/>
+            <a:p>
+              <a:pPr marL="0" marR="0" indent="0" algn="l">
+                <a:lnSpc>
+                  <a:spcPts val="1000"/>
+                </a:lnSpc>
+                <a:spcBef>
+                  <a:spcPts val="0"/>
+                </a:spcBef>
+                <a:spcAft>
+                  <a:spcPts val="0"/>
+                </a:spcAft>
+              </a:pPr>
+              <a:r>
+                <a:rPr sz="1000">
+                  <a:solidFill>
+                    <a:srgbClr val="FFFFFF">
+                      <a:alpha val="100000"/>
+                    </a:srgbClr>
+                  </a:solidFill>
+                  <a:latin typeface="Arial"/>
+                  <a:cs typeface="Arial"/>
+                </a:rPr>
+                <a:t>81%</a:t>
+              </a:r>
+            </a:p>
+          </p:txBody>
+        </p:sp>
+        <p:sp>
+          <p:nvSpPr>
+            <p:cNvPr id="41" name="tx41"/>
+            <p:cNvSpPr/>
+            <p:nvPr/>
+          </p:nvSpPr>
+          <p:spPr>
+            <a:xfrm>
+              <a:off x="2460480" y="5656545"/>
+              <a:ext cx="360102" cy="95808"/>
+            </a:xfrm>
+            <a:prstGeom prst="rect">
+              <a:avLst/>
+            </a:prstGeom>
+            <a:noFill/>
+          </p:spPr>
+          <p:txBody>
+            <a:bodyPr wrap="none" lIns="0" tIns="0" rIns="0" bIns="0" anchor="ctr" anchorCtr="1"/>
+            <a:lstStyle/>
+            <a:p>
+              <a:pPr marL="0" marR="0" indent="0" algn="l">
+                <a:lnSpc>
+                  <a:spcPts val="1000"/>
+                </a:lnSpc>
+                <a:spcBef>
+                  <a:spcPts val="0"/>
+                </a:spcBef>
+                <a:spcAft>
+                  <a:spcPts val="0"/>
+                </a:spcAft>
+              </a:pPr>
+              <a:r>
+                <a:rPr sz="1000">
+                  <a:solidFill>
+                    <a:srgbClr val="000000">
+                      <a:alpha val="100000"/>
+                    </a:srgbClr>
+                  </a:solidFill>
+                  <a:latin typeface="Arial"/>
+                  <a:cs typeface="Arial"/>
+                </a:rPr>
+                <a:t>17.4%</a:t>
+              </a:r>
+            </a:p>
+          </p:txBody>
+        </p:sp>
+        <p:sp>
+          <p:nvSpPr>
+            <p:cNvPr id="42" name="tx42"/>
+            <p:cNvSpPr/>
+            <p:nvPr/>
+          </p:nvSpPr>
+          <p:spPr>
+            <a:xfrm>
+              <a:off x="2495796" y="6090881"/>
+              <a:ext cx="289470" cy="95808"/>
+            </a:xfrm>
+            <a:prstGeom prst="rect">
+              <a:avLst/>
+            </a:prstGeom>
+            <a:noFill/>
+          </p:spPr>
+          <p:txBody>
+            <a:bodyPr wrap="none" lIns="0" tIns="0" rIns="0" bIns="0" anchor="ctr" anchorCtr="1"/>
+            <a:lstStyle/>
+            <a:p>
+              <a:pPr marL="0" marR="0" indent="0" algn="l">
+                <a:lnSpc>
+                  <a:spcPts val="1000"/>
+                </a:lnSpc>
+                <a:spcBef>
+                  <a:spcPts val="0"/>
+                </a:spcBef>
+                <a:spcAft>
+                  <a:spcPts val="0"/>
+                </a:spcAft>
+              </a:pPr>
+              <a:r>
+                <a:rPr sz="1000">
+                  <a:solidFill>
+                    <a:srgbClr val="FFFFFF">
+                      <a:alpha val="100000"/>
+                    </a:srgbClr>
+                  </a:solidFill>
+                  <a:latin typeface="Arial"/>
+                  <a:cs typeface="Arial"/>
+                </a:rPr>
+                <a:t>1.6%</a:t>
+              </a:r>
+            </a:p>
+          </p:txBody>
+        </p:sp>
+        <p:sp>
+          <p:nvSpPr>
+            <p:cNvPr id="43" name="tx43"/>
+            <p:cNvSpPr/>
+            <p:nvPr/>
+          </p:nvSpPr>
+          <p:spPr>
+            <a:xfrm>
+              <a:off x="902653" y="3539727"/>
+              <a:ext cx="360102" cy="95808"/>
+            </a:xfrm>
+            <a:prstGeom prst="rect">
+              <a:avLst/>
+            </a:prstGeom>
+            <a:noFill/>
+          </p:spPr>
+          <p:txBody>
+            <a:bodyPr wrap="none" lIns="0" tIns="0" rIns="0" bIns="0" anchor="ctr" anchorCtr="1"/>
+            <a:lstStyle/>
+            <a:p>
+              <a:pPr marL="0" marR="0" indent="0" algn="l">
+                <a:lnSpc>
+                  <a:spcPts val="1000"/>
+                </a:lnSpc>
+                <a:spcBef>
+                  <a:spcPts val="0"/>
+                </a:spcBef>
+                <a:spcAft>
+                  <a:spcPts val="0"/>
+                </a:spcAft>
+              </a:pPr>
+              <a:r>
+                <a:rPr sz="1000">
+                  <a:solidFill>
+                    <a:srgbClr val="FFFFFF">
+                      <a:alpha val="100000"/>
+                    </a:srgbClr>
+                  </a:solidFill>
+                  <a:latin typeface="Arial"/>
+                  <a:cs typeface="Arial"/>
+                </a:rPr>
+                <a:t>86.8%</a:t>
+              </a:r>
+            </a:p>
+          </p:txBody>
+        </p:sp>
+        <p:sp>
+          <p:nvSpPr>
+            <p:cNvPr id="44" name="tx44"/>
+            <p:cNvSpPr/>
+            <p:nvPr/>
+          </p:nvSpPr>
+          <p:spPr>
+            <a:xfrm>
+              <a:off x="902653" y="5814277"/>
+              <a:ext cx="360102" cy="95808"/>
+            </a:xfrm>
+            <a:prstGeom prst="rect">
+              <a:avLst/>
+            </a:prstGeom>
+            <a:noFill/>
+          </p:spPr>
+          <p:txBody>
+            <a:bodyPr wrap="none" lIns="0" tIns="0" rIns="0" bIns="0" anchor="ctr" anchorCtr="1"/>
+            <a:lstStyle/>
+            <a:p>
+              <a:pPr marL="0" marR="0" indent="0" algn="l">
+                <a:lnSpc>
+                  <a:spcPts val="1000"/>
+                </a:lnSpc>
+                <a:spcBef>
+                  <a:spcPts val="0"/>
+                </a:spcBef>
+                <a:spcAft>
+                  <a:spcPts val="0"/>
+                </a:spcAft>
+              </a:pPr>
+              <a:r>
+                <a:rPr sz="1000">
+                  <a:solidFill>
+                    <a:srgbClr val="000000">
+                      <a:alpha val="100000"/>
+                    </a:srgbClr>
+                  </a:solidFill>
+                  <a:latin typeface="Arial"/>
+                  <a:cs typeface="Arial"/>
+                </a:rPr>
+                <a:t>12.7%</a:t>
+              </a:r>
+            </a:p>
+          </p:txBody>
+        </p:sp>
+        <p:sp>
+          <p:nvSpPr>
+            <p:cNvPr id="45" name="tx45"/>
+            <p:cNvSpPr/>
+            <p:nvPr/>
+          </p:nvSpPr>
+          <p:spPr>
+            <a:xfrm>
+              <a:off x="937969" y="6116027"/>
+              <a:ext cx="289470" cy="95808"/>
+            </a:xfrm>
+            <a:prstGeom prst="rect">
+              <a:avLst/>
+            </a:prstGeom>
+            <a:noFill/>
+          </p:spPr>
+          <p:txBody>
+            <a:bodyPr wrap="none" lIns="0" tIns="0" rIns="0" bIns="0" anchor="ctr" anchorCtr="1"/>
+            <a:lstStyle/>
+            <a:p>
+              <a:pPr marL="0" marR="0" indent="0" algn="l">
+                <a:lnSpc>
+                  <a:spcPts val="1000"/>
+                </a:lnSpc>
+                <a:spcBef>
+                  <a:spcPts val="0"/>
+                </a:spcBef>
+                <a:spcAft>
+                  <a:spcPts val="0"/>
+                </a:spcAft>
+              </a:pPr>
+              <a:r>
+                <a:rPr sz="1000">
+                  <a:solidFill>
+                    <a:srgbClr val="FFFFFF">
+                      <a:alpha val="100000"/>
+                    </a:srgbClr>
+                  </a:solidFill>
+                  <a:latin typeface="Arial"/>
+                  <a:cs typeface="Arial"/>
+                </a:rPr>
+                <a:t>0.5%</a:t>
+              </a:r>
+            </a:p>
+          </p:txBody>
+        </p:sp>
+        <p:sp>
+          <p:nvSpPr>
+            <p:cNvPr id="46" name="tx46"/>
+            <p:cNvSpPr/>
+            <p:nvPr/>
+          </p:nvSpPr>
+          <p:spPr>
+            <a:xfrm>
+              <a:off x="5576134" y="3114535"/>
+              <a:ext cx="360102" cy="95808"/>
+            </a:xfrm>
+            <a:prstGeom prst="rect">
+              <a:avLst/>
+            </a:prstGeom>
+            <a:noFill/>
+          </p:spPr>
+          <p:txBody>
+            <a:bodyPr wrap="none" lIns="0" tIns="0" rIns="0" bIns="0" anchor="ctr" anchorCtr="1"/>
+            <a:lstStyle/>
+            <a:p>
+              <a:pPr marL="0" marR="0" indent="0" algn="l">
+                <a:lnSpc>
+                  <a:spcPts val="1000"/>
+                </a:lnSpc>
+                <a:spcBef>
+                  <a:spcPts val="0"/>
+                </a:spcBef>
+                <a:spcAft>
+                  <a:spcPts val="0"/>
+                </a:spcAft>
+              </a:pPr>
+              <a:r>
+                <a:rPr sz="1000">
+                  <a:solidFill>
+                    <a:srgbClr val="FFFFFF">
+                      <a:alpha val="100000"/>
+                    </a:srgbClr>
+                  </a:solidFill>
+                  <a:latin typeface="Arial"/>
+                  <a:cs typeface="Arial"/>
+                </a:rPr>
+                <a:t>68.2%</a:t>
+              </a:r>
+            </a:p>
+          </p:txBody>
+        </p:sp>
+        <p:sp>
+          <p:nvSpPr>
+            <p:cNvPr id="47" name="tx47"/>
+            <p:cNvSpPr/>
+            <p:nvPr/>
+          </p:nvSpPr>
+          <p:spPr>
+            <a:xfrm>
+              <a:off x="5629092" y="5336508"/>
+              <a:ext cx="254186" cy="95808"/>
+            </a:xfrm>
+            <a:prstGeom prst="rect">
+              <a:avLst/>
+            </a:prstGeom>
+            <a:noFill/>
+          </p:spPr>
+          <p:txBody>
+            <a:bodyPr wrap="none" lIns="0" tIns="0" rIns="0" bIns="0" anchor="ctr" anchorCtr="1"/>
+            <a:lstStyle/>
+            <a:p>
+              <a:pPr marL="0" marR="0" indent="0" algn="l">
+                <a:lnSpc>
+                  <a:spcPts val="1000"/>
+                </a:lnSpc>
+                <a:spcBef>
+                  <a:spcPts val="0"/>
+                </a:spcBef>
+                <a:spcAft>
+                  <a:spcPts val="0"/>
+                </a:spcAft>
+              </a:pPr>
+              <a:r>
+                <a:rPr sz="1000">
+                  <a:solidFill>
+                    <a:srgbClr val="000000">
+                      <a:alpha val="100000"/>
+                    </a:srgbClr>
+                  </a:solidFill>
+                  <a:latin typeface="Arial"/>
+                  <a:cs typeface="Arial"/>
+                </a:rPr>
+                <a:t>29%</a:t>
+              </a:r>
+            </a:p>
+          </p:txBody>
+        </p:sp>
+        <p:sp>
+          <p:nvSpPr>
+            <p:cNvPr id="48" name="tx48"/>
+            <p:cNvSpPr/>
+            <p:nvPr/>
+          </p:nvSpPr>
+          <p:spPr>
+            <a:xfrm>
+              <a:off x="5611450" y="6063449"/>
+              <a:ext cx="289470" cy="95808"/>
+            </a:xfrm>
+            <a:prstGeom prst="rect">
+              <a:avLst/>
+            </a:prstGeom>
+            <a:noFill/>
+          </p:spPr>
+          <p:txBody>
+            <a:bodyPr wrap="none" lIns="0" tIns="0" rIns="0" bIns="0" anchor="ctr" anchorCtr="1"/>
+            <a:lstStyle/>
+            <a:p>
+              <a:pPr marL="0" marR="0" indent="0" algn="l">
+                <a:lnSpc>
+                  <a:spcPts val="1000"/>
+                </a:lnSpc>
+                <a:spcBef>
+                  <a:spcPts val="0"/>
+                </a:spcBef>
+                <a:spcAft>
+                  <a:spcPts val="0"/>
+                </a:spcAft>
+              </a:pPr>
+              <a:r>
+                <a:rPr sz="1000">
+                  <a:solidFill>
+                    <a:srgbClr val="FFFFFF">
+                      <a:alpha val="100000"/>
+                    </a:srgbClr>
+                  </a:solidFill>
+                  <a:latin typeface="Arial"/>
+                  <a:cs typeface="Arial"/>
+                </a:rPr>
+                <a:t>2.8%</a:t>
+              </a:r>
+            </a:p>
+          </p:txBody>
+        </p:sp>
+        <p:sp>
+          <p:nvSpPr>
+            <p:cNvPr id="49" name="tx49"/>
+            <p:cNvSpPr/>
+            <p:nvPr/>
+          </p:nvSpPr>
+          <p:spPr>
+            <a:xfrm>
+              <a:off x="7133961" y="2981948"/>
+              <a:ext cx="360102" cy="95808"/>
+            </a:xfrm>
+            <a:prstGeom prst="rect">
+              <a:avLst/>
+            </a:prstGeom>
+            <a:noFill/>
+          </p:spPr>
+          <p:txBody>
+            <a:bodyPr wrap="none" lIns="0" tIns="0" rIns="0" bIns="0" anchor="ctr" anchorCtr="1"/>
+            <a:lstStyle/>
+            <a:p>
+              <a:pPr marL="0" marR="0" indent="0" algn="l">
+                <a:lnSpc>
+                  <a:spcPts val="1000"/>
+                </a:lnSpc>
+                <a:spcBef>
+                  <a:spcPts val="0"/>
+                </a:spcBef>
+                <a:spcAft>
+                  <a:spcPts val="0"/>
+                </a:spcAft>
+              </a:pPr>
+              <a:r>
+                <a:rPr sz="1000">
+                  <a:solidFill>
+                    <a:srgbClr val="FFFFFF">
+                      <a:alpha val="100000"/>
+                    </a:srgbClr>
+                  </a:solidFill>
+                  <a:latin typeface="Arial"/>
+                  <a:cs typeface="Arial"/>
+                </a:rPr>
+                <a:t>62.4%</a:t>
+              </a:r>
+            </a:p>
+          </p:txBody>
+        </p:sp>
+        <p:sp>
+          <p:nvSpPr>
+            <p:cNvPr id="50" name="tx50"/>
+            <p:cNvSpPr/>
+            <p:nvPr/>
+          </p:nvSpPr>
+          <p:spPr>
+            <a:xfrm>
+              <a:off x="7133961" y="5126197"/>
+              <a:ext cx="360102" cy="95808"/>
+            </a:xfrm>
+            <a:prstGeom prst="rect">
+              <a:avLst/>
+            </a:prstGeom>
+            <a:noFill/>
+          </p:spPr>
+          <p:txBody>
+            <a:bodyPr wrap="none" lIns="0" tIns="0" rIns="0" bIns="0" anchor="ctr" anchorCtr="1"/>
+            <a:lstStyle/>
+            <a:p>
+              <a:pPr marL="0" marR="0" indent="0" algn="l">
+                <a:lnSpc>
+                  <a:spcPts val="1000"/>
+                </a:lnSpc>
+                <a:spcBef>
+                  <a:spcPts val="0"/>
+                </a:spcBef>
+                <a:spcAft>
+                  <a:spcPts val="0"/>
+                </a:spcAft>
+              </a:pPr>
+              <a:r>
+                <a:rPr sz="1000">
+                  <a:solidFill>
+                    <a:srgbClr val="000000">
+                      <a:alpha val="100000"/>
+                    </a:srgbClr>
+                  </a:solidFill>
+                  <a:latin typeface="Arial"/>
+                  <a:cs typeface="Arial"/>
+                </a:rPr>
+                <a:t>31.4%</a:t>
+              </a:r>
+            </a:p>
+          </p:txBody>
+        </p:sp>
+        <p:sp>
+          <p:nvSpPr>
+            <p:cNvPr id="51" name="tx51"/>
+            <p:cNvSpPr/>
+            <p:nvPr/>
+          </p:nvSpPr>
+          <p:spPr>
+            <a:xfrm>
+              <a:off x="7169277" y="5985726"/>
+              <a:ext cx="289470" cy="95808"/>
+            </a:xfrm>
+            <a:prstGeom prst="rect">
+              <a:avLst/>
+            </a:prstGeom>
+            <a:noFill/>
+          </p:spPr>
+          <p:txBody>
+            <a:bodyPr wrap="none" lIns="0" tIns="0" rIns="0" bIns="0" anchor="ctr" anchorCtr="1"/>
+            <a:lstStyle/>
+            <a:p>
+              <a:pPr marL="0" marR="0" indent="0" algn="l">
+                <a:lnSpc>
+                  <a:spcPts val="1000"/>
+                </a:lnSpc>
+                <a:spcBef>
+                  <a:spcPts val="0"/>
+                </a:spcBef>
+                <a:spcAft>
+                  <a:spcPts val="0"/>
+                </a:spcAft>
+              </a:pPr>
+              <a:r>
+                <a:rPr sz="1000">
+                  <a:solidFill>
+                    <a:srgbClr val="FFFFFF">
+                      <a:alpha val="100000"/>
+                    </a:srgbClr>
+                  </a:solidFill>
+                  <a:latin typeface="Arial"/>
+                  <a:cs typeface="Arial"/>
+                </a:rPr>
+                <a:t>6.2%</a:t>
+              </a:r>
+            </a:p>
+          </p:txBody>
+        </p:sp>
+        <p:sp>
+          <p:nvSpPr>
+            <p:cNvPr id="52" name="tx52"/>
+            <p:cNvSpPr/>
+            <p:nvPr/>
+          </p:nvSpPr>
+          <p:spPr>
+            <a:xfrm>
+              <a:off x="7912875" y="2963660"/>
+              <a:ext cx="360102" cy="95808"/>
+            </a:xfrm>
+            <a:prstGeom prst="rect">
+              <a:avLst/>
+            </a:prstGeom>
+            <a:noFill/>
+          </p:spPr>
+          <p:txBody>
+            <a:bodyPr wrap="none" lIns="0" tIns="0" rIns="0" bIns="0" anchor="ctr" anchorCtr="1"/>
+            <a:lstStyle/>
+            <a:p>
+              <a:pPr marL="0" marR="0" indent="0" algn="l">
+                <a:lnSpc>
+                  <a:spcPts val="1000"/>
+                </a:lnSpc>
+                <a:spcBef>
+                  <a:spcPts val="0"/>
+                </a:spcBef>
+                <a:spcAft>
+                  <a:spcPts val="0"/>
+                </a:spcAft>
+              </a:pPr>
+              <a:r>
+                <a:rPr sz="1000">
+                  <a:solidFill>
+                    <a:srgbClr val="FFFFFF">
+                      <a:alpha val="100000"/>
+                    </a:srgbClr>
+                  </a:solidFill>
+                  <a:latin typeface="Arial"/>
+                  <a:cs typeface="Arial"/>
+                </a:rPr>
+                <a:t>61.6%</a:t>
+              </a:r>
+            </a:p>
+          </p:txBody>
+        </p:sp>
+        <p:sp>
+          <p:nvSpPr>
+            <p:cNvPr id="53" name="tx53"/>
+            <p:cNvSpPr/>
+            <p:nvPr/>
+          </p:nvSpPr>
+          <p:spPr>
+            <a:xfrm>
+              <a:off x="7912875" y="5085050"/>
+              <a:ext cx="360102" cy="95808"/>
+            </a:xfrm>
+            <a:prstGeom prst="rect">
+              <a:avLst/>
+            </a:prstGeom>
+            <a:noFill/>
+          </p:spPr>
+          <p:txBody>
+            <a:bodyPr wrap="none" lIns="0" tIns="0" rIns="0" bIns="0" anchor="ctr" anchorCtr="1"/>
+            <a:lstStyle/>
+            <a:p>
+              <a:pPr marL="0" marR="0" indent="0" algn="l">
+                <a:lnSpc>
+                  <a:spcPts val="1000"/>
+                </a:lnSpc>
+                <a:spcBef>
+                  <a:spcPts val="0"/>
+                </a:spcBef>
+                <a:spcAft>
+                  <a:spcPts val="0"/>
+                </a:spcAft>
+              </a:pPr>
+              <a:r>
+                <a:rPr sz="1000">
+                  <a:solidFill>
+                    <a:srgbClr val="000000">
+                      <a:alpha val="100000"/>
+                    </a:srgbClr>
+                  </a:solidFill>
+                  <a:latin typeface="Arial"/>
+                  <a:cs typeface="Arial"/>
+                </a:rPr>
+                <a:t>31.2%</a:t>
+              </a:r>
+            </a:p>
+          </p:txBody>
+        </p:sp>
+        <p:sp>
+          <p:nvSpPr>
+            <p:cNvPr id="54" name="tx54"/>
+            <p:cNvSpPr/>
+            <p:nvPr/>
+          </p:nvSpPr>
+          <p:spPr>
+            <a:xfrm>
+              <a:off x="7948191" y="5962866"/>
+              <a:ext cx="289470" cy="95808"/>
+            </a:xfrm>
+            <a:prstGeom prst="rect">
+              <a:avLst/>
+            </a:prstGeom>
+            <a:noFill/>
+          </p:spPr>
+          <p:txBody>
+            <a:bodyPr wrap="none" lIns="0" tIns="0" rIns="0" bIns="0" anchor="ctr" anchorCtr="1"/>
+            <a:lstStyle/>
+            <a:p>
+              <a:pPr marL="0" marR="0" indent="0" algn="l">
+                <a:lnSpc>
+                  <a:spcPts val="1000"/>
+                </a:lnSpc>
+                <a:spcBef>
+                  <a:spcPts val="0"/>
+                </a:spcBef>
+                <a:spcAft>
+                  <a:spcPts val="0"/>
+                </a:spcAft>
+              </a:pPr>
+              <a:r>
+                <a:rPr sz="1000">
+                  <a:solidFill>
+                    <a:srgbClr val="FFFFFF">
+                      <a:alpha val="100000"/>
+                    </a:srgbClr>
+                  </a:solidFill>
+                  <a:latin typeface="Arial"/>
+                  <a:cs typeface="Arial"/>
+                </a:rPr>
+                <a:t>7.2%</a:t>
+              </a:r>
+            </a:p>
+          </p:txBody>
+        </p:sp>
+        <p:sp>
+          <p:nvSpPr>
+            <p:cNvPr id="55" name="tx55"/>
+            <p:cNvSpPr/>
+            <p:nvPr/>
+          </p:nvSpPr>
+          <p:spPr>
+            <a:xfrm>
+              <a:off x="6408006" y="3064243"/>
+              <a:ext cx="254186" cy="95808"/>
+            </a:xfrm>
+            <a:prstGeom prst="rect">
+              <a:avLst/>
+            </a:prstGeom>
+            <a:noFill/>
+          </p:spPr>
+          <p:txBody>
+            <a:bodyPr wrap="none" lIns="0" tIns="0" rIns="0" bIns="0" anchor="ctr" anchorCtr="1"/>
+            <a:lstStyle/>
+            <a:p>
+              <a:pPr marL="0" marR="0" indent="0" algn="l">
+                <a:lnSpc>
+                  <a:spcPts val="1000"/>
+                </a:lnSpc>
+                <a:spcBef>
+                  <a:spcPts val="0"/>
+                </a:spcBef>
+                <a:spcAft>
+                  <a:spcPts val="0"/>
+                </a:spcAft>
+              </a:pPr>
+              <a:r>
+                <a:rPr sz="1000">
+                  <a:solidFill>
+                    <a:srgbClr val="FFFFFF">
+                      <a:alpha val="100000"/>
+                    </a:srgbClr>
+                  </a:solidFill>
+                  <a:latin typeface="Arial"/>
+                  <a:cs typeface="Arial"/>
+                </a:rPr>
+                <a:t>66%</a:t>
+              </a:r>
+            </a:p>
+          </p:txBody>
+        </p:sp>
+        <p:sp>
+          <p:nvSpPr>
+            <p:cNvPr id="56" name="tx56"/>
+            <p:cNvSpPr/>
+            <p:nvPr/>
+          </p:nvSpPr>
+          <p:spPr>
+            <a:xfrm>
+              <a:off x="6355048" y="5217637"/>
+              <a:ext cx="360102" cy="95808"/>
+            </a:xfrm>
+            <a:prstGeom prst="rect">
+              <a:avLst/>
+            </a:prstGeom>
+            <a:noFill/>
+          </p:spPr>
+          <p:txBody>
+            <a:bodyPr wrap="none" lIns="0" tIns="0" rIns="0" bIns="0" anchor="ctr" anchorCtr="1"/>
+            <a:lstStyle/>
+            <a:p>
+              <a:pPr marL="0" marR="0" indent="0" algn="l">
+                <a:lnSpc>
+                  <a:spcPts val="1000"/>
+                </a:lnSpc>
+                <a:spcBef>
+                  <a:spcPts val="0"/>
+                </a:spcBef>
+                <a:spcAft>
+                  <a:spcPts val="0"/>
+                </a:spcAft>
+              </a:pPr>
+              <a:r>
+                <a:rPr sz="1000">
+                  <a:solidFill>
+                    <a:srgbClr val="000000">
+                      <a:alpha val="100000"/>
+                    </a:srgbClr>
+                  </a:solidFill>
+                  <a:latin typeface="Arial"/>
+                  <a:cs typeface="Arial"/>
+                </a:rPr>
+                <a:t>28.2%</a:t>
+              </a:r>
+            </a:p>
+          </p:txBody>
+        </p:sp>
+        <p:sp>
+          <p:nvSpPr>
+            <p:cNvPr id="57" name="tx57"/>
+            <p:cNvSpPr/>
+            <p:nvPr/>
+          </p:nvSpPr>
+          <p:spPr>
+            <a:xfrm>
+              <a:off x="6390364" y="5994870"/>
+              <a:ext cx="289470" cy="95808"/>
+            </a:xfrm>
+            <a:prstGeom prst="rect">
+              <a:avLst/>
+            </a:prstGeom>
+            <a:noFill/>
+          </p:spPr>
+          <p:txBody>
+            <a:bodyPr wrap="none" lIns="0" tIns="0" rIns="0" bIns="0" anchor="ctr" anchorCtr="1"/>
+            <a:lstStyle/>
+            <a:p>
+              <a:pPr marL="0" marR="0" indent="0" algn="l">
+                <a:lnSpc>
+                  <a:spcPts val="1000"/>
+                </a:lnSpc>
+                <a:spcBef>
+                  <a:spcPts val="0"/>
+                </a:spcBef>
+                <a:spcAft>
+                  <a:spcPts val="0"/>
+                </a:spcAft>
+              </a:pPr>
+              <a:r>
+                <a:rPr sz="1000">
+                  <a:solidFill>
+                    <a:srgbClr val="FFFFFF">
+                      <a:alpha val="100000"/>
+                    </a:srgbClr>
+                  </a:solidFill>
+                  <a:latin typeface="Arial"/>
+                  <a:cs typeface="Arial"/>
+                </a:rPr>
+                <a:t>5.8%</a:t>
+              </a:r>
+            </a:p>
+          </p:txBody>
+        </p:sp>
+        <p:sp>
+          <p:nvSpPr>
+            <p:cNvPr id="58" name="tx58"/>
+            <p:cNvSpPr/>
+            <p:nvPr/>
+          </p:nvSpPr>
+          <p:spPr>
+            <a:xfrm>
+              <a:off x="1681567" y="3427714"/>
+              <a:ext cx="360102" cy="95808"/>
+            </a:xfrm>
+            <a:prstGeom prst="rect">
+              <a:avLst/>
+            </a:prstGeom>
+            <a:noFill/>
+          </p:spPr>
+          <p:txBody>
+            <a:bodyPr wrap="none" lIns="0" tIns="0" rIns="0" bIns="0" anchor="ctr" anchorCtr="1"/>
+            <a:lstStyle/>
+            <a:p>
+              <a:pPr marL="0" marR="0" indent="0" algn="l">
+                <a:lnSpc>
+                  <a:spcPts val="1000"/>
+                </a:lnSpc>
+                <a:spcBef>
+                  <a:spcPts val="0"/>
+                </a:spcBef>
+                <a:spcAft>
+                  <a:spcPts val="0"/>
+                </a:spcAft>
+              </a:pPr>
+              <a:r>
+                <a:rPr sz="1000">
+                  <a:solidFill>
+                    <a:srgbClr val="FFFFFF">
+                      <a:alpha val="100000"/>
+                    </a:srgbClr>
+                  </a:solidFill>
+                  <a:latin typeface="Arial"/>
+                  <a:cs typeface="Arial"/>
+                </a:rPr>
+                <a:t>81.9%</a:t>
+              </a:r>
+            </a:p>
+          </p:txBody>
+        </p:sp>
+        <p:sp>
+          <p:nvSpPr>
+            <p:cNvPr id="59" name="tx59"/>
+            <p:cNvSpPr/>
+            <p:nvPr/>
+          </p:nvSpPr>
+          <p:spPr>
+            <a:xfrm>
+              <a:off x="1681567" y="5679405"/>
+              <a:ext cx="360102" cy="95808"/>
+            </a:xfrm>
+            <a:prstGeom prst="rect">
+              <a:avLst/>
+            </a:prstGeom>
+            <a:noFill/>
+          </p:spPr>
+          <p:txBody>
+            <a:bodyPr wrap="none" lIns="0" tIns="0" rIns="0" bIns="0" anchor="ctr" anchorCtr="1"/>
+            <a:lstStyle/>
+            <a:p>
+              <a:pPr marL="0" marR="0" indent="0" algn="l">
+                <a:lnSpc>
+                  <a:spcPts val="1000"/>
+                </a:lnSpc>
+                <a:spcBef>
+                  <a:spcPts val="0"/>
+                </a:spcBef>
+                <a:spcAft>
+                  <a:spcPts val="0"/>
+                </a:spcAft>
+              </a:pPr>
+              <a:r>
+                <a:rPr sz="1000">
+                  <a:solidFill>
+                    <a:srgbClr val="000000">
+                      <a:alpha val="100000"/>
+                    </a:srgbClr>
+                  </a:solidFill>
+                  <a:latin typeface="Arial"/>
+                  <a:cs typeface="Arial"/>
+                </a:rPr>
+                <a:t>16.6%</a:t>
+              </a:r>
+            </a:p>
+          </p:txBody>
+        </p:sp>
+        <p:sp>
+          <p:nvSpPr>
+            <p:cNvPr id="60" name="tx60"/>
+            <p:cNvSpPr/>
+            <p:nvPr/>
+          </p:nvSpPr>
+          <p:spPr>
+            <a:xfrm>
+              <a:off x="1716883" y="6093167"/>
+              <a:ext cx="289470" cy="95808"/>
+            </a:xfrm>
+            <a:prstGeom prst="rect">
+              <a:avLst/>
+            </a:prstGeom>
+            <a:noFill/>
+          </p:spPr>
+          <p:txBody>
+            <a:bodyPr wrap="none" lIns="0" tIns="0" rIns="0" bIns="0" anchor="ctr" anchorCtr="1"/>
+            <a:lstStyle/>
+            <a:p>
+              <a:pPr marL="0" marR="0" indent="0" algn="l">
+                <a:lnSpc>
+                  <a:spcPts val="1000"/>
+                </a:lnSpc>
+                <a:spcBef>
+                  <a:spcPts val="0"/>
+                </a:spcBef>
+                <a:spcAft>
+                  <a:spcPts val="0"/>
+                </a:spcAft>
+              </a:pPr>
+              <a:r>
+                <a:rPr sz="1000">
+                  <a:solidFill>
+                    <a:srgbClr val="FFFFFF">
+                      <a:alpha val="100000"/>
+                    </a:srgbClr>
+                  </a:solidFill>
+                  <a:latin typeface="Arial"/>
+                  <a:cs typeface="Arial"/>
+                </a:rPr>
+                <a:t>1.5%</a:t>
+              </a:r>
+            </a:p>
+          </p:txBody>
+        </p:sp>
+        <p:sp>
+          <p:nvSpPr>
+            <p:cNvPr id="61" name="tx61"/>
+            <p:cNvSpPr/>
+            <p:nvPr/>
+          </p:nvSpPr>
+          <p:spPr>
+            <a:xfrm>
+              <a:off x="4797221" y="3116821"/>
+              <a:ext cx="360102" cy="95808"/>
+            </a:xfrm>
+            <a:prstGeom prst="rect">
+              <a:avLst/>
+            </a:prstGeom>
+            <a:noFill/>
+          </p:spPr>
+          <p:txBody>
+            <a:bodyPr wrap="none" lIns="0" tIns="0" rIns="0" bIns="0" anchor="ctr" anchorCtr="1"/>
+            <a:lstStyle/>
+            <a:p>
+              <a:pPr marL="0" marR="0" indent="0" algn="l">
+                <a:lnSpc>
+                  <a:spcPts val="1000"/>
+                </a:lnSpc>
+                <a:spcBef>
+                  <a:spcPts val="0"/>
+                </a:spcBef>
+                <a:spcAft>
+                  <a:spcPts val="0"/>
+                </a:spcAft>
+              </a:pPr>
+              <a:r>
+                <a:rPr sz="1000">
+                  <a:solidFill>
+                    <a:srgbClr val="FFFFFF">
+                      <a:alpha val="100000"/>
+                    </a:srgbClr>
+                  </a:solidFill>
+                  <a:latin typeface="Arial"/>
+                  <a:cs typeface="Arial"/>
+                </a:rPr>
+                <a:t>68.3%</a:t>
+              </a:r>
+            </a:p>
+          </p:txBody>
+        </p:sp>
+        <p:sp>
+          <p:nvSpPr>
+            <p:cNvPr id="62" name="tx62"/>
+            <p:cNvSpPr/>
+            <p:nvPr/>
+          </p:nvSpPr>
+          <p:spPr>
+            <a:xfrm>
+              <a:off x="4797221" y="5329650"/>
+              <a:ext cx="360102" cy="95808"/>
+            </a:xfrm>
+            <a:prstGeom prst="rect">
+              <a:avLst/>
+            </a:prstGeom>
+            <a:noFill/>
+          </p:spPr>
+          <p:txBody>
+            <a:bodyPr wrap="none" lIns="0" tIns="0" rIns="0" bIns="0" anchor="ctr" anchorCtr="1"/>
+            <a:lstStyle/>
+            <a:p>
+              <a:pPr marL="0" marR="0" indent="0" algn="l">
+                <a:lnSpc>
+                  <a:spcPts val="1000"/>
+                </a:lnSpc>
+                <a:spcBef>
+                  <a:spcPts val="0"/>
+                </a:spcBef>
+                <a:spcAft>
+                  <a:spcPts val="0"/>
+                </a:spcAft>
+              </a:pPr>
+              <a:r>
+                <a:rPr sz="1000">
+                  <a:solidFill>
+                    <a:srgbClr val="000000">
+                      <a:alpha val="100000"/>
+                    </a:srgbClr>
+                  </a:solidFill>
+                  <a:latin typeface="Arial"/>
+                  <a:cs typeface="Arial"/>
+                </a:rPr>
+                <a:t>28.5%</a:t>
+              </a:r>
+            </a:p>
+          </p:txBody>
+        </p:sp>
+        <p:sp>
+          <p:nvSpPr>
+            <p:cNvPr id="63" name="tx63"/>
+            <p:cNvSpPr/>
+            <p:nvPr/>
+          </p:nvSpPr>
+          <p:spPr>
+            <a:xfrm>
+              <a:off x="4832537" y="6054305"/>
+              <a:ext cx="289470" cy="95808"/>
+            </a:xfrm>
+            <a:prstGeom prst="rect">
+              <a:avLst/>
+            </a:prstGeom>
+            <a:noFill/>
+          </p:spPr>
+          <p:txBody>
+            <a:bodyPr wrap="none" lIns="0" tIns="0" rIns="0" bIns="0" anchor="ctr" anchorCtr="1"/>
+            <a:lstStyle/>
+            <a:p>
+              <a:pPr marL="0" marR="0" indent="0" algn="l">
+                <a:lnSpc>
+                  <a:spcPts val="1000"/>
+                </a:lnSpc>
+                <a:spcBef>
+                  <a:spcPts val="0"/>
+                </a:spcBef>
+                <a:spcAft>
+                  <a:spcPts val="0"/>
+                </a:spcAft>
+              </a:pPr>
+              <a:r>
+                <a:rPr sz="1000">
+                  <a:solidFill>
+                    <a:srgbClr val="FFFFFF">
+                      <a:alpha val="100000"/>
+                    </a:srgbClr>
+                  </a:solidFill>
+                  <a:latin typeface="Arial"/>
+                  <a:cs typeface="Arial"/>
+                </a:rPr>
+                <a:t>3.2%</a:t>
+              </a:r>
+            </a:p>
+          </p:txBody>
+        </p:sp>
+        <p:sp>
+          <p:nvSpPr>
+            <p:cNvPr id="64" name="tx64"/>
+            <p:cNvSpPr/>
+            <p:nvPr/>
+          </p:nvSpPr>
+          <p:spPr>
+            <a:xfrm>
+              <a:off x="692003" y="6459873"/>
+              <a:ext cx="781402" cy="86871"/>
+            </a:xfrm>
+            <a:prstGeom prst="rect">
+              <a:avLst/>
+            </a:prstGeom>
+            <a:noFill/>
+          </p:spPr>
+          <p:txBody>
+            <a:bodyPr wrap="none" lIns="0" tIns="0" rIns="0" bIns="0" anchor="ctr" anchorCtr="1"/>
+            <a:lstStyle/>
+            <a:p>
+              <a:pPr marL="0" marR="0" indent="0" algn="l">
+                <a:lnSpc>
+                  <a:spcPts val="888"/>
+                </a:lnSpc>
+                <a:spcBef>
+                  <a:spcPts val="0"/>
+                </a:spcBef>
+                <a:spcAft>
+                  <a:spcPts val="0"/>
+                </a:spcAft>
+              </a:pPr>
+              <a:r>
+                <a:rPr sz="888">
+                  <a:solidFill>
+                    <a:srgbClr val="191919">
+                      <a:alpha val="100000"/>
+                    </a:srgbClr>
+                  </a:solidFill>
+                  <a:latin typeface="Open Sans"/>
+                  <a:cs typeface="Open Sans"/>
+                </a:rPr>
+                <a:t>Shademeadow</a:t>
+              </a:r>
+            </a:p>
+          </p:txBody>
+        </p:sp>
+        <p:sp>
+          <p:nvSpPr>
+            <p:cNvPr id="65" name="tx65"/>
+            <p:cNvSpPr/>
+            <p:nvPr/>
+          </p:nvSpPr>
+          <p:spPr>
+            <a:xfrm>
+              <a:off x="1533976" y="6433855"/>
+              <a:ext cx="655284" cy="112888"/>
+            </a:xfrm>
+            <a:prstGeom prst="rect">
+              <a:avLst/>
+            </a:prstGeom>
+            <a:noFill/>
+          </p:spPr>
+          <p:txBody>
+            <a:bodyPr wrap="none" lIns="0" tIns="0" rIns="0" bIns="0" anchor="ctr" anchorCtr="1"/>
+            <a:lstStyle/>
+            <a:p>
+              <a:pPr marL="0" marR="0" indent="0" algn="l">
+                <a:lnSpc>
+                  <a:spcPts val="888"/>
+                </a:lnSpc>
+                <a:spcBef>
+                  <a:spcPts val="0"/>
+                </a:spcBef>
+                <a:spcAft>
+                  <a:spcPts val="0"/>
+                </a:spcAft>
+              </a:pPr>
+              <a:r>
+                <a:rPr sz="888">
+                  <a:solidFill>
+                    <a:srgbClr val="191919">
+                      <a:alpha val="100000"/>
+                    </a:srgbClr>
+                  </a:solidFill>
+                  <a:latin typeface="Open Sans"/>
+                  <a:cs typeface="Open Sans"/>
+                </a:rPr>
+                <a:t>Springbeech</a:t>
+              </a:r>
+            </a:p>
+          </p:txBody>
+        </p:sp>
+        <p:sp>
+          <p:nvSpPr>
+            <p:cNvPr id="66" name="tx66"/>
+            <p:cNvSpPr/>
+            <p:nvPr/>
+          </p:nvSpPr>
+          <p:spPr>
+            <a:xfrm>
+              <a:off x="2388571" y="6433800"/>
+              <a:ext cx="503921" cy="112944"/>
+            </a:xfrm>
+            <a:prstGeom prst="rect">
+              <a:avLst/>
+            </a:prstGeom>
+            <a:noFill/>
+          </p:spPr>
+          <p:txBody>
+            <a:bodyPr wrap="none" lIns="0" tIns="0" rIns="0" bIns="0" anchor="ctr" anchorCtr="1"/>
+            <a:lstStyle/>
+            <a:p>
+              <a:pPr marL="0" marR="0" indent="0" algn="l">
+                <a:lnSpc>
+                  <a:spcPts val="888"/>
+                </a:lnSpc>
+                <a:spcBef>
+                  <a:spcPts val="0"/>
+                </a:spcBef>
+                <a:spcAft>
+                  <a:spcPts val="0"/>
+                </a:spcAft>
+              </a:pPr>
+              <a:r>
+                <a:rPr sz="888">
+                  <a:solidFill>
+                    <a:srgbClr val="191919">
+                      <a:alpha val="100000"/>
+                    </a:srgbClr>
+                  </a:solidFill>
+                  <a:latin typeface="Open Sans"/>
+                  <a:cs typeface="Open Sans"/>
+                </a:rPr>
+                <a:t>Fayhedge</a:t>
+              </a:r>
+            </a:p>
+          </p:txBody>
+        </p:sp>
+        <p:sp>
+          <p:nvSpPr>
+            <p:cNvPr id="67" name="tx67"/>
+            <p:cNvSpPr/>
+            <p:nvPr/>
+          </p:nvSpPr>
+          <p:spPr>
+            <a:xfrm>
+              <a:off x="3154586" y="6459873"/>
+              <a:ext cx="529717" cy="86871"/>
+            </a:xfrm>
+            <a:prstGeom prst="rect">
+              <a:avLst/>
+            </a:prstGeom>
+            <a:noFill/>
+          </p:spPr>
+          <p:txBody>
+            <a:bodyPr wrap="none" lIns="0" tIns="0" rIns="0" bIns="0" anchor="ctr" anchorCtr="1"/>
+            <a:lstStyle/>
+            <a:p>
+              <a:pPr marL="0" marR="0" indent="0" algn="l">
+                <a:lnSpc>
+                  <a:spcPts val="888"/>
+                </a:lnSpc>
+                <a:spcBef>
+                  <a:spcPts val="0"/>
+                </a:spcBef>
+                <a:spcAft>
+                  <a:spcPts val="0"/>
+                </a:spcAft>
+              </a:pPr>
+              <a:r>
+                <a:rPr sz="888">
+                  <a:solidFill>
+                    <a:srgbClr val="191919">
+                      <a:alpha val="100000"/>
+                    </a:srgbClr>
+                  </a:solidFill>
+                  <a:latin typeface="Open Sans"/>
+                  <a:cs typeface="Open Sans"/>
+                </a:rPr>
+                <a:t>Rockcoast</a:t>
+              </a:r>
+            </a:p>
+          </p:txBody>
+        </p:sp>
+        <p:sp>
+          <p:nvSpPr>
+            <p:cNvPr id="68" name="tx68"/>
+            <p:cNvSpPr/>
+            <p:nvPr/>
+          </p:nvSpPr>
+          <p:spPr>
+            <a:xfrm>
+              <a:off x="3945185" y="6459873"/>
+              <a:ext cx="506346" cy="86871"/>
+            </a:xfrm>
+            <a:prstGeom prst="rect">
+              <a:avLst/>
+            </a:prstGeom>
+            <a:noFill/>
+          </p:spPr>
+          <p:txBody>
+            <a:bodyPr wrap="none" lIns="0" tIns="0" rIns="0" bIns="0" anchor="ctr" anchorCtr="1"/>
+            <a:lstStyle/>
+            <a:p>
+              <a:pPr marL="0" marR="0" indent="0" algn="l">
+                <a:lnSpc>
+                  <a:spcPts val="888"/>
+                </a:lnSpc>
+                <a:spcBef>
+                  <a:spcPts val="0"/>
+                </a:spcBef>
+                <a:spcAft>
+                  <a:spcPts val="0"/>
+                </a:spcAft>
+              </a:pPr>
+              <a:r>
+                <a:rPr sz="888">
+                  <a:solidFill>
+                    <a:srgbClr val="191919">
+                      <a:alpha val="100000"/>
+                    </a:srgbClr>
+                  </a:solidFill>
+                  <a:latin typeface="Open Sans"/>
+                  <a:cs typeface="Open Sans"/>
+                </a:rPr>
+                <a:t>Oldhaven</a:t>
+              </a:r>
+            </a:p>
+          </p:txBody>
+        </p:sp>
+        <p:sp>
+          <p:nvSpPr>
+            <p:cNvPr id="69" name="tx69"/>
+            <p:cNvSpPr/>
+            <p:nvPr/>
+          </p:nvSpPr>
+          <p:spPr>
+            <a:xfrm>
+              <a:off x="4776409" y="6459266"/>
+              <a:ext cx="401725" cy="87477"/>
+            </a:xfrm>
+            <a:prstGeom prst="rect">
+              <a:avLst/>
+            </a:prstGeom>
+            <a:noFill/>
+          </p:spPr>
+          <p:txBody>
+            <a:bodyPr wrap="none" lIns="0" tIns="0" rIns="0" bIns="0" anchor="ctr" anchorCtr="1"/>
+            <a:lstStyle/>
+            <a:p>
+              <a:pPr marL="0" marR="0" indent="0" algn="l">
+                <a:lnSpc>
+                  <a:spcPts val="888"/>
+                </a:lnSpc>
+                <a:spcBef>
+                  <a:spcPts val="0"/>
+                </a:spcBef>
+                <a:spcAft>
+                  <a:spcPts val="0"/>
+                </a:spcAft>
+              </a:pPr>
+              <a:r>
+                <a:rPr sz="888">
+                  <a:solidFill>
+                    <a:srgbClr val="191919">
+                      <a:alpha val="100000"/>
+                    </a:srgbClr>
+                  </a:solidFill>
+                  <a:latin typeface="Open Sans"/>
+                  <a:cs typeface="Open Sans"/>
+                </a:rPr>
+                <a:t>Clearelf</a:t>
+              </a:r>
+            </a:p>
+          </p:txBody>
+        </p:sp>
+        <p:sp>
+          <p:nvSpPr>
+            <p:cNvPr id="70" name="tx70"/>
+            <p:cNvSpPr/>
+            <p:nvPr/>
+          </p:nvSpPr>
+          <p:spPr>
+            <a:xfrm>
+              <a:off x="5410711" y="6459873"/>
+              <a:ext cx="690948" cy="86871"/>
+            </a:xfrm>
+            <a:prstGeom prst="rect">
+              <a:avLst/>
+            </a:prstGeom>
+            <a:noFill/>
+          </p:spPr>
+          <p:txBody>
+            <a:bodyPr wrap="none" lIns="0" tIns="0" rIns="0" bIns="0" anchor="ctr" anchorCtr="1"/>
+            <a:lstStyle/>
+            <a:p>
+              <a:pPr marL="0" marR="0" indent="0" algn="l">
+                <a:lnSpc>
+                  <a:spcPts val="888"/>
+                </a:lnSpc>
+                <a:spcBef>
+                  <a:spcPts val="0"/>
+                </a:spcBef>
+                <a:spcAft>
+                  <a:spcPts val="0"/>
+                </a:spcAft>
+              </a:pPr>
+              <a:r>
+                <a:rPr sz="888">
+                  <a:solidFill>
+                    <a:srgbClr val="191919">
+                      <a:alpha val="100000"/>
+                    </a:srgbClr>
+                  </a:solidFill>
+                  <a:latin typeface="Open Sans"/>
+                  <a:cs typeface="Open Sans"/>
+                </a:rPr>
+                <a:t>Newmeadow</a:t>
+              </a:r>
+            </a:p>
+          </p:txBody>
+        </p:sp>
+        <p:sp>
+          <p:nvSpPr>
+            <p:cNvPr id="71" name="tx71"/>
+            <p:cNvSpPr/>
+            <p:nvPr/>
+          </p:nvSpPr>
+          <p:spPr>
+            <a:xfrm>
+              <a:off x="6347217" y="6433800"/>
+              <a:ext cx="375763" cy="112944"/>
+            </a:xfrm>
+            <a:prstGeom prst="rect">
+              <a:avLst/>
+            </a:prstGeom>
+            <a:noFill/>
+          </p:spPr>
+          <p:txBody>
+            <a:bodyPr wrap="none" lIns="0" tIns="0" rIns="0" bIns="0" anchor="ctr" anchorCtr="1"/>
+            <a:lstStyle/>
+            <a:p>
+              <a:pPr marL="0" marR="0" indent="0" algn="l">
+                <a:lnSpc>
+                  <a:spcPts val="888"/>
+                </a:lnSpc>
+                <a:spcBef>
+                  <a:spcPts val="0"/>
+                </a:spcBef>
+                <a:spcAft>
+                  <a:spcPts val="0"/>
+                </a:spcAft>
+              </a:pPr>
+              <a:r>
+                <a:rPr sz="888">
+                  <a:solidFill>
+                    <a:srgbClr val="191919">
+                      <a:alpha val="100000"/>
+                    </a:srgbClr>
+                  </a:solidFill>
+                  <a:latin typeface="Open Sans"/>
+                  <a:cs typeface="Open Sans"/>
+                </a:rPr>
+                <a:t>Lochby</a:t>
+              </a:r>
+            </a:p>
+          </p:txBody>
+        </p:sp>
+        <p:sp>
+          <p:nvSpPr>
+            <p:cNvPr id="72" name="tx72"/>
+            <p:cNvSpPr/>
+            <p:nvPr/>
+          </p:nvSpPr>
+          <p:spPr>
+            <a:xfrm>
+              <a:off x="7074151" y="6459873"/>
+              <a:ext cx="479722" cy="86871"/>
+            </a:xfrm>
+            <a:prstGeom prst="rect">
+              <a:avLst/>
+            </a:prstGeom>
+            <a:noFill/>
+          </p:spPr>
+          <p:txBody>
+            <a:bodyPr wrap="none" lIns="0" tIns="0" rIns="0" bIns="0" anchor="ctr" anchorCtr="1"/>
+            <a:lstStyle/>
+            <a:p>
+              <a:pPr marL="0" marR="0" indent="0" algn="l">
+                <a:lnSpc>
+                  <a:spcPts val="888"/>
+                </a:lnSpc>
+                <a:spcBef>
+                  <a:spcPts val="0"/>
+                </a:spcBef>
+                <a:spcAft>
+                  <a:spcPts val="0"/>
+                </a:spcAft>
+              </a:pPr>
+              <a:r>
+                <a:rPr sz="888">
+                  <a:solidFill>
+                    <a:srgbClr val="191919">
+                      <a:alpha val="100000"/>
+                    </a:srgbClr>
+                  </a:solidFill>
+                  <a:latin typeface="Open Sans"/>
+                  <a:cs typeface="Open Sans"/>
+                </a:rPr>
+                <a:t>Dellmere</a:t>
+              </a:r>
+            </a:p>
+          </p:txBody>
+        </p:sp>
+        <p:sp>
+          <p:nvSpPr>
+            <p:cNvPr id="73" name="tx73"/>
+            <p:cNvSpPr/>
+            <p:nvPr/>
+          </p:nvSpPr>
+          <p:spPr>
+            <a:xfrm>
+              <a:off x="7870566" y="6439037"/>
+              <a:ext cx="444720" cy="107707"/>
+            </a:xfrm>
+            <a:prstGeom prst="rect">
+              <a:avLst/>
+            </a:prstGeom>
+            <a:noFill/>
+          </p:spPr>
+          <p:txBody>
+            <a:bodyPr wrap="none" lIns="0" tIns="0" rIns="0" bIns="0" anchor="ctr" anchorCtr="1"/>
+            <a:lstStyle/>
+            <a:p>
+              <a:pPr marL="0" marR="0" indent="0" algn="l">
+                <a:lnSpc>
+                  <a:spcPts val="888"/>
+                </a:lnSpc>
+                <a:spcBef>
+                  <a:spcPts val="0"/>
+                </a:spcBef>
+                <a:spcAft>
+                  <a:spcPts val="0"/>
+                </a:spcAft>
+              </a:pPr>
+              <a:r>
+                <a:rPr sz="888">
+                  <a:solidFill>
+                    <a:srgbClr val="191919">
+                      <a:alpha val="100000"/>
+                    </a:srgbClr>
+                  </a:solidFill>
+                  <a:latin typeface="Open Sans"/>
+                  <a:cs typeface="Open Sans"/>
+                </a:rPr>
+                <a:t>Vertgate</a:t>
+              </a:r>
+            </a:p>
+          </p:txBody>
+        </p:sp>
+        <p:sp>
+          <p:nvSpPr>
+            <p:cNvPr id="74" name="rc74"/>
+            <p:cNvSpPr/>
+            <p:nvPr/>
+          </p:nvSpPr>
+          <p:spPr>
+            <a:xfrm>
+              <a:off x="687619" y="1107896"/>
+              <a:ext cx="133830" cy="133830"/>
+            </a:xfrm>
+            <a:prstGeom prst="rect">
+              <a:avLst/>
+            </a:prstGeom>
+            <a:solidFill>
+              <a:srgbClr val="92D050">
+                <a:alpha val="100000"/>
+              </a:srgbClr>
+            </a:solidFill>
+          </p:spPr>
+          <p:txBody>
+            <a:bodyPr/>
+            <a:lstStyle/>
+            <a:p>
+              <a:endParaRPr/>
+            </a:p>
+          </p:txBody>
+        </p:sp>
+        <p:sp>
+          <p:nvSpPr>
+            <p:cNvPr id="75" name="rc75"/>
+            <p:cNvSpPr/>
+            <p:nvPr/>
+          </p:nvSpPr>
+          <p:spPr>
+            <a:xfrm>
+              <a:off x="1541885" y="1107896"/>
+              <a:ext cx="133830" cy="133830"/>
+            </a:xfrm>
+            <a:prstGeom prst="rect">
+              <a:avLst/>
+            </a:prstGeom>
+            <a:solidFill>
+              <a:srgbClr val="FFFF00">
+                <a:alpha val="100000"/>
+              </a:srgbClr>
+            </a:solidFill>
+          </p:spPr>
+          <p:txBody>
+            <a:bodyPr/>
+            <a:lstStyle/>
+            <a:p>
+              <a:endParaRPr/>
+            </a:p>
+          </p:txBody>
+        </p:sp>
+        <p:sp>
+          <p:nvSpPr>
+            <p:cNvPr id="76" name="rc76"/>
+            <p:cNvSpPr/>
+            <p:nvPr/>
+          </p:nvSpPr>
+          <p:spPr>
+            <a:xfrm>
+              <a:off x="2375425" y="1107896"/>
+              <a:ext cx="133830" cy="133830"/>
+            </a:xfrm>
+            <a:prstGeom prst="rect">
+              <a:avLst/>
+            </a:prstGeom>
+            <a:solidFill>
+              <a:srgbClr val="FF0000">
+                <a:alpha val="100000"/>
+              </a:srgbClr>
+            </a:solidFill>
+          </p:spPr>
+          <p:txBody>
+            <a:bodyPr/>
+            <a:lstStyle/>
+            <a:p>
+              <a:endParaRPr/>
+            </a:p>
+          </p:txBody>
+        </p:sp>
+        <p:sp>
+          <p:nvSpPr>
+            <p:cNvPr id="77" name="tx77"/>
+            <p:cNvSpPr/>
+            <p:nvPr/>
+          </p:nvSpPr>
+          <p:spPr>
+            <a:xfrm>
+              <a:off x="893713" y="1102327"/>
+              <a:ext cx="575909" cy="112778"/>
+            </a:xfrm>
+            <a:prstGeom prst="rect">
+              <a:avLst/>
+            </a:prstGeom>
+            <a:noFill/>
+          </p:spPr>
+          <p:txBody>
+            <a:bodyPr wrap="none" lIns="0" tIns="0" rIns="0" bIns="0" anchor="ctr" anchorCtr="1"/>
+            <a:lstStyle/>
+            <a:p>
+              <a:pPr marL="0" marR="0" indent="0" algn="l">
+                <a:lnSpc>
+                  <a:spcPts val="888"/>
+                </a:lnSpc>
+                <a:spcBef>
+                  <a:spcPts val="0"/>
+                </a:spcBef>
+                <a:spcAft>
+                  <a:spcPts val="0"/>
+                </a:spcAft>
+              </a:pPr>
+              <a:r>
+                <a:rPr sz="888">
+                  <a:solidFill>
+                    <a:srgbClr val="191919">
+                      <a:alpha val="100000"/>
+                    </a:srgbClr>
+                  </a:solidFill>
+                  <a:latin typeface="Open Sans"/>
+                  <a:cs typeface="Open Sans"/>
+                </a:rPr>
+                <a:t>Acceptable</a:t>
+              </a:r>
+            </a:p>
+          </p:txBody>
+        </p:sp>
+        <p:sp>
+          <p:nvSpPr>
+            <p:cNvPr id="78" name="tx78"/>
+            <p:cNvSpPr/>
+            <p:nvPr/>
+          </p:nvSpPr>
+          <p:spPr>
+            <a:xfrm>
+              <a:off x="1747978" y="1128234"/>
+              <a:ext cx="555184" cy="86871"/>
+            </a:xfrm>
+            <a:prstGeom prst="rect">
+              <a:avLst/>
+            </a:prstGeom>
+            <a:noFill/>
+          </p:spPr>
+          <p:txBody>
+            <a:bodyPr wrap="none" lIns="0" tIns="0" rIns="0" bIns="0" anchor="ctr" anchorCtr="1"/>
+            <a:lstStyle/>
+            <a:p>
+              <a:pPr marL="0" marR="0" indent="0" algn="l">
+                <a:lnSpc>
+                  <a:spcPts val="888"/>
+                </a:lnSpc>
+                <a:spcBef>
+                  <a:spcPts val="0"/>
+                </a:spcBef>
+                <a:spcAft>
+                  <a:spcPts val="0"/>
+                </a:spcAft>
+              </a:pPr>
+              <a:r>
+                <a:rPr sz="888">
+                  <a:solidFill>
+                    <a:srgbClr val="191919">
+                      <a:alpha val="100000"/>
+                    </a:srgbClr>
+                  </a:solidFill>
+                  <a:latin typeface="Open Sans"/>
+                  <a:cs typeface="Open Sans"/>
+                </a:rPr>
+                <a:t>Borderline</a:t>
+              </a:r>
+            </a:p>
+          </p:txBody>
+        </p:sp>
+        <p:sp>
+          <p:nvSpPr>
+            <p:cNvPr id="79" name="tx79"/>
+            <p:cNvSpPr/>
+            <p:nvPr/>
+          </p:nvSpPr>
+          <p:spPr>
+            <a:xfrm>
+              <a:off x="2581519" y="1133415"/>
+              <a:ext cx="249865" cy="81690"/>
+            </a:xfrm>
+            <a:prstGeom prst="rect">
+              <a:avLst/>
+            </a:prstGeom>
+            <a:noFill/>
+          </p:spPr>
+          <p:txBody>
+            <a:bodyPr wrap="none" lIns="0" tIns="0" rIns="0" bIns="0" anchor="ctr" anchorCtr="1"/>
+            <a:lstStyle/>
+            <a:p>
+              <a:pPr marL="0" marR="0" indent="0" algn="l">
+                <a:lnSpc>
+                  <a:spcPts val="888"/>
+                </a:lnSpc>
+                <a:spcBef>
+                  <a:spcPts val="0"/>
+                </a:spcBef>
+                <a:spcAft>
+                  <a:spcPts val="0"/>
+                </a:spcAft>
+              </a:pPr>
+              <a:r>
+                <a:rPr sz="888">
+                  <a:solidFill>
+                    <a:srgbClr val="191919">
+                      <a:alpha val="100000"/>
+                    </a:srgbClr>
+                  </a:solidFill>
+                  <a:latin typeface="Open Sans"/>
+                  <a:cs typeface="Open Sans"/>
+                </a:rPr>
+                <a:t>Poor</a:t>
+              </a:r>
+            </a:p>
+          </p:txBody>
+        </p:sp>
+        <p:sp>
+          <p:nvSpPr>
+            <p:cNvPr id="80" name="tx80"/>
+            <p:cNvSpPr/>
+            <p:nvPr/>
+          </p:nvSpPr>
+          <p:spPr>
+            <a:xfrm>
+              <a:off x="583725" y="771879"/>
+              <a:ext cx="4143995" cy="127744"/>
+            </a:xfrm>
+            <a:prstGeom prst="rect">
+              <a:avLst/>
+            </a:prstGeom>
+            <a:noFill/>
+          </p:spPr>
+          <p:txBody>
+            <a:bodyPr wrap="none" lIns="0" tIns="0" rIns="0" bIns="0" anchor="ctr" anchorCtr="1"/>
+            <a:lstStyle/>
+            <a:p>
+              <a:pPr marL="0" marR="0" indent="0" algn="l">
+                <a:lnSpc>
+                  <a:spcPts val="1000"/>
+                </a:lnSpc>
+                <a:spcBef>
+                  <a:spcPts val="0"/>
+                </a:spcBef>
+                <a:spcAft>
+                  <a:spcPts val="0"/>
+                </a:spcAft>
+              </a:pPr>
+              <a:r>
+                <a:rPr sz="1000">
+                  <a:solidFill>
+                    <a:srgbClr val="191919">
+                      <a:alpha val="100000"/>
+                    </a:srgbClr>
+                  </a:solidFill>
+                  <a:latin typeface="Open Sans"/>
+                  <a:cs typeface="Open Sans"/>
+                </a:rPr>
+                <a:t>Percentage of Households per FCS Group by State in Example Country</a:t>
+              </a:r>
+            </a:p>
+          </p:txBody>
+        </p:sp>
+        <p:sp>
+          <p:nvSpPr>
+            <p:cNvPr id="81" name="tx81"/>
+            <p:cNvSpPr/>
+            <p:nvPr/>
+          </p:nvSpPr>
+          <p:spPr>
+            <a:xfrm>
+              <a:off x="583725" y="546022"/>
+              <a:ext cx="5795780" cy="158915"/>
+            </a:xfrm>
+            <a:prstGeom prst="rect">
+              <a:avLst/>
+            </a:prstGeom>
+            <a:noFill/>
+          </p:spPr>
+          <p:txBody>
+            <a:bodyPr wrap="none" lIns="0" tIns="0" rIns="0" bIns="0" anchor="ctr" anchorCtr="1"/>
+            <a:lstStyle/>
+            <a:p>
+              <a:pPr marL="0" marR="0" indent="0" algn="l">
+                <a:lnSpc>
+                  <a:spcPts val="1333"/>
+                </a:lnSpc>
+                <a:spcBef>
+                  <a:spcPts val="0"/>
+                </a:spcBef>
+                <a:spcAft>
+                  <a:spcPts val="0"/>
+                </a:spcAft>
+              </a:pPr>
+              <a:r>
+                <a:rPr sz="1333" b="1">
+                  <a:solidFill>
+                    <a:srgbClr val="000000">
+                      <a:alpha val="100000"/>
+                    </a:srgbClr>
+                  </a:solidFill>
+                  <a:latin typeface="Open Sans"/>
+                  <a:cs typeface="Open Sans"/>
+                </a:rPr>
+                <a:t>Household Food Consumption Score (FCS) Groups by State | April 2023</a:t>
+              </a:r>
+            </a:p>
+          </p:txBody>
+        </p:sp>
+        <p:sp>
+          <p:nvSpPr>
+            <p:cNvPr id="82" name="tx82"/>
+            <p:cNvSpPr/>
+            <p:nvPr/>
+          </p:nvSpPr>
+          <p:spPr>
+            <a:xfrm>
+              <a:off x="583725" y="6608870"/>
+              <a:ext cx="3284409" cy="98826"/>
+            </a:xfrm>
+            <a:prstGeom prst="rect">
+              <a:avLst/>
+            </a:prstGeom>
+            <a:noFill/>
+          </p:spPr>
+          <p:txBody>
+            <a:bodyPr wrap="none" lIns="0" tIns="0" rIns="0" bIns="0" anchor="ctr" anchorCtr="1"/>
+            <a:lstStyle/>
+            <a:p>
+              <a:pPr marL="0" marR="0" indent="0" algn="l">
+                <a:lnSpc>
+                  <a:spcPts val="777"/>
+                </a:lnSpc>
+                <a:spcBef>
+                  <a:spcPts val="0"/>
+                </a:spcBef>
+                <a:spcAft>
+                  <a:spcPts val="0"/>
+                </a:spcAft>
+              </a:pPr>
+              <a:r>
+                <a:rPr sz="777">
+                  <a:solidFill>
+                    <a:srgbClr val="666666">
+                      <a:alpha val="100000"/>
+                    </a:srgbClr>
+                  </a:solidFill>
+                  <a:latin typeface="Open Sans"/>
+                  <a:cs typeface="Open Sans"/>
+                </a:rPr>
+                <a:t>Source: Emergency Food Security Assessment, data collected April 2023</a:t>
+              </a:r>
+            </a:p>
+          </p:txBody>
+        </p:sp>
+        <p:sp>
+          <p:nvSpPr>
+            <p:cNvPr id="83" name="tx83"/>
+            <p:cNvSpPr/>
+            <p:nvPr/>
+          </p:nvSpPr>
+          <p:spPr>
+            <a:xfrm>
+              <a:off x="583725" y="369164"/>
+              <a:ext cx="473273" cy="123899"/>
+            </a:xfrm>
+            <a:prstGeom prst="rect">
+              <a:avLst/>
+            </a:prstGeom>
+            <a:noFill/>
+          </p:spPr>
+          <p:txBody>
+            <a:bodyPr wrap="none" lIns="0" tIns="0" rIns="0" bIns="0" anchor="ctr" anchorCtr="1"/>
+            <a:lstStyle/>
+            <a:p>
+              <a:pPr marL="0" marR="0" indent="0" algn="l">
+                <a:lnSpc>
+                  <a:spcPts val="1000"/>
+                </a:lnSpc>
+                <a:spcBef>
+                  <a:spcPts val="0"/>
+                </a:spcBef>
+                <a:spcAft>
+                  <a:spcPts val="0"/>
+                </a:spcAft>
+              </a:pPr>
+              <a:r>
+                <a:rPr sz="1000">
+                  <a:solidFill>
+                    <a:srgbClr val="000000">
+                      <a:alpha val="100000"/>
+                    </a:srgbClr>
+                  </a:solidFill>
+                  <a:latin typeface="Open Sans"/>
+                  <a:cs typeface="Open Sans"/>
+                </a:rPr>
+                <a:t>Figure 1</a:t>
+              </a:r>
+            </a:p>
+          </p:txBody>
+        </p:sp>
+      </p:grpSp>
+    </p:spTree>
+  </p:cSld>
+  <p:clrMapOvr>
+    <a:masterClrMapping/>
+  </p:clrMapOvr>
+</p:sld>
+</file>
+
+<file path=ppt/slides/slide2.xml><?xml version="1.0" encoding="utf-8"?>
+<p:sld xmlns:a="http://schemas.openxmlformats.org/drawingml/2006/main" xmlns:r="http://schemas.openxmlformats.org/officeDocument/2006/relationships" xmlns:p="http://schemas.openxmlformats.org/presentationml/2006/main">
+  <p:cSld>
+    <p:spTree>
+      <p:nvGrpSpPr>
+        <p:cNvPr id="1" name=""/>
+        <p:cNvGrpSpPr/>
+        <p:nvPr/>
+      </p:nvGrpSpPr>
+      <p:grpSpPr>
+        <a:xfrm>
+          <a:off x="0" y="0"/>
+          <a:ext cx="0" cy="0"/>
+          <a:chOff x="0" y="0"/>
+          <a:chExt cx="0" cy="0"/>
+        </a:xfrm>
+      </p:grpSpPr>
+      <p:grpSp>
+        <p:nvGrpSpPr>
+          <p:cNvPr id="2" name="Group 1"/>
+          <p:cNvGrpSpPr/>
+          <p:nvPr/>
+        </p:nvGrpSpPr>
+        <p:grpSpPr>
+          <a:xfrm>
+            <a:off x="457200" y="457200"/>
+            <a:ext cx="8229600" cy="6400800"/>
+            <a:chOff x="457200" y="457200"/>
+            <a:chExt cx="8229600" cy="6400800"/>
+          </a:xfrm>
+        </p:grpSpPr>
+        <p:sp>
+          <p:nvSpPr>
+            <p:cNvPr id="3" name="rc3"/>
+            <p:cNvSpPr/>
+            <p:nvPr/>
+          </p:nvSpPr>
+          <p:spPr>
+            <a:xfrm>
+              <a:off x="457200" y="457200"/>
+              <a:ext cx="8229600" cy="6400800"/>
+            </a:xfrm>
+            <a:prstGeom prst="rect">
+              <a:avLst/>
+            </a:prstGeom>
+            <a:solidFill>
+              <a:srgbClr val="FFFFFF">
+                <a:alpha val="100000"/>
+              </a:srgbClr>
+            </a:solidFill>
+            <a:ln w="9525" cap="rnd">
+              <a:solidFill>
+                <a:srgbClr val="FFFFFF">
+                  <a:alpha val="100000"/>
+                </a:srgbClr>
+              </a:solidFill>
+              <a:prstDash val="solid"/>
+              <a:round/>
+            </a:ln>
+          </p:spPr>
+          <p:txBody>
+            <a:bodyPr/>
+            <a:lstStyle/>
+            <a:p>
+              <a:endParaRPr/>
+            </a:p>
           </p:txBody>
         </p:sp>
         <p:sp>
@@ -2276,8 +5458,12 @@
             </a:xfrm>
             <a:custGeom>
               <a:avLst/>
+              <a:gdLst/>
+              <a:ahLst/>
+              <a:cxnLst/>
+              <a:rect l="0" t="0" r="0" b="0"/>
               <a:pathLst>
-                <a:path w="7723158" h="0">
+                <a:path w="7723158">
                   <a:moveTo>
                     <a:pt x="0" y="0"/>
                   </a:moveTo>
@@ -2303,7 +5489,9 @@
           <p:txBody>
             <a:bodyPr/>
             <a:lstStyle/>
-            <a:p/>
+            <a:p>
+              <a:endParaRPr/>
+            </a:p>
           </p:txBody>
         </p:sp>
         <p:sp>
@@ -2319,8 +5507,12 @@
             </a:xfrm>
             <a:custGeom>
               <a:avLst/>
+              <a:gdLst/>
+              <a:ahLst/>
+              <a:cxnLst/>
+              <a:rect l="0" t="0" r="0" b="0"/>
               <a:pathLst>
-                <a:path w="7723158" h="0">
+                <a:path w="7723158">
                   <a:moveTo>
                     <a:pt x="0" y="0"/>
                   </a:moveTo>
@@ -2346,7 +5538,9 @@
           <p:txBody>
             <a:bodyPr/>
             <a:lstStyle/>
-            <a:p/>
+            <a:p>
+              <a:endParaRPr/>
+            </a:p>
           </p:txBody>
         </p:sp>
         <p:sp>
@@ -2362,8 +5556,12 @@
             </a:xfrm>
             <a:custGeom>
               <a:avLst/>
+              <a:gdLst/>
+              <a:ahLst/>
+              <a:cxnLst/>
+              <a:rect l="0" t="0" r="0" b="0"/>
               <a:pathLst>
-                <a:path w="7723158" h="0">
+                <a:path w="7723158">
                   <a:moveTo>
                     <a:pt x="0" y="0"/>
                   </a:moveTo>
@@ -2389,7 +5587,9 @@
           <p:txBody>
             <a:bodyPr/>
             <a:lstStyle/>
-            <a:p/>
+            <a:p>
+              <a:endParaRPr/>
+            </a:p>
           </p:txBody>
         </p:sp>
         <p:sp>
@@ -2405,8 +5605,12 @@
             </a:xfrm>
             <a:custGeom>
               <a:avLst/>
+              <a:gdLst/>
+              <a:ahLst/>
+              <a:cxnLst/>
+              <a:rect l="0" t="0" r="0" b="0"/>
               <a:pathLst>
-                <a:path w="7723158" h="0">
+                <a:path w="7723158">
                   <a:moveTo>
                     <a:pt x="0" y="0"/>
                   </a:moveTo>
@@ -2432,7 +5636,9 @@
           <p:txBody>
             <a:bodyPr/>
             <a:lstStyle/>
-            <a:p/>
+            <a:p>
+              <a:endParaRPr/>
+            </a:p>
           </p:txBody>
         </p:sp>
         <p:sp>
@@ -2448,8 +5654,12 @@
             </a:xfrm>
             <a:custGeom>
               <a:avLst/>
+              <a:gdLst/>
+              <a:ahLst/>
+              <a:cxnLst/>
+              <a:rect l="0" t="0" r="0" b="0"/>
               <a:pathLst>
-                <a:path w="7723158" h="0">
+                <a:path w="7723158">
                   <a:moveTo>
                     <a:pt x="0" y="0"/>
                   </a:moveTo>
@@ -2475,7 +5685,9 @@
           <p:txBody>
             <a:bodyPr/>
             <a:lstStyle/>
-            <a:p/>
+            <a:p>
+              <a:endParaRPr/>
+            </a:p>
           </p:txBody>
         </p:sp>
         <p:sp>
@@ -2486,14 +5698,14 @@
           </p:nvSpPr>
           <p:spPr>
             <a:xfrm>
-              <a:off x="1026408" y="1605850"/>
+              <a:off x="3297926" y="1605850"/>
               <a:ext cx="530020" cy="3575272"/>
             </a:xfrm>
             <a:prstGeom prst="rect">
               <a:avLst/>
             </a:prstGeom>
             <a:solidFill>
-              <a:srgbClr val="27AE60">
+              <a:srgbClr val="92D050">
                 <a:alpha val="100000"/>
               </a:srgbClr>
             </a:solidFill>
@@ -2501,7 +5713,9 @@
           <p:txBody>
             <a:bodyPr/>
             <a:lstStyle/>
-            <a:p/>
+            <a:p>
+              <a:endParaRPr/>
+            </a:p>
           </p:txBody>
         </p:sp>
         <p:sp>
@@ -2512,14 +5726,14 @@
           </p:nvSpPr>
           <p:spPr>
             <a:xfrm>
-              <a:off x="1026408" y="5181123"/>
+              <a:off x="3297926" y="5181123"/>
               <a:ext cx="530020" cy="982971"/>
             </a:xfrm>
             <a:prstGeom prst="rect">
               <a:avLst/>
             </a:prstGeom>
             <a:solidFill>
-              <a:srgbClr val="F1C40F">
+              <a:srgbClr val="FFFF00">
                 <a:alpha val="100000"/>
               </a:srgbClr>
             </a:solidFill>
@@ -2527,7 +5741,9 @@
           <p:txBody>
             <a:bodyPr/>
             <a:lstStyle/>
-            <a:p/>
+            <a:p>
+              <a:endParaRPr/>
+            </a:p>
           </p:txBody>
         </p:sp>
         <p:sp>
@@ -2538,14 +5754,14 @@
           </p:nvSpPr>
           <p:spPr>
             <a:xfrm>
-              <a:off x="1026408" y="6164094"/>
+              <a:off x="3297926" y="6164094"/>
               <a:ext cx="530020" cy="13715"/>
             </a:xfrm>
             <a:prstGeom prst="rect">
               <a:avLst/>
             </a:prstGeom>
             <a:solidFill>
-              <a:srgbClr val="C0392B">
+              <a:srgbClr val="FF0000">
                 <a:alpha val="100000"/>
               </a:srgbClr>
             </a:solidFill>
@@ -2553,7 +5769,9 @@
           <p:txBody>
             <a:bodyPr/>
             <a:lstStyle/>
-            <a:p/>
+            <a:p>
+              <a:endParaRPr/>
+            </a:p>
           </p:txBody>
         </p:sp>
         <p:sp>
@@ -2564,14 +5782,14 @@
           </p:nvSpPr>
           <p:spPr>
             <a:xfrm>
-              <a:off x="1783581" y="1605850"/>
+              <a:off x="4055098" y="1605850"/>
               <a:ext cx="530020" cy="3332958"/>
             </a:xfrm>
             <a:prstGeom prst="rect">
               <a:avLst/>
             </a:prstGeom>
             <a:solidFill>
-              <a:srgbClr val="27AE60">
+              <a:srgbClr val="92D050">
                 <a:alpha val="100000"/>
               </a:srgbClr>
             </a:solidFill>
@@ -2579,7 +5797,9 @@
           <p:txBody>
             <a:bodyPr/>
             <a:lstStyle/>
-            <a:p/>
+            <a:p>
+              <a:endParaRPr/>
+            </a:p>
           </p:txBody>
         </p:sp>
         <p:sp>
@@ -2590,14 +5810,14 @@
           </p:nvSpPr>
           <p:spPr>
             <a:xfrm>
-              <a:off x="1783581" y="4938809"/>
+              <a:off x="4055098" y="4938809"/>
               <a:ext cx="530020" cy="1024119"/>
             </a:xfrm>
             <a:prstGeom prst="rect">
               <a:avLst/>
             </a:prstGeom>
             <a:solidFill>
-              <a:srgbClr val="F1C40F">
+              <a:srgbClr val="FFFF00">
                 <a:alpha val="100000"/>
               </a:srgbClr>
             </a:solidFill>
@@ -2605,7 +5825,9 @@
           <p:txBody>
             <a:bodyPr/>
             <a:lstStyle/>
-            <a:p/>
+            <a:p>
+              <a:endParaRPr/>
+            </a:p>
           </p:txBody>
         </p:sp>
         <p:sp>
@@ -2616,14 +5838,14 @@
           </p:nvSpPr>
           <p:spPr>
             <a:xfrm>
-              <a:off x="1783581" y="5962928"/>
+              <a:off x="4055098" y="5962928"/>
               <a:ext cx="530020" cy="214882"/>
             </a:xfrm>
             <a:prstGeom prst="rect">
               <a:avLst/>
             </a:prstGeom>
             <a:solidFill>
-              <a:srgbClr val="C0392B">
+              <a:srgbClr val="FF0000">
                 <a:alpha val="100000"/>
               </a:srgbClr>
             </a:solidFill>
@@ -2631,7 +5853,9 @@
           <p:txBody>
             <a:bodyPr/>
             <a:lstStyle/>
-            <a:p/>
+            <a:p>
+              <a:endParaRPr/>
+            </a:p>
           </p:txBody>
         </p:sp>
         <p:sp>
@@ -2649,7 +5873,7 @@
               <a:avLst/>
             </a:prstGeom>
             <a:solidFill>
-              <a:srgbClr val="27AE60">
+              <a:srgbClr val="92D050">
                 <a:alpha val="100000"/>
               </a:srgbClr>
             </a:solidFill>
@@ -2657,7 +5881,9 @@
           <p:txBody>
             <a:bodyPr/>
             <a:lstStyle/>
-            <a:p/>
+            <a:p>
+              <a:endParaRPr/>
+            </a:p>
           </p:txBody>
         </p:sp>
         <p:sp>
@@ -2675,7 +5901,7 @@
               <a:avLst/>
             </a:prstGeom>
             <a:solidFill>
-              <a:srgbClr val="F1C40F">
+              <a:srgbClr val="FFFF00">
                 <a:alpha val="100000"/>
               </a:srgbClr>
             </a:solidFill>
@@ -2683,7 +5909,9 @@
           <p:txBody>
             <a:bodyPr/>
             <a:lstStyle/>
-            <a:p/>
+            <a:p>
+              <a:endParaRPr/>
+            </a:p>
           </p:txBody>
         </p:sp>
         <p:sp>
@@ -2701,7 +5929,7 @@
               <a:avLst/>
             </a:prstGeom>
             <a:solidFill>
-              <a:srgbClr val="C0392B">
+              <a:srgbClr val="FF0000">
                 <a:alpha val="100000"/>
               </a:srgbClr>
             </a:solidFill>
@@ -2709,7 +5937,9 @@
           <p:txBody>
             <a:bodyPr/>
             <a:lstStyle/>
-            <a:p/>
+            <a:p>
+              <a:endParaRPr/>
+            </a:p>
           </p:txBody>
         </p:sp>
         <p:sp>
@@ -2720,14 +5950,14 @@
           </p:nvSpPr>
           <p:spPr>
             <a:xfrm>
-              <a:off x="3297926" y="1605850"/>
+              <a:off x="1026408" y="1605850"/>
               <a:ext cx="530020" cy="3968461"/>
             </a:xfrm>
             <a:prstGeom prst="rect">
               <a:avLst/>
             </a:prstGeom>
             <a:solidFill>
-              <a:srgbClr val="27AE60">
+              <a:srgbClr val="92D050">
                 <a:alpha val="100000"/>
               </a:srgbClr>
             </a:solidFill>
@@ -2735,7 +5965,9 @@
           <p:txBody>
             <a:bodyPr/>
             <a:lstStyle/>
-            <a:p/>
+            <a:p>
+              <a:endParaRPr/>
+            </a:p>
           </p:txBody>
         </p:sp>
         <p:sp>
@@ -2746,14 +5978,14 @@
           </p:nvSpPr>
           <p:spPr>
             <a:xfrm>
-              <a:off x="3297926" y="5574311"/>
+              <a:off x="1026408" y="5574311"/>
               <a:ext cx="530020" cy="580638"/>
             </a:xfrm>
             <a:prstGeom prst="rect">
               <a:avLst/>
             </a:prstGeom>
             <a:solidFill>
-              <a:srgbClr val="F1C40F">
+              <a:srgbClr val="FFFF00">
                 <a:alpha val="100000"/>
               </a:srgbClr>
             </a:solidFill>
@@ -2761,7 +5993,9 @@
           <p:txBody>
             <a:bodyPr/>
             <a:lstStyle/>
-            <a:p/>
+            <a:p>
+              <a:endParaRPr/>
+            </a:p>
           </p:txBody>
         </p:sp>
         <p:sp>
@@ -2772,14 +6006,14 @@
           </p:nvSpPr>
           <p:spPr>
             <a:xfrm>
-              <a:off x="3297926" y="6154950"/>
+              <a:off x="1026408" y="6154950"/>
               <a:ext cx="530020" cy="22859"/>
             </a:xfrm>
             <a:prstGeom prst="rect">
               <a:avLst/>
             </a:prstGeom>
             <a:solidFill>
-              <a:srgbClr val="C0392B">
+              <a:srgbClr val="FF0000">
                 <a:alpha val="100000"/>
               </a:srgbClr>
             </a:solidFill>
@@ -2787,7 +6021,9 @@
           <p:txBody>
             <a:bodyPr/>
             <a:lstStyle/>
-            <a:p/>
+            <a:p>
+              <a:endParaRPr/>
+            </a:p>
           </p:txBody>
         </p:sp>
         <p:sp>
@@ -2798,14 +6034,14 @@
           </p:nvSpPr>
           <p:spPr>
             <a:xfrm>
-              <a:off x="4055098" y="1605850"/>
+              <a:off x="5569443" y="1605850"/>
               <a:ext cx="530020" cy="3118076"/>
             </a:xfrm>
             <a:prstGeom prst="rect">
               <a:avLst/>
             </a:prstGeom>
             <a:solidFill>
-              <a:srgbClr val="27AE60">
+              <a:srgbClr val="92D050">
                 <a:alpha val="100000"/>
               </a:srgbClr>
             </a:solidFill>
@@ -2813,7 +6049,9 @@
           <p:txBody>
             <a:bodyPr/>
             <a:lstStyle/>
-            <a:p/>
+            <a:p>
+              <a:endParaRPr/>
+            </a:p>
           </p:txBody>
         </p:sp>
         <p:sp>
@@ -2824,14 +6062,14 @@
           </p:nvSpPr>
           <p:spPr>
             <a:xfrm>
-              <a:off x="4055098" y="4723927"/>
+              <a:off x="5569443" y="4723927"/>
               <a:ext cx="530020" cy="1325868"/>
             </a:xfrm>
             <a:prstGeom prst="rect">
               <a:avLst/>
             </a:prstGeom>
             <a:solidFill>
-              <a:srgbClr val="F1C40F">
+              <a:srgbClr val="FFFF00">
                 <a:alpha val="100000"/>
               </a:srgbClr>
             </a:solidFill>
@@ -2839,7 +6077,9 @@
           <p:txBody>
             <a:bodyPr/>
             <a:lstStyle/>
-            <a:p/>
+            <a:p>
+              <a:endParaRPr/>
+            </a:p>
           </p:txBody>
         </p:sp>
         <p:sp>
@@ -2850,14 +6090,14 @@
           </p:nvSpPr>
           <p:spPr>
             <a:xfrm>
-              <a:off x="4055098" y="6049795"/>
+              <a:off x="5569443" y="6049795"/>
               <a:ext cx="530020" cy="128014"/>
             </a:xfrm>
             <a:prstGeom prst="rect">
               <a:avLst/>
             </a:prstGeom>
             <a:solidFill>
-              <a:srgbClr val="C0392B">
+              <a:srgbClr val="FF0000">
                 <a:alpha val="100000"/>
               </a:srgbClr>
             </a:solidFill>
@@ -2865,7 +6105,9 @@
           <p:txBody>
             <a:bodyPr/>
             <a:lstStyle/>
-            <a:p/>
+            <a:p>
+              <a:endParaRPr/>
+            </a:p>
           </p:txBody>
         </p:sp>
         <p:sp>
@@ -2876,14 +6118,14 @@
           </p:nvSpPr>
           <p:spPr>
             <a:xfrm>
-              <a:off x="4812270" y="1605850"/>
+              <a:off x="7083788" y="1605850"/>
               <a:ext cx="530020" cy="2852903"/>
             </a:xfrm>
             <a:prstGeom prst="rect">
               <a:avLst/>
             </a:prstGeom>
             <a:solidFill>
-              <a:srgbClr val="27AE60">
+              <a:srgbClr val="92D050">
                 <a:alpha val="100000"/>
               </a:srgbClr>
             </a:solidFill>
@@ -2891,7 +6133,9 @@
           <p:txBody>
             <a:bodyPr/>
             <a:lstStyle/>
-            <a:p/>
+            <a:p>
+              <a:endParaRPr/>
+            </a:p>
           </p:txBody>
         </p:sp>
         <p:sp>
@@ -2902,14 +6146,14 @@
           </p:nvSpPr>
           <p:spPr>
             <a:xfrm>
-              <a:off x="4812270" y="4458753"/>
+              <a:off x="7083788" y="4458753"/>
               <a:ext cx="530020" cy="1435595"/>
             </a:xfrm>
             <a:prstGeom prst="rect">
               <a:avLst/>
             </a:prstGeom>
             <a:solidFill>
-              <a:srgbClr val="F1C40F">
+              <a:srgbClr val="FFFF00">
                 <a:alpha val="100000"/>
               </a:srgbClr>
             </a:solidFill>
@@ -2917,7 +6161,9 @@
           <p:txBody>
             <a:bodyPr/>
             <a:lstStyle/>
-            <a:p/>
+            <a:p>
+              <a:endParaRPr/>
+            </a:p>
           </p:txBody>
         </p:sp>
         <p:sp>
@@ -2928,14 +6174,14 @@
           </p:nvSpPr>
           <p:spPr>
             <a:xfrm>
-              <a:off x="4812270" y="5894349"/>
+              <a:off x="7083788" y="5894349"/>
               <a:ext cx="530020" cy="283461"/>
             </a:xfrm>
             <a:prstGeom prst="rect">
               <a:avLst/>
             </a:prstGeom>
             <a:solidFill>
-              <a:srgbClr val="C0392B">
+              <a:srgbClr val="FF0000">
                 <a:alpha val="100000"/>
               </a:srgbClr>
             </a:solidFill>
@@ -2943,7 +6189,9 @@
           <p:txBody>
             <a:bodyPr/>
             <a:lstStyle/>
-            <a:p/>
+            <a:p>
+              <a:endParaRPr/>
+            </a:p>
           </p:txBody>
         </p:sp>
         <p:sp>
@@ -2954,14 +6202,14 @@
           </p:nvSpPr>
           <p:spPr>
             <a:xfrm>
-              <a:off x="5569443" y="1605850"/>
+              <a:off x="7840960" y="1605850"/>
               <a:ext cx="530020" cy="2816327"/>
             </a:xfrm>
             <a:prstGeom prst="rect">
               <a:avLst/>
             </a:prstGeom>
             <a:solidFill>
-              <a:srgbClr val="27AE60">
+              <a:srgbClr val="92D050">
                 <a:alpha val="100000"/>
               </a:srgbClr>
             </a:solidFill>
@@ -2969,7 +6217,9 @@
           <p:txBody>
             <a:bodyPr/>
             <a:lstStyle/>
-            <a:p/>
+            <a:p>
+              <a:endParaRPr/>
+            </a:p>
           </p:txBody>
         </p:sp>
         <p:sp>
@@ -2980,14 +6230,14 @@
           </p:nvSpPr>
           <p:spPr>
             <a:xfrm>
-              <a:off x="5569443" y="4422178"/>
+              <a:off x="7840960" y="4422178"/>
               <a:ext cx="530020" cy="1426451"/>
             </a:xfrm>
             <a:prstGeom prst="rect">
               <a:avLst/>
             </a:prstGeom>
             <a:solidFill>
-              <a:srgbClr val="F1C40F">
+              <a:srgbClr val="FFFF00">
                 <a:alpha val="100000"/>
               </a:srgbClr>
             </a:solidFill>
@@ -2995,7 +6245,9 @@
           <p:txBody>
             <a:bodyPr/>
             <a:lstStyle/>
-            <a:p/>
+            <a:p>
+              <a:endParaRPr/>
+            </a:p>
           </p:txBody>
         </p:sp>
         <p:sp>
@@ -3006,14 +6258,14 @@
           </p:nvSpPr>
           <p:spPr>
             <a:xfrm>
-              <a:off x="5569443" y="5848629"/>
+              <a:off x="7840960" y="5848629"/>
               <a:ext cx="530020" cy="329181"/>
             </a:xfrm>
             <a:prstGeom prst="rect">
               <a:avLst/>
             </a:prstGeom>
             <a:solidFill>
-              <a:srgbClr val="C0392B">
+              <a:srgbClr val="FF0000">
                 <a:alpha val="100000"/>
               </a:srgbClr>
             </a:solidFill>
@@ -3021,7 +6273,9 @@
           <p:txBody>
             <a:bodyPr/>
             <a:lstStyle/>
-            <a:p/>
+            <a:p>
+              <a:endParaRPr/>
+            </a:p>
           </p:txBody>
         </p:sp>
         <p:sp>
@@ -3039,7 +6293,7 @@
               <a:avLst/>
             </a:prstGeom>
             <a:solidFill>
-              <a:srgbClr val="27AE60">
+              <a:srgbClr val="92D050">
                 <a:alpha val="100000"/>
               </a:srgbClr>
             </a:solidFill>
@@ -3047,7 +6301,9 @@
           <p:txBody>
             <a:bodyPr/>
             <a:lstStyle/>
-            <a:p/>
+            <a:p>
+              <a:endParaRPr/>
+            </a:p>
           </p:txBody>
         </p:sp>
         <p:sp>
@@ -3065,7 +6321,7 @@
               <a:avLst/>
             </a:prstGeom>
             <a:solidFill>
-              <a:srgbClr val="F1C40F">
+              <a:srgbClr val="FFFF00">
                 <a:alpha val="100000"/>
               </a:srgbClr>
             </a:solidFill>
@@ -3073,7 +6329,9 @@
           <p:txBody>
             <a:bodyPr/>
             <a:lstStyle/>
-            <a:p/>
+            <a:p>
+              <a:endParaRPr/>
+            </a:p>
           </p:txBody>
         </p:sp>
         <p:sp>
@@ -3091,7 +6349,7 @@
               <a:avLst/>
             </a:prstGeom>
             <a:solidFill>
-              <a:srgbClr val="C0392B">
+              <a:srgbClr val="FF0000">
                 <a:alpha val="100000"/>
               </a:srgbClr>
             </a:solidFill>
@@ -3099,7 +6357,9 @@
           <p:txBody>
             <a:bodyPr/>
             <a:lstStyle/>
-            <a:p/>
+            <a:p>
+              <a:endParaRPr/>
+            </a:p>
           </p:txBody>
         </p:sp>
         <p:sp>
@@ -3110,14 +6370,14 @@
           </p:nvSpPr>
           <p:spPr>
             <a:xfrm>
-              <a:off x="7083788" y="1605850"/>
+              <a:off x="1783581" y="1605850"/>
               <a:ext cx="530020" cy="3744435"/>
             </a:xfrm>
             <a:prstGeom prst="rect">
               <a:avLst/>
             </a:prstGeom>
             <a:solidFill>
-              <a:srgbClr val="27AE60">
+              <a:srgbClr val="92D050">
                 <a:alpha val="100000"/>
               </a:srgbClr>
             </a:solidFill>
@@ -3125,7 +6385,9 @@
           <p:txBody>
             <a:bodyPr/>
             <a:lstStyle/>
-            <a:p/>
+            <a:p>
+              <a:endParaRPr/>
+            </a:p>
           </p:txBody>
         </p:sp>
         <p:sp>
@@ -3136,14 +6398,14 @@
           </p:nvSpPr>
           <p:spPr>
             <a:xfrm>
-              <a:off x="7083788" y="5350285"/>
+              <a:off x="1783581" y="5350285"/>
               <a:ext cx="530020" cy="758945"/>
             </a:xfrm>
             <a:prstGeom prst="rect">
               <a:avLst/>
             </a:prstGeom>
             <a:solidFill>
-              <a:srgbClr val="F1C40F">
+              <a:srgbClr val="FFFF00">
                 <a:alpha val="100000"/>
               </a:srgbClr>
             </a:solidFill>
@@ -3151,7 +6413,9 @@
           <p:txBody>
             <a:bodyPr/>
             <a:lstStyle/>
-            <a:p/>
+            <a:p>
+              <a:endParaRPr/>
+            </a:p>
           </p:txBody>
         </p:sp>
         <p:sp>
@@ -3162,14 +6426,14 @@
           </p:nvSpPr>
           <p:spPr>
             <a:xfrm>
-              <a:off x="7083788" y="6109231"/>
+              <a:off x="1783581" y="6109231"/>
               <a:ext cx="530020" cy="68579"/>
             </a:xfrm>
             <a:prstGeom prst="rect">
               <a:avLst/>
             </a:prstGeom>
             <a:solidFill>
-              <a:srgbClr val="C0392B">
+              <a:srgbClr val="FF0000">
                 <a:alpha val="100000"/>
               </a:srgbClr>
             </a:solidFill>
@@ -3177,7 +6441,9 @@
           <p:txBody>
             <a:bodyPr/>
             <a:lstStyle/>
-            <a:p/>
+            <a:p>
+              <a:endParaRPr/>
+            </a:p>
           </p:txBody>
         </p:sp>
         <p:sp>
@@ -3188,14 +6454,14 @@
           </p:nvSpPr>
           <p:spPr>
             <a:xfrm>
-              <a:off x="7840960" y="1605850"/>
+              <a:off x="4812270" y="1605850"/>
               <a:ext cx="530020" cy="3122648"/>
             </a:xfrm>
             <a:prstGeom prst="rect">
               <a:avLst/>
             </a:prstGeom>
             <a:solidFill>
-              <a:srgbClr val="27AE60">
+              <a:srgbClr val="92D050">
                 <a:alpha val="100000"/>
               </a:srgbClr>
             </a:solidFill>
@@ -3203,7 +6469,9 @@
           <p:txBody>
             <a:bodyPr/>
             <a:lstStyle/>
-            <a:p/>
+            <a:p>
+              <a:endParaRPr/>
+            </a:p>
           </p:txBody>
         </p:sp>
         <p:sp>
@@ -3214,14 +6482,14 @@
           </p:nvSpPr>
           <p:spPr>
             <a:xfrm>
-              <a:off x="7840960" y="4728499"/>
+              <a:off x="4812270" y="4728499"/>
               <a:ext cx="530020" cy="1303008"/>
             </a:xfrm>
             <a:prstGeom prst="rect">
               <a:avLst/>
             </a:prstGeom>
             <a:solidFill>
-              <a:srgbClr val="F1C40F">
+              <a:srgbClr val="FFFF00">
                 <a:alpha val="100000"/>
               </a:srgbClr>
             </a:solidFill>
@@ -3229,7 +6497,9 @@
           <p:txBody>
             <a:bodyPr/>
             <a:lstStyle/>
-            <a:p/>
+            <a:p>
+              <a:endParaRPr/>
+            </a:p>
           </p:txBody>
         </p:sp>
         <p:sp>
@@ -3240,14 +6510,14 @@
           </p:nvSpPr>
           <p:spPr>
             <a:xfrm>
-              <a:off x="7840960" y="6031507"/>
+              <a:off x="4812270" y="6031507"/>
               <a:ext cx="530020" cy="146302"/>
             </a:xfrm>
             <a:prstGeom prst="rect">
               <a:avLst/>
             </a:prstGeom>
             <a:solidFill>
-              <a:srgbClr val="C0392B">
+              <a:srgbClr val="FF0000">
                 <a:alpha val="100000"/>
               </a:srgbClr>
             </a:solidFill>
@@ -3255,7 +6525,9 @@
           <p:txBody>
             <a:bodyPr/>
             <a:lstStyle/>
-            <a:p/>
+            <a:p>
+              <a:endParaRPr/>
+            </a:p>
           </p:txBody>
         </p:sp>
         <p:sp>
@@ -3266,7 +6538,7 @@
           </p:nvSpPr>
           <p:spPr>
             <a:xfrm>
-              <a:off x="1167829" y="3346110"/>
+              <a:off x="3439347" y="3346110"/>
               <a:ext cx="247178" cy="92831"/>
             </a:xfrm>
             <a:prstGeom prst="rect">
@@ -3275,10 +6547,10 @@
             <a:noFill/>
           </p:spPr>
           <p:txBody>
-            <a:bodyPr lIns="0" rIns="0" tIns="0" bIns="0" anchorCtr="1" anchor="ctr" wrap="none"/>
-            <a:lstStyle/>
-            <a:p>
-              <a:pPr algn="l" marL="0" marR="0" indent="0">
+            <a:bodyPr wrap="none" lIns="0" tIns="0" rIns="0" bIns="0" anchor="ctr" anchorCtr="1"/>
+            <a:lstStyle/>
+            <a:p>
+              <a:pPr marL="0" marR="0" indent="0" algn="l">
                 <a:lnSpc>
                   <a:spcPts val="1000"/>
                 </a:lnSpc>
@@ -3312,7 +6584,7 @@
           </p:nvSpPr>
           <p:spPr>
             <a:xfrm>
-              <a:off x="1167829" y="5625232"/>
+              <a:off x="3439347" y="5625232"/>
               <a:ext cx="247178" cy="92831"/>
             </a:xfrm>
             <a:prstGeom prst="rect">
@@ -3321,10 +6593,10 @@
             <a:noFill/>
           </p:spPr>
           <p:txBody>
-            <a:bodyPr lIns="0" rIns="0" tIns="0" bIns="0" anchorCtr="1" anchor="ctr" wrap="none"/>
-            <a:lstStyle/>
-            <a:p>
-              <a:pPr algn="l" marL="0" marR="0" indent="0">
+            <a:bodyPr wrap="none" lIns="0" tIns="0" rIns="0" bIns="0" anchor="ctr" anchorCtr="1"/>
+            <a:lstStyle/>
+            <a:p>
+              <a:pPr marL="0" marR="0" indent="0" algn="l">
                 <a:lnSpc>
                   <a:spcPts val="1000"/>
                 </a:lnSpc>
@@ -3358,7 +6630,7 @@
           </p:nvSpPr>
           <p:spPr>
             <a:xfrm>
-              <a:off x="1203145" y="6123513"/>
+              <a:off x="3474662" y="6123513"/>
               <a:ext cx="176547" cy="92893"/>
             </a:xfrm>
             <a:prstGeom prst="rect">
@@ -3367,10 +6639,10 @@
             <a:noFill/>
           </p:spPr>
           <p:txBody>
-            <a:bodyPr lIns="0" rIns="0" tIns="0" bIns="0" anchorCtr="1" anchor="ctr" wrap="none"/>
-            <a:lstStyle/>
-            <a:p>
-              <a:pPr algn="l" marL="0" marR="0" indent="0">
+            <a:bodyPr wrap="none" lIns="0" tIns="0" rIns="0" bIns="0" anchor="ctr" anchorCtr="1"/>
+            <a:lstStyle/>
+            <a:p>
+              <a:pPr marL="0" marR="0" indent="0" algn="l">
                 <a:lnSpc>
                   <a:spcPts val="1000"/>
                 </a:lnSpc>
@@ -3404,7 +6676,7 @@
           </p:nvSpPr>
           <p:spPr>
             <a:xfrm>
-              <a:off x="1925002" y="3224953"/>
+              <a:off x="4196519" y="3224953"/>
               <a:ext cx="247178" cy="92831"/>
             </a:xfrm>
             <a:prstGeom prst="rect">
@@ -3413,10 +6685,10 @@
             <a:noFill/>
           </p:spPr>
           <p:txBody>
-            <a:bodyPr lIns="0" rIns="0" tIns="0" bIns="0" anchorCtr="1" anchor="ctr" wrap="none"/>
-            <a:lstStyle/>
-            <a:p>
-              <a:pPr algn="l" marL="0" marR="0" indent="0">
+            <a:bodyPr wrap="none" lIns="0" tIns="0" rIns="0" bIns="0" anchor="ctr" anchorCtr="1"/>
+            <a:lstStyle/>
+            <a:p>
+              <a:pPr marL="0" marR="0" indent="0" algn="l">
                 <a:lnSpc>
                   <a:spcPts val="1000"/>
                 </a:lnSpc>
@@ -3450,7 +6722,7 @@
           </p:nvSpPr>
           <p:spPr>
             <a:xfrm>
-              <a:off x="1925002" y="5405042"/>
+              <a:off x="4196519" y="5405042"/>
               <a:ext cx="247178" cy="91281"/>
             </a:xfrm>
             <a:prstGeom prst="rect">
@@ -3459,10 +6731,10 @@
             <a:noFill/>
           </p:spPr>
           <p:txBody>
-            <a:bodyPr lIns="0" rIns="0" tIns="0" bIns="0" anchorCtr="1" anchor="ctr" wrap="none"/>
-            <a:lstStyle/>
-            <a:p>
-              <a:pPr algn="l" marL="0" marR="0" indent="0">
+            <a:bodyPr wrap="none" lIns="0" tIns="0" rIns="0" bIns="0" anchor="ctr" anchorCtr="1"/>
+            <a:lstStyle/>
+            <a:p>
+              <a:pPr marL="0" marR="0" indent="0" algn="l">
                 <a:lnSpc>
                   <a:spcPts val="1000"/>
                 </a:lnSpc>
@@ -3496,7 +6768,7 @@
           </p:nvSpPr>
           <p:spPr>
             <a:xfrm>
-              <a:off x="1960317" y="6024915"/>
+              <a:off x="4231835" y="6024915"/>
               <a:ext cx="176547" cy="90909"/>
             </a:xfrm>
             <a:prstGeom prst="rect">
@@ -3505,10 +6777,10 @@
             <a:noFill/>
           </p:spPr>
           <p:txBody>
-            <a:bodyPr lIns="0" rIns="0" tIns="0" bIns="0" anchorCtr="1" anchor="ctr" wrap="none"/>
-            <a:lstStyle/>
-            <a:p>
-              <a:pPr algn="l" marL="0" marR="0" indent="0">
+            <a:bodyPr wrap="none" lIns="0" tIns="0" rIns="0" bIns="0" anchor="ctr" anchorCtr="1"/>
+            <a:lstStyle/>
+            <a:p>
+              <a:pPr marL="0" marR="0" indent="0" algn="l">
                 <a:lnSpc>
                   <a:spcPts val="1000"/>
                 </a:lnSpc>
@@ -3551,10 +6823,10 @@
             <a:noFill/>
           </p:spPr>
           <p:txBody>
-            <a:bodyPr lIns="0" rIns="0" tIns="0" bIns="0" anchorCtr="1" anchor="ctr" wrap="none"/>
-            <a:lstStyle/>
-            <a:p>
-              <a:pPr algn="l" marL="0" marR="0" indent="0">
+            <a:bodyPr wrap="none" lIns="0" tIns="0" rIns="0" bIns="0" anchor="ctr" anchorCtr="1"/>
+            <a:lstStyle/>
+            <a:p>
+              <a:pPr marL="0" marR="0" indent="0" algn="l">
                 <a:lnSpc>
                   <a:spcPts val="1000"/>
                 </a:lnSpc>
@@ -3597,10 +6869,10 @@
             <a:noFill/>
           </p:spPr>
           <p:txBody>
-            <a:bodyPr lIns="0" rIns="0" tIns="0" bIns="0" anchorCtr="1" anchor="ctr" wrap="none"/>
-            <a:lstStyle/>
-            <a:p>
-              <a:pPr algn="l" marL="0" marR="0" indent="0">
+            <a:bodyPr wrap="none" lIns="0" tIns="0" rIns="0" bIns="0" anchor="ctr" anchorCtr="1"/>
+            <a:lstStyle/>
+            <a:p>
+              <a:pPr marL="0" marR="0" indent="0" algn="l">
                 <a:lnSpc>
                   <a:spcPts val="1000"/>
                 </a:lnSpc>
@@ -3643,10 +6915,10 @@
             <a:noFill/>
           </p:spPr>
           <p:txBody>
-            <a:bodyPr lIns="0" rIns="0" tIns="0" bIns="0" anchorCtr="1" anchor="ctr" wrap="none"/>
-            <a:lstStyle/>
-            <a:p>
-              <a:pPr algn="l" marL="0" marR="0" indent="0">
+            <a:bodyPr wrap="none" lIns="0" tIns="0" rIns="0" bIns="0" anchor="ctr" anchorCtr="1"/>
+            <a:lstStyle/>
+            <a:p>
+              <a:pPr marL="0" marR="0" indent="0" algn="l">
                 <a:lnSpc>
                   <a:spcPts val="1000"/>
                 </a:lnSpc>
@@ -3680,7 +6952,7 @@
           </p:nvSpPr>
           <p:spPr>
             <a:xfrm>
-              <a:off x="3439347" y="3542704"/>
+              <a:off x="1167829" y="3542704"/>
               <a:ext cx="247178" cy="92831"/>
             </a:xfrm>
             <a:prstGeom prst="rect">
@@ -3689,10 +6961,10 @@
             <a:noFill/>
           </p:spPr>
           <p:txBody>
-            <a:bodyPr lIns="0" rIns="0" tIns="0" bIns="0" anchorCtr="1" anchor="ctr" wrap="none"/>
-            <a:lstStyle/>
-            <a:p>
-              <a:pPr algn="l" marL="0" marR="0" indent="0">
+            <a:bodyPr wrap="none" lIns="0" tIns="0" rIns="0" bIns="0" anchor="ctr" anchorCtr="1"/>
+            <a:lstStyle/>
+            <a:p>
+              <a:pPr marL="0" marR="0" indent="0" algn="l">
                 <a:lnSpc>
                   <a:spcPts val="1000"/>
                 </a:lnSpc>
@@ -3726,7 +6998,7 @@
           </p:nvSpPr>
           <p:spPr>
             <a:xfrm>
-              <a:off x="3439347" y="5818804"/>
+              <a:off x="1167829" y="5818804"/>
               <a:ext cx="247178" cy="91281"/>
             </a:xfrm>
             <a:prstGeom prst="rect">
@@ -3735,10 +7007,10 @@
             <a:noFill/>
           </p:spPr>
           <p:txBody>
-            <a:bodyPr lIns="0" rIns="0" tIns="0" bIns="0" anchorCtr="1" anchor="ctr" wrap="none"/>
-            <a:lstStyle/>
-            <a:p>
-              <a:pPr algn="l" marL="0" marR="0" indent="0">
+            <a:bodyPr wrap="none" lIns="0" tIns="0" rIns="0" bIns="0" anchor="ctr" anchorCtr="1"/>
+            <a:lstStyle/>
+            <a:p>
+              <a:pPr marL="0" marR="0" indent="0" algn="l">
                 <a:lnSpc>
                   <a:spcPts val="1000"/>
                 </a:lnSpc>
@@ -3772,7 +7044,7 @@
           </p:nvSpPr>
           <p:spPr>
             <a:xfrm>
-              <a:off x="3474662" y="6119003"/>
+              <a:off x="1203145" y="6119003"/>
               <a:ext cx="176547" cy="92831"/>
             </a:xfrm>
             <a:prstGeom prst="rect">
@@ -3781,10 +7053,10 @@
             <a:noFill/>
           </p:spPr>
           <p:txBody>
-            <a:bodyPr lIns="0" rIns="0" tIns="0" bIns="0" anchorCtr="1" anchor="ctr" wrap="none"/>
-            <a:lstStyle/>
-            <a:p>
-              <a:pPr algn="l" marL="0" marR="0" indent="0">
+            <a:bodyPr wrap="none" lIns="0" tIns="0" rIns="0" bIns="0" anchor="ctr" anchorCtr="1"/>
+            <a:lstStyle/>
+            <a:p>
+              <a:pPr marL="0" marR="0" indent="0" algn="l">
                 <a:lnSpc>
                   <a:spcPts val="1000"/>
                 </a:lnSpc>
@@ -3818,7 +7090,7 @@
           </p:nvSpPr>
           <p:spPr>
             <a:xfrm>
-              <a:off x="4196519" y="3117512"/>
+              <a:off x="5710864" y="3117512"/>
               <a:ext cx="247178" cy="92831"/>
             </a:xfrm>
             <a:prstGeom prst="rect">
@@ -3827,10 +7099,10 @@
             <a:noFill/>
           </p:spPr>
           <p:txBody>
-            <a:bodyPr lIns="0" rIns="0" tIns="0" bIns="0" anchorCtr="1" anchor="ctr" wrap="none"/>
-            <a:lstStyle/>
-            <a:p>
-              <a:pPr algn="l" marL="0" marR="0" indent="0">
+            <a:bodyPr wrap="none" lIns="0" tIns="0" rIns="0" bIns="0" anchor="ctr" anchorCtr="1"/>
+            <a:lstStyle/>
+            <a:p>
+              <a:pPr marL="0" marR="0" indent="0" algn="l">
                 <a:lnSpc>
                   <a:spcPts val="1000"/>
                 </a:lnSpc>
@@ -3864,7 +7136,7 @@
           </p:nvSpPr>
           <p:spPr>
             <a:xfrm>
-              <a:off x="4249477" y="5339484"/>
+              <a:off x="5763822" y="5339484"/>
               <a:ext cx="141262" cy="92831"/>
             </a:xfrm>
             <a:prstGeom prst="rect">
@@ -3873,10 +7145,10 @@
             <a:noFill/>
           </p:spPr>
           <p:txBody>
-            <a:bodyPr lIns="0" rIns="0" tIns="0" bIns="0" anchorCtr="1" anchor="ctr" wrap="none"/>
-            <a:lstStyle/>
-            <a:p>
-              <a:pPr algn="l" marL="0" marR="0" indent="0">
+            <a:bodyPr wrap="none" lIns="0" tIns="0" rIns="0" bIns="0" anchor="ctr" anchorCtr="1"/>
+            <a:lstStyle/>
+            <a:p>
+              <a:pPr marL="0" marR="0" indent="0" algn="l">
                 <a:lnSpc>
                   <a:spcPts val="1000"/>
                 </a:lnSpc>
@@ -3910,7 +7182,7 @@
           </p:nvSpPr>
           <p:spPr>
             <a:xfrm>
-              <a:off x="4231835" y="6066426"/>
+              <a:off x="5746180" y="6066426"/>
               <a:ext cx="176547" cy="92831"/>
             </a:xfrm>
             <a:prstGeom prst="rect">
@@ -3919,10 +7191,10 @@
             <a:noFill/>
           </p:spPr>
           <p:txBody>
-            <a:bodyPr lIns="0" rIns="0" tIns="0" bIns="0" anchorCtr="1" anchor="ctr" wrap="none"/>
-            <a:lstStyle/>
-            <a:p>
-              <a:pPr algn="l" marL="0" marR="0" indent="0">
+            <a:bodyPr wrap="none" lIns="0" tIns="0" rIns="0" bIns="0" anchor="ctr" anchorCtr="1"/>
+            <a:lstStyle/>
+            <a:p>
+              <a:pPr marL="0" marR="0" indent="0" algn="l">
                 <a:lnSpc>
                   <a:spcPts val="1000"/>
                 </a:lnSpc>
@@ -3956,7 +7228,7 @@
           </p:nvSpPr>
           <p:spPr>
             <a:xfrm>
-              <a:off x="4953691" y="2984925"/>
+              <a:off x="7225209" y="2984925"/>
               <a:ext cx="247178" cy="92831"/>
             </a:xfrm>
             <a:prstGeom prst="rect">
@@ -3965,10 +7237,10 @@
             <a:noFill/>
           </p:spPr>
           <p:txBody>
-            <a:bodyPr lIns="0" rIns="0" tIns="0" bIns="0" anchorCtr="1" anchor="ctr" wrap="none"/>
-            <a:lstStyle/>
-            <a:p>
-              <a:pPr algn="l" marL="0" marR="0" indent="0">
+            <a:bodyPr wrap="none" lIns="0" tIns="0" rIns="0" bIns="0" anchor="ctr" anchorCtr="1"/>
+            <a:lstStyle/>
+            <a:p>
+              <a:pPr marL="0" marR="0" indent="0" algn="l">
                 <a:lnSpc>
                   <a:spcPts val="1000"/>
                 </a:lnSpc>
@@ -4002,7 +7274,7 @@
           </p:nvSpPr>
           <p:spPr>
             <a:xfrm>
-              <a:off x="4953691" y="5129112"/>
+              <a:off x="7225209" y="5129112"/>
               <a:ext cx="247178" cy="92893"/>
             </a:xfrm>
             <a:prstGeom prst="rect">
@@ -4011,10 +7283,10 @@
             <a:noFill/>
           </p:spPr>
           <p:txBody>
-            <a:bodyPr lIns="0" rIns="0" tIns="0" bIns="0" anchorCtr="1" anchor="ctr" wrap="none"/>
-            <a:lstStyle/>
-            <a:p>
-              <a:pPr algn="l" marL="0" marR="0" indent="0">
+            <a:bodyPr wrap="none" lIns="0" tIns="0" rIns="0" bIns="0" anchor="ctr" anchorCtr="1"/>
+            <a:lstStyle/>
+            <a:p>
+              <a:pPr marL="0" marR="0" indent="0" algn="l">
                 <a:lnSpc>
                   <a:spcPts val="1000"/>
                 </a:lnSpc>
@@ -4048,7 +7320,7 @@
           </p:nvSpPr>
           <p:spPr>
             <a:xfrm>
-              <a:off x="4989007" y="5988702"/>
+              <a:off x="7260524" y="5988702"/>
               <a:ext cx="176547" cy="92831"/>
             </a:xfrm>
             <a:prstGeom prst="rect">
@@ -4057,10 +7329,10 @@
             <a:noFill/>
           </p:spPr>
           <p:txBody>
-            <a:bodyPr lIns="0" rIns="0" tIns="0" bIns="0" anchorCtr="1" anchor="ctr" wrap="none"/>
-            <a:lstStyle/>
-            <a:p>
-              <a:pPr algn="l" marL="0" marR="0" indent="0">
+            <a:bodyPr wrap="none" lIns="0" tIns="0" rIns="0" bIns="0" anchor="ctr" anchorCtr="1"/>
+            <a:lstStyle/>
+            <a:p>
+              <a:pPr marL="0" marR="0" indent="0" algn="l">
                 <a:lnSpc>
                   <a:spcPts val="1000"/>
                 </a:lnSpc>
@@ -4094,7 +7366,7 @@
           </p:nvSpPr>
           <p:spPr>
             <a:xfrm>
-              <a:off x="5710864" y="2966637"/>
+              <a:off x="7982381" y="2966637"/>
               <a:ext cx="247178" cy="92831"/>
             </a:xfrm>
             <a:prstGeom prst="rect">
@@ -4103,10 +7375,10 @@
             <a:noFill/>
           </p:spPr>
           <p:txBody>
-            <a:bodyPr lIns="0" rIns="0" tIns="0" bIns="0" anchorCtr="1" anchor="ctr" wrap="none"/>
-            <a:lstStyle/>
-            <a:p>
-              <a:pPr algn="l" marL="0" marR="0" indent="0">
+            <a:bodyPr wrap="none" lIns="0" tIns="0" rIns="0" bIns="0" anchor="ctr" anchorCtr="1"/>
+            <a:lstStyle/>
+            <a:p>
+              <a:pPr marL="0" marR="0" indent="0" algn="l">
                 <a:lnSpc>
                   <a:spcPts val="1000"/>
                 </a:lnSpc>
@@ -4140,7 +7412,7 @@
           </p:nvSpPr>
           <p:spPr>
             <a:xfrm>
-              <a:off x="5710864" y="5087964"/>
+              <a:off x="7982381" y="5087964"/>
               <a:ext cx="247178" cy="92893"/>
             </a:xfrm>
             <a:prstGeom prst="rect">
@@ -4149,10 +7421,10 @@
             <a:noFill/>
           </p:spPr>
           <p:txBody>
-            <a:bodyPr lIns="0" rIns="0" tIns="0" bIns="0" anchorCtr="1" anchor="ctr" wrap="none"/>
-            <a:lstStyle/>
-            <a:p>
-              <a:pPr algn="l" marL="0" marR="0" indent="0">
+            <a:bodyPr wrap="none" lIns="0" tIns="0" rIns="0" bIns="0" anchor="ctr" anchorCtr="1"/>
+            <a:lstStyle/>
+            <a:p>
+              <a:pPr marL="0" marR="0" indent="0" algn="l">
                 <a:lnSpc>
                   <a:spcPts val="1000"/>
                 </a:lnSpc>
@@ -4186,7 +7458,7 @@
           </p:nvSpPr>
           <p:spPr>
             <a:xfrm>
-              <a:off x="5746180" y="5967393"/>
+              <a:off x="8017697" y="5967393"/>
               <a:ext cx="176547" cy="91281"/>
             </a:xfrm>
             <a:prstGeom prst="rect">
@@ -4195,10 +7467,10 @@
             <a:noFill/>
           </p:spPr>
           <p:txBody>
-            <a:bodyPr lIns="0" rIns="0" tIns="0" bIns="0" anchorCtr="1" anchor="ctr" wrap="none"/>
-            <a:lstStyle/>
-            <a:p>
-              <a:pPr algn="l" marL="0" marR="0" indent="0">
+            <a:bodyPr wrap="none" lIns="0" tIns="0" rIns="0" bIns="0" anchor="ctr" anchorCtr="1"/>
+            <a:lstStyle/>
+            <a:p>
+              <a:pPr marL="0" marR="0" indent="0" algn="l">
                 <a:lnSpc>
                   <a:spcPts val="1000"/>
                 </a:lnSpc>
@@ -4241,10 +7513,10 @@
             <a:noFill/>
           </p:spPr>
           <p:txBody>
-            <a:bodyPr lIns="0" rIns="0" tIns="0" bIns="0" anchorCtr="1" anchor="ctr" wrap="none"/>
-            <a:lstStyle/>
-            <a:p>
-              <a:pPr algn="l" marL="0" marR="0" indent="0">
+            <a:bodyPr wrap="none" lIns="0" tIns="0" rIns="0" bIns="0" anchor="ctr" anchorCtr="1"/>
+            <a:lstStyle/>
+            <a:p>
+              <a:pPr marL="0" marR="0" indent="0" algn="l">
                 <a:lnSpc>
                   <a:spcPts val="1000"/>
                 </a:lnSpc>
@@ -4287,10 +7559,10 @@
             <a:noFill/>
           </p:spPr>
           <p:txBody>
-            <a:bodyPr lIns="0" rIns="0" tIns="0" bIns="0" anchorCtr="1" anchor="ctr" wrap="none"/>
-            <a:lstStyle/>
-            <a:p>
-              <a:pPr algn="l" marL="0" marR="0" indent="0">
+            <a:bodyPr wrap="none" lIns="0" tIns="0" rIns="0" bIns="0" anchor="ctr" anchorCtr="1"/>
+            <a:lstStyle/>
+            <a:p>
+              <a:pPr marL="0" marR="0" indent="0" algn="l">
                 <a:lnSpc>
                   <a:spcPts val="1000"/>
                 </a:lnSpc>
@@ -4333,10 +7605,10 @@
             <a:noFill/>
           </p:spPr>
           <p:txBody>
-            <a:bodyPr lIns="0" rIns="0" tIns="0" bIns="0" anchorCtr="1" anchor="ctr" wrap="none"/>
-            <a:lstStyle/>
-            <a:p>
-              <a:pPr algn="l" marL="0" marR="0" indent="0">
+            <a:bodyPr wrap="none" lIns="0" tIns="0" rIns="0" bIns="0" anchor="ctr" anchorCtr="1"/>
+            <a:lstStyle/>
+            <a:p>
+              <a:pPr marL="0" marR="0" indent="0" algn="l">
                 <a:lnSpc>
                   <a:spcPts val="1000"/>
                 </a:lnSpc>
@@ -4370,7 +7642,7 @@
           </p:nvSpPr>
           <p:spPr>
             <a:xfrm>
-              <a:off x="7225209" y="3430691"/>
+              <a:off x="1925002" y="3430691"/>
               <a:ext cx="247178" cy="92831"/>
             </a:xfrm>
             <a:prstGeom prst="rect">
@@ -4379,10 +7651,10 @@
             <a:noFill/>
           </p:spPr>
           <p:txBody>
-            <a:bodyPr lIns="0" rIns="0" tIns="0" bIns="0" anchorCtr="1" anchor="ctr" wrap="none"/>
-            <a:lstStyle/>
-            <a:p>
-              <a:pPr algn="l" marL="0" marR="0" indent="0">
+            <a:bodyPr wrap="none" lIns="0" tIns="0" rIns="0" bIns="0" anchor="ctr" anchorCtr="1"/>
+            <a:lstStyle/>
+            <a:p>
+              <a:pPr marL="0" marR="0" indent="0" algn="l">
                 <a:lnSpc>
                   <a:spcPts val="1000"/>
                 </a:lnSpc>
@@ -4416,7 +7688,7 @@
           </p:nvSpPr>
           <p:spPr>
             <a:xfrm>
-              <a:off x="7225209" y="5682381"/>
+              <a:off x="1925002" y="5682381"/>
               <a:ext cx="247178" cy="92831"/>
             </a:xfrm>
             <a:prstGeom prst="rect">
@@ -4425,10 +7697,10 @@
             <a:noFill/>
           </p:spPr>
           <p:txBody>
-            <a:bodyPr lIns="0" rIns="0" tIns="0" bIns="0" anchorCtr="1" anchor="ctr" wrap="none"/>
-            <a:lstStyle/>
-            <a:p>
-              <a:pPr algn="l" marL="0" marR="0" indent="0">
+            <a:bodyPr wrap="none" lIns="0" tIns="0" rIns="0" bIns="0" anchor="ctr" anchorCtr="1"/>
+            <a:lstStyle/>
+            <a:p>
+              <a:pPr marL="0" marR="0" indent="0" algn="l">
                 <a:lnSpc>
                   <a:spcPts val="1000"/>
                 </a:lnSpc>
@@ -4462,7 +7734,7 @@
           </p:nvSpPr>
           <p:spPr>
             <a:xfrm>
-              <a:off x="7260524" y="6096144"/>
+              <a:off x="1960317" y="6096144"/>
               <a:ext cx="176547" cy="92831"/>
             </a:xfrm>
             <a:prstGeom prst="rect">
@@ -4471,10 +7743,10 @@
             <a:noFill/>
           </p:spPr>
           <p:txBody>
-            <a:bodyPr lIns="0" rIns="0" tIns="0" bIns="0" anchorCtr="1" anchor="ctr" wrap="none"/>
-            <a:lstStyle/>
-            <a:p>
-              <a:pPr algn="l" marL="0" marR="0" indent="0">
+            <a:bodyPr wrap="none" lIns="0" tIns="0" rIns="0" bIns="0" anchor="ctr" anchorCtr="1"/>
+            <a:lstStyle/>
+            <a:p>
+              <a:pPr marL="0" marR="0" indent="0" algn="l">
                 <a:lnSpc>
                   <a:spcPts val="1000"/>
                 </a:lnSpc>
@@ -4508,7 +7780,7 @@
           </p:nvSpPr>
           <p:spPr>
             <a:xfrm>
-              <a:off x="7982381" y="3119736"/>
+              <a:off x="4953691" y="3119736"/>
               <a:ext cx="247178" cy="92893"/>
             </a:xfrm>
             <a:prstGeom prst="rect">
@@ -4517,10 +7789,10 @@
             <a:noFill/>
           </p:spPr>
           <p:txBody>
-            <a:bodyPr lIns="0" rIns="0" tIns="0" bIns="0" anchorCtr="1" anchor="ctr" wrap="none"/>
-            <a:lstStyle/>
-            <a:p>
-              <a:pPr algn="l" marL="0" marR="0" indent="0">
+            <a:bodyPr wrap="none" lIns="0" tIns="0" rIns="0" bIns="0" anchor="ctr" anchorCtr="1"/>
+            <a:lstStyle/>
+            <a:p>
+              <a:pPr marL="0" marR="0" indent="0" algn="l">
                 <a:lnSpc>
                   <a:spcPts val="1000"/>
                 </a:lnSpc>
@@ -4554,7 +7826,7 @@
           </p:nvSpPr>
           <p:spPr>
             <a:xfrm>
-              <a:off x="7982381" y="5332626"/>
+              <a:off x="4953691" y="5332626"/>
               <a:ext cx="247178" cy="92831"/>
             </a:xfrm>
             <a:prstGeom prst="rect">
@@ -4563,10 +7835,10 @@
             <a:noFill/>
           </p:spPr>
           <p:txBody>
-            <a:bodyPr lIns="0" rIns="0" tIns="0" bIns="0" anchorCtr="1" anchor="ctr" wrap="none"/>
-            <a:lstStyle/>
-            <a:p>
-              <a:pPr algn="l" marL="0" marR="0" indent="0">
+            <a:bodyPr wrap="none" lIns="0" tIns="0" rIns="0" bIns="0" anchor="ctr" anchorCtr="1"/>
+            <a:lstStyle/>
+            <a:p>
+              <a:pPr marL="0" marR="0" indent="0" algn="l">
                 <a:lnSpc>
                   <a:spcPts val="1000"/>
                 </a:lnSpc>
@@ -4600,7 +7872,7 @@
           </p:nvSpPr>
           <p:spPr>
             <a:xfrm>
-              <a:off x="8017697" y="6057220"/>
+              <a:off x="4989007" y="6057220"/>
               <a:ext cx="176547" cy="92893"/>
             </a:xfrm>
             <a:prstGeom prst="rect">
@@ -4609,10 +7881,10 @@
             <a:noFill/>
           </p:spPr>
           <p:txBody>
-            <a:bodyPr lIns="0" rIns="0" tIns="0" bIns="0" anchorCtr="1" anchor="ctr" wrap="none"/>
-            <a:lstStyle/>
-            <a:p>
-              <a:pPr algn="l" marL="0" marR="0" indent="0">
+            <a:bodyPr wrap="none" lIns="0" tIns="0" rIns="0" bIns="0" anchor="ctr" anchorCtr="1"/>
+            <a:lstStyle/>
+            <a:p>
+              <a:pPr marL="0" marR="0" indent="0" algn="l">
                 <a:lnSpc>
                   <a:spcPts val="1000"/>
                 </a:lnSpc>
@@ -4655,10 +7927,10 @@
             <a:noFill/>
           </p:spPr>
           <p:txBody>
-            <a:bodyPr lIns="0" rIns="0" tIns="0" bIns="0" anchorCtr="1" anchor="ctr" wrap="none"/>
-            <a:lstStyle/>
-            <a:p>
-              <a:pPr algn="l" marL="0" marR="0" indent="0">
+            <a:bodyPr wrap="none" lIns="0" tIns="0" rIns="0" bIns="0" anchor="ctr" anchorCtr="1"/>
+            <a:lstStyle/>
+            <a:p>
+              <a:pPr marL="0" marR="0" indent="0" algn="l">
                 <a:lnSpc>
                   <a:spcPts val="888"/>
                 </a:lnSpc>
@@ -4701,10 +7973,10 @@
             <a:noFill/>
           </p:spPr>
           <p:txBody>
-            <a:bodyPr lIns="0" rIns="0" tIns="0" bIns="0" anchorCtr="1" anchor="ctr" wrap="none"/>
-            <a:lstStyle/>
-            <a:p>
-              <a:pPr algn="l" marL="0" marR="0" indent="0">
+            <a:bodyPr wrap="none" lIns="0" tIns="0" rIns="0" bIns="0" anchor="ctr" anchorCtr="1"/>
+            <a:lstStyle/>
+            <a:p>
+              <a:pPr marL="0" marR="0" indent="0" algn="l">
                 <a:lnSpc>
                   <a:spcPts val="888"/>
                 </a:lnSpc>
@@ -4716,7 +7988,7 @@
                 </a:spcAft>
               </a:pPr>
               <a:r>
-                <a:rPr sz="888">
+                <a:rPr sz="888" dirty="0">
                   <a:solidFill>
                     <a:srgbClr val="191919">
                       <a:alpha val="100000"/>
@@ -4727,6 +7999,27 @@
                 </a:rPr>
                 <a:t>25</a:t>
               </a:r>
+              <a:r>
+                <a:rPr lang="en-US" sz="888" dirty="0">
+                  <a:solidFill>
+                    <a:srgbClr val="191919">
+                      <a:alpha val="100000"/>
+                    </a:srgbClr>
+                  </a:solidFill>
+                  <a:latin typeface="Open Sans"/>
+                  <a:cs typeface="Open Sans"/>
+                </a:rPr>
+                <a:t>%</a:t>
+              </a:r>
+              <a:endParaRPr sz="888" dirty="0">
+                <a:solidFill>
+                  <a:srgbClr val="191919">
+                    <a:alpha val="100000"/>
+                  </a:srgbClr>
+                </a:solidFill>
+                <a:latin typeface="Open Sans"/>
+                <a:cs typeface="Open Sans"/>
+              </a:endParaRPr>
             </a:p>
           </p:txBody>
         </p:sp>
@@ -4747,10 +8040,10 @@
             <a:noFill/>
           </p:spPr>
           <p:txBody>
-            <a:bodyPr lIns="0" rIns="0" tIns="0" bIns="0" anchorCtr="1" anchor="ctr" wrap="none"/>
-            <a:lstStyle/>
-            <a:p>
-              <a:pPr algn="l" marL="0" marR="0" indent="0">
+            <a:bodyPr wrap="none" lIns="0" tIns="0" rIns="0" bIns="0" anchor="ctr" anchorCtr="1"/>
+            <a:lstStyle/>
+            <a:p>
+              <a:pPr marL="0" marR="0" indent="0" algn="l">
                 <a:lnSpc>
                   <a:spcPts val="888"/>
                 </a:lnSpc>
@@ -4762,7 +8055,7 @@
                 </a:spcAft>
               </a:pPr>
               <a:r>
-                <a:rPr sz="888">
+                <a:rPr sz="888" dirty="0">
                   <a:solidFill>
                     <a:srgbClr val="191919">
                       <a:alpha val="100000"/>
@@ -4773,6 +8066,27 @@
                 </a:rPr>
                 <a:t>50</a:t>
               </a:r>
+              <a:r>
+                <a:rPr lang="en-US" sz="888" dirty="0">
+                  <a:solidFill>
+                    <a:srgbClr val="191919">
+                      <a:alpha val="100000"/>
+                    </a:srgbClr>
+                  </a:solidFill>
+                  <a:latin typeface="Open Sans"/>
+                  <a:cs typeface="Open Sans"/>
+                </a:rPr>
+                <a:t>%</a:t>
+              </a:r>
+              <a:endParaRPr sz="888" dirty="0">
+                <a:solidFill>
+                  <a:srgbClr val="191919">
+                    <a:alpha val="100000"/>
+                  </a:srgbClr>
+                </a:solidFill>
+                <a:latin typeface="Open Sans"/>
+                <a:cs typeface="Open Sans"/>
+              </a:endParaRPr>
             </a:p>
           </p:txBody>
         </p:sp>
@@ -4793,10 +8107,10 @@
             <a:noFill/>
           </p:spPr>
           <p:txBody>
-            <a:bodyPr lIns="0" rIns="0" tIns="0" bIns="0" anchorCtr="1" anchor="ctr" wrap="none"/>
-            <a:lstStyle/>
-            <a:p>
-              <a:pPr algn="l" marL="0" marR="0" indent="0">
+            <a:bodyPr wrap="none" lIns="0" tIns="0" rIns="0" bIns="0" anchor="ctr" anchorCtr="1"/>
+            <a:lstStyle/>
+            <a:p>
+              <a:pPr marL="0" marR="0" indent="0" algn="l">
                 <a:lnSpc>
                   <a:spcPts val="888"/>
                 </a:lnSpc>
@@ -4808,7 +8122,7 @@
                 </a:spcAft>
               </a:pPr>
               <a:r>
-                <a:rPr sz="888">
+                <a:rPr sz="888" dirty="0">
                   <a:solidFill>
                     <a:srgbClr val="191919">
                       <a:alpha val="100000"/>
@@ -4819,6 +8133,27 @@
                 </a:rPr>
                 <a:t>75</a:t>
               </a:r>
+              <a:r>
+                <a:rPr lang="en-US" sz="888" dirty="0">
+                  <a:solidFill>
+                    <a:srgbClr val="191919">
+                      <a:alpha val="100000"/>
+                    </a:srgbClr>
+                  </a:solidFill>
+                  <a:latin typeface="Open Sans"/>
+                  <a:cs typeface="Open Sans"/>
+                </a:rPr>
+                <a:t>%</a:t>
+              </a:r>
+              <a:endParaRPr sz="888" dirty="0">
+                <a:solidFill>
+                  <a:srgbClr val="191919">
+                    <a:alpha val="100000"/>
+                  </a:srgbClr>
+                </a:solidFill>
+                <a:latin typeface="Open Sans"/>
+                <a:cs typeface="Open Sans"/>
+              </a:endParaRPr>
             </a:p>
           </p:txBody>
         </p:sp>
@@ -4839,10 +8174,10 @@
             <a:noFill/>
           </p:spPr>
           <p:txBody>
-            <a:bodyPr lIns="0" rIns="0" tIns="0" bIns="0" anchorCtr="1" anchor="ctr" wrap="none"/>
-            <a:lstStyle/>
-            <a:p>
-              <a:pPr algn="l" marL="0" marR="0" indent="0">
+            <a:bodyPr wrap="none" lIns="0" tIns="0" rIns="0" bIns="0" anchor="ctr" anchorCtr="1"/>
+            <a:lstStyle/>
+            <a:p>
+              <a:pPr marL="0" marR="0" indent="0" algn="l">
                 <a:lnSpc>
                   <a:spcPts val="888"/>
                 </a:lnSpc>
@@ -4854,7 +8189,7 @@
                 </a:spcAft>
               </a:pPr>
               <a:r>
-                <a:rPr sz="888">
+                <a:rPr sz="888" dirty="0">
                   <a:solidFill>
                     <a:srgbClr val="191919">
                       <a:alpha val="100000"/>
@@ -4865,42 +8200,8 @@
                 </a:rPr>
                 <a:t>100</a:t>
               </a:r>
-            </a:p>
-          </p:txBody>
-        </p:sp>
-        <p:sp>
-          <p:nvSpPr>
-            <p:cNvPr id="74" name="tx74"/>
-            <p:cNvSpPr/>
-            <p:nvPr/>
-          </p:nvSpPr>
-          <p:spPr>
-            <a:xfrm>
-              <a:off x="1026560" y="6459873"/>
-              <a:ext cx="529717" cy="86871"/>
-            </a:xfrm>
-            <a:prstGeom prst="rect">
-              <a:avLst/>
-            </a:prstGeom>
-            <a:noFill/>
-          </p:spPr>
-          <p:txBody>
-            <a:bodyPr lIns="0" rIns="0" tIns="0" bIns="0" anchorCtr="1" anchor="ctr" wrap="none"/>
-            <a:lstStyle/>
-            <a:p>
-              <a:pPr algn="l" marL="0" marR="0" indent="0">
-                <a:lnSpc>
-                  <a:spcPts val="888"/>
-                </a:lnSpc>
-                <a:spcBef>
-                  <a:spcPts val="0"/>
-                </a:spcBef>
-                <a:spcAft>
-                  <a:spcPts val="0"/>
-                </a:spcAft>
-              </a:pPr>
-              <a:r>
-                <a:rPr sz="888">
+              <a:r>
+                <a:rPr lang="en-US" sz="888" dirty="0">
                   <a:solidFill>
                     <a:srgbClr val="191919">
                       <a:alpha val="100000"/>
@@ -4909,32 +8210,41 @@
                   <a:latin typeface="Open Sans"/>
                   <a:cs typeface="Open Sans"/>
                 </a:rPr>
-                <a:t>Rockcoast</a:t>
-              </a:r>
-            </a:p>
-          </p:txBody>
-        </p:sp>
-        <p:sp>
-          <p:nvSpPr>
-            <p:cNvPr id="75" name="tx75"/>
-            <p:cNvSpPr/>
-            <p:nvPr/>
-          </p:nvSpPr>
-          <p:spPr>
-            <a:xfrm>
-              <a:off x="1795418" y="6459873"/>
-              <a:ext cx="506346" cy="86871"/>
-            </a:xfrm>
-            <a:prstGeom prst="rect">
-              <a:avLst/>
-            </a:prstGeom>
-            <a:noFill/>
-          </p:spPr>
-          <p:txBody>
-            <a:bodyPr lIns="0" rIns="0" tIns="0" bIns="0" anchorCtr="1" anchor="ctr" wrap="none"/>
-            <a:lstStyle/>
-            <a:p>
-              <a:pPr algn="l" marL="0" marR="0" indent="0">
+                <a:t>%</a:t>
+              </a:r>
+              <a:endParaRPr sz="888" dirty="0">
+                <a:solidFill>
+                  <a:srgbClr val="191919">
+                    <a:alpha val="100000"/>
+                  </a:srgbClr>
+                </a:solidFill>
+                <a:latin typeface="Open Sans"/>
+                <a:cs typeface="Open Sans"/>
+              </a:endParaRPr>
+            </a:p>
+          </p:txBody>
+        </p:sp>
+        <p:sp>
+          <p:nvSpPr>
+            <p:cNvPr id="74" name="tx74"/>
+            <p:cNvSpPr/>
+            <p:nvPr/>
+          </p:nvSpPr>
+          <p:spPr>
+            <a:xfrm>
+              <a:off x="900717" y="6459873"/>
+              <a:ext cx="781402" cy="86871"/>
+            </a:xfrm>
+            <a:prstGeom prst="rect">
+              <a:avLst/>
+            </a:prstGeom>
+            <a:noFill/>
+          </p:spPr>
+          <p:txBody>
+            <a:bodyPr wrap="none" lIns="0" tIns="0" rIns="0" bIns="0" anchor="ctr" anchorCtr="1"/>
+            <a:lstStyle/>
+            <a:p>
+              <a:pPr marL="0" marR="0" indent="0" algn="l">
                 <a:lnSpc>
                   <a:spcPts val="888"/>
                 </a:lnSpc>
@@ -4955,7 +8265,53 @@
                   <a:latin typeface="Open Sans"/>
                   <a:cs typeface="Open Sans"/>
                 </a:rPr>
-                <a:t>Oldhaven</a:t>
+                <a:t>Shademeadow</a:t>
+              </a:r>
+            </a:p>
+          </p:txBody>
+        </p:sp>
+        <p:sp>
+          <p:nvSpPr>
+            <p:cNvPr id="75" name="tx75"/>
+            <p:cNvSpPr/>
+            <p:nvPr/>
+          </p:nvSpPr>
+          <p:spPr>
+            <a:xfrm>
+              <a:off x="1720949" y="6433855"/>
+              <a:ext cx="655284" cy="112888"/>
+            </a:xfrm>
+            <a:prstGeom prst="rect">
+              <a:avLst/>
+            </a:prstGeom>
+            <a:noFill/>
+          </p:spPr>
+          <p:txBody>
+            <a:bodyPr wrap="none" lIns="0" tIns="0" rIns="0" bIns="0" anchor="ctr" anchorCtr="1"/>
+            <a:lstStyle/>
+            <a:p>
+              <a:pPr marL="0" marR="0" indent="0" algn="l">
+                <a:lnSpc>
+                  <a:spcPts val="888"/>
+                </a:lnSpc>
+                <a:spcBef>
+                  <a:spcPts val="0"/>
+                </a:spcBef>
+                <a:spcAft>
+                  <a:spcPts val="0"/>
+                </a:spcAft>
+              </a:pPr>
+              <a:r>
+                <a:rPr sz="888">
+                  <a:solidFill>
+                    <a:srgbClr val="191919">
+                      <a:alpha val="100000"/>
+                    </a:srgbClr>
+                  </a:solidFill>
+                  <a:latin typeface="Open Sans"/>
+                  <a:cs typeface="Open Sans"/>
+                </a:rPr>
+                <a:t>Springbeech</a:t>
               </a:r>
             </a:p>
           </p:txBody>
@@ -4977,10 +8333,10 @@
             <a:noFill/>
           </p:spPr>
           <p:txBody>
-            <a:bodyPr lIns="0" rIns="0" tIns="0" bIns="0" anchorCtr="1" anchor="ctr" wrap="none"/>
-            <a:lstStyle/>
-            <a:p>
-              <a:pPr algn="l" marL="0" marR="0" indent="0">
+            <a:bodyPr wrap="none" lIns="0" tIns="0" rIns="0" bIns="0" anchor="ctr" anchorCtr="1"/>
+            <a:lstStyle/>
+            <a:p>
+              <a:pPr marL="0" marR="0" indent="0" algn="l">
                 <a:lnSpc>
                   <a:spcPts val="888"/>
                 </a:lnSpc>
@@ -5014,19 +8370,19 @@
           </p:nvSpPr>
           <p:spPr>
             <a:xfrm>
-              <a:off x="3172235" y="6459873"/>
-              <a:ext cx="781402" cy="86871"/>
-            </a:xfrm>
-            <a:prstGeom prst="rect">
-              <a:avLst/>
-            </a:prstGeom>
-            <a:noFill/>
-          </p:spPr>
-          <p:txBody>
-            <a:bodyPr lIns="0" rIns="0" tIns="0" bIns="0" anchorCtr="1" anchor="ctr" wrap="none"/>
-            <a:lstStyle/>
-            <a:p>
-              <a:pPr algn="l" marL="0" marR="0" indent="0">
+              <a:off x="3298077" y="6459873"/>
+              <a:ext cx="529717" cy="86871"/>
+            </a:xfrm>
+            <a:prstGeom prst="rect">
+              <a:avLst/>
+            </a:prstGeom>
+            <a:noFill/>
+          </p:spPr>
+          <p:txBody>
+            <a:bodyPr wrap="none" lIns="0" tIns="0" rIns="0" bIns="0" anchor="ctr" anchorCtr="1"/>
+            <a:lstStyle/>
+            <a:p>
+              <a:pPr marL="0" marR="0" indent="0" algn="l">
                 <a:lnSpc>
                   <a:spcPts val="888"/>
                 </a:lnSpc>
@@ -5047,7 +8403,7 @@
                   <a:latin typeface="Open Sans"/>
                   <a:cs typeface="Open Sans"/>
                 </a:rPr>
-                <a:t>Shademeadow</a:t>
+                <a:t>Rockcoast</a:t>
               </a:r>
             </a:p>
           </p:txBody>
@@ -5060,19 +8416,19 @@
           </p:nvSpPr>
           <p:spPr>
             <a:xfrm>
-              <a:off x="3974634" y="6459873"/>
-              <a:ext cx="690948" cy="86871"/>
-            </a:xfrm>
-            <a:prstGeom prst="rect">
-              <a:avLst/>
-            </a:prstGeom>
-            <a:noFill/>
-          </p:spPr>
-          <p:txBody>
-            <a:bodyPr lIns="0" rIns="0" tIns="0" bIns="0" anchorCtr="1" anchor="ctr" wrap="none"/>
-            <a:lstStyle/>
-            <a:p>
-              <a:pPr algn="l" marL="0" marR="0" indent="0">
+              <a:off x="4066935" y="6459873"/>
+              <a:ext cx="506346" cy="86871"/>
+            </a:xfrm>
+            <a:prstGeom prst="rect">
+              <a:avLst/>
+            </a:prstGeom>
+            <a:noFill/>
+          </p:spPr>
+          <p:txBody>
+            <a:bodyPr wrap="none" lIns="0" tIns="0" rIns="0" bIns="0" anchor="ctr" anchorCtr="1"/>
+            <a:lstStyle/>
+            <a:p>
+              <a:pPr marL="0" marR="0" indent="0" algn="l">
                 <a:lnSpc>
                   <a:spcPts val="888"/>
                 </a:lnSpc>
@@ -5093,7 +8449,7 @@
                   <a:latin typeface="Open Sans"/>
                   <a:cs typeface="Open Sans"/>
                 </a:rPr>
-                <a:t>Newmeadow</a:t>
+                <a:t>Oldhaven</a:t>
               </a:r>
             </a:p>
           </p:txBody>
@@ -5106,19 +8462,19 @@
           </p:nvSpPr>
           <p:spPr>
             <a:xfrm>
-              <a:off x="4837419" y="6459873"/>
-              <a:ext cx="479722" cy="86871"/>
-            </a:xfrm>
-            <a:prstGeom prst="rect">
-              <a:avLst/>
-            </a:prstGeom>
-            <a:noFill/>
-          </p:spPr>
-          <p:txBody>
-            <a:bodyPr lIns="0" rIns="0" tIns="0" bIns="0" anchorCtr="1" anchor="ctr" wrap="none"/>
-            <a:lstStyle/>
-            <a:p>
-              <a:pPr algn="l" marL="0" marR="0" indent="0">
+              <a:off x="4876418" y="6459266"/>
+              <a:ext cx="401725" cy="87477"/>
+            </a:xfrm>
+            <a:prstGeom prst="rect">
+              <a:avLst/>
+            </a:prstGeom>
+            <a:noFill/>
+          </p:spPr>
+          <p:txBody>
+            <a:bodyPr wrap="none" lIns="0" tIns="0" rIns="0" bIns="0" anchor="ctr" anchorCtr="1"/>
+            <a:lstStyle/>
+            <a:p>
+              <a:pPr marL="0" marR="0" indent="0" algn="l">
                 <a:lnSpc>
                   <a:spcPts val="888"/>
                 </a:lnSpc>
@@ -5139,7 +8495,7 @@
                   <a:latin typeface="Open Sans"/>
                   <a:cs typeface="Open Sans"/>
                 </a:rPr>
-                <a:t>Dellmere</a:t>
+                <a:t>Clearelf</a:t>
               </a:r>
             </a:p>
           </p:txBody>
@@ -5152,19 +8508,19 @@
           </p:nvSpPr>
           <p:spPr>
             <a:xfrm>
-              <a:off x="5612093" y="6439037"/>
-              <a:ext cx="444720" cy="107707"/>
-            </a:xfrm>
-            <a:prstGeom prst="rect">
-              <a:avLst/>
-            </a:prstGeom>
-            <a:noFill/>
-          </p:spPr>
-          <p:txBody>
-            <a:bodyPr lIns="0" rIns="0" tIns="0" bIns="0" anchorCtr="1" anchor="ctr" wrap="none"/>
-            <a:lstStyle/>
-            <a:p>
-              <a:pPr algn="l" marL="0" marR="0" indent="0">
+              <a:off x="5488979" y="6459873"/>
+              <a:ext cx="690948" cy="86871"/>
+            </a:xfrm>
+            <a:prstGeom prst="rect">
+              <a:avLst/>
+            </a:prstGeom>
+            <a:noFill/>
+          </p:spPr>
+          <p:txBody>
+            <a:bodyPr wrap="none" lIns="0" tIns="0" rIns="0" bIns="0" anchor="ctr" anchorCtr="1"/>
+            <a:lstStyle/>
+            <a:p>
+              <a:pPr marL="0" marR="0" indent="0" algn="l">
                 <a:lnSpc>
                   <a:spcPts val="888"/>
                 </a:lnSpc>
@@ -5185,7 +8541,7 @@
                   <a:latin typeface="Open Sans"/>
                   <a:cs typeface="Open Sans"/>
                 </a:rPr>
-                <a:t>Vertgate</a:t>
+                <a:t>Newmeadow</a:t>
               </a:r>
             </a:p>
           </p:txBody>
@@ -5207,10 +8563,10 @@
             <a:noFill/>
           </p:spPr>
           <p:txBody>
-            <a:bodyPr lIns="0" rIns="0" tIns="0" bIns="0" anchorCtr="1" anchor="ctr" wrap="none"/>
-            <a:lstStyle/>
-            <a:p>
-              <a:pPr algn="l" marL="0" marR="0" indent="0">
+            <a:bodyPr wrap="none" lIns="0" tIns="0" rIns="0" bIns="0" anchor="ctr" anchorCtr="1"/>
+            <a:lstStyle/>
+            <a:p>
+              <a:pPr marL="0" marR="0" indent="0" algn="l">
                 <a:lnSpc>
                   <a:spcPts val="888"/>
                 </a:lnSpc>
@@ -5244,19 +8600,19 @@
           </p:nvSpPr>
           <p:spPr>
             <a:xfrm>
-              <a:off x="7021156" y="6433855"/>
-              <a:ext cx="655284" cy="112888"/>
-            </a:xfrm>
-            <a:prstGeom prst="rect">
-              <a:avLst/>
-            </a:prstGeom>
-            <a:noFill/>
-          </p:spPr>
-          <p:txBody>
-            <a:bodyPr lIns="0" rIns="0" tIns="0" bIns="0" anchorCtr="1" anchor="ctr" wrap="none"/>
-            <a:lstStyle/>
-            <a:p>
-              <a:pPr algn="l" marL="0" marR="0" indent="0">
+              <a:off x="7108937" y="6459873"/>
+              <a:ext cx="479722" cy="86871"/>
+            </a:xfrm>
+            <a:prstGeom prst="rect">
+              <a:avLst/>
+            </a:prstGeom>
+            <a:noFill/>
+          </p:spPr>
+          <p:txBody>
+            <a:bodyPr wrap="none" lIns="0" tIns="0" rIns="0" bIns="0" anchor="ctr" anchorCtr="1"/>
+            <a:lstStyle/>
+            <a:p>
+              <a:pPr marL="0" marR="0" indent="0" algn="l">
                 <a:lnSpc>
                   <a:spcPts val="888"/>
                 </a:lnSpc>
@@ -5277,7 +8633,7 @@
                   <a:latin typeface="Open Sans"/>
                   <a:cs typeface="Open Sans"/>
                 </a:rPr>
-                <a:t>Springbeech</a:t>
+                <a:t>Dellmere</a:t>
               </a:r>
             </a:p>
           </p:txBody>
@@ -5290,19 +8646,19 @@
           </p:nvSpPr>
           <p:spPr>
             <a:xfrm>
-              <a:off x="7905108" y="6459266"/>
-              <a:ext cx="401725" cy="87477"/>
-            </a:xfrm>
-            <a:prstGeom prst="rect">
-              <a:avLst/>
-            </a:prstGeom>
-            <a:noFill/>
-          </p:spPr>
-          <p:txBody>
-            <a:bodyPr lIns="0" rIns="0" tIns="0" bIns="0" anchorCtr="1" anchor="ctr" wrap="none"/>
-            <a:lstStyle/>
-            <a:p>
-              <a:pPr algn="l" marL="0" marR="0" indent="0">
+              <a:off x="7883610" y="6439037"/>
+              <a:ext cx="444720" cy="107707"/>
+            </a:xfrm>
+            <a:prstGeom prst="rect">
+              <a:avLst/>
+            </a:prstGeom>
+            <a:noFill/>
+          </p:spPr>
+          <p:txBody>
+            <a:bodyPr wrap="none" lIns="0" tIns="0" rIns="0" bIns="0" anchor="ctr" anchorCtr="1"/>
+            <a:lstStyle/>
+            <a:p>
+              <a:pPr marL="0" marR="0" indent="0" algn="l">
                 <a:lnSpc>
                   <a:spcPts val="888"/>
                 </a:lnSpc>
@@ -5323,7 +8679,7 @@
                   <a:latin typeface="Open Sans"/>
                   <a:cs typeface="Open Sans"/>
                 </a:rPr>
-                <a:t>Clearelf</a:t>
+                <a:t>Vertgate</a:t>
               </a:r>
             </a:p>
           </p:txBody>
@@ -5343,7 +8699,7 @@
               <a:avLst/>
             </a:prstGeom>
             <a:solidFill>
-              <a:srgbClr val="27AE60">
+              <a:srgbClr val="92D050">
                 <a:alpha val="100000"/>
               </a:srgbClr>
             </a:solidFill>
@@ -5351,7 +8707,9 @@
           <p:txBody>
             <a:bodyPr/>
             <a:lstStyle/>
-            <a:p/>
+            <a:p>
+              <a:endParaRPr/>
+            </a:p>
           </p:txBody>
         </p:sp>
         <p:sp>
@@ -5369,7 +8727,7 @@
               <a:avLst/>
             </a:prstGeom>
             <a:solidFill>
-              <a:srgbClr val="F1C40F">
+              <a:srgbClr val="FFFF00">
                 <a:alpha val="100000"/>
               </a:srgbClr>
             </a:solidFill>
@@ -5377,7 +8735,9 @@
           <p:txBody>
             <a:bodyPr/>
             <a:lstStyle/>
-            <a:p/>
+            <a:p>
+              <a:endParaRPr/>
+            </a:p>
           </p:txBody>
         </p:sp>
         <p:sp>
@@ -5395,7 +8755,7 @@
               <a:avLst/>
             </a:prstGeom>
             <a:solidFill>
-              <a:srgbClr val="C0392B">
+              <a:srgbClr val="FF0000">
                 <a:alpha val="100000"/>
               </a:srgbClr>
             </a:solidFill>
@@ -5403,7 +8763,9 @@
           <p:txBody>
             <a:bodyPr/>
             <a:lstStyle/>
-            <a:p/>
+            <a:p>
+              <a:endParaRPr/>
+            </a:p>
           </p:txBody>
         </p:sp>
         <p:sp>
@@ -5423,10 +8785,10 @@
             <a:noFill/>
           </p:spPr>
           <p:txBody>
-            <a:bodyPr lIns="0" rIns="0" tIns="0" bIns="0" anchorCtr="1" anchor="ctr" wrap="none"/>
-            <a:lstStyle/>
-            <a:p>
-              <a:pPr algn="l" marL="0" marR="0" indent="0">
+            <a:bodyPr wrap="none" lIns="0" tIns="0" rIns="0" bIns="0" anchor="ctr" anchorCtr="1"/>
+            <a:lstStyle/>
+            <a:p>
+              <a:pPr marL="0" marR="0" indent="0" algn="l">
                 <a:lnSpc>
                   <a:spcPts val="888"/>
                 </a:lnSpc>
@@ -5469,10 +8831,10 @@
             <a:noFill/>
           </p:spPr>
           <p:txBody>
-            <a:bodyPr lIns="0" rIns="0" tIns="0" bIns="0" anchorCtr="1" anchor="ctr" wrap="none"/>
-            <a:lstStyle/>
-            <a:p>
-              <a:pPr algn="l" marL="0" marR="0" indent="0">
+            <a:bodyPr wrap="none" lIns="0" tIns="0" rIns="0" bIns="0" anchor="ctr" anchorCtr="1"/>
+            <a:lstStyle/>
+            <a:p>
+              <a:pPr marL="0" marR="0" indent="0" algn="l">
                 <a:lnSpc>
                   <a:spcPts val="888"/>
                 </a:lnSpc>
@@ -5515,10 +8877,10 @@
             <a:noFill/>
           </p:spPr>
           <p:txBody>
-            <a:bodyPr lIns="0" rIns="0" tIns="0" bIns="0" anchorCtr="1" anchor="ctr" wrap="none"/>
-            <a:lstStyle/>
-            <a:p>
-              <a:pPr algn="l" marL="0" marR="0" indent="0">
+            <a:bodyPr wrap="none" lIns="0" tIns="0" rIns="0" bIns="0" anchor="ctr" anchorCtr="1"/>
+            <a:lstStyle/>
+            <a:p>
+              <a:pPr marL="0" marR="0" indent="0" algn="l">
                 <a:lnSpc>
                   <a:spcPts val="888"/>
                 </a:lnSpc>
@@ -5553,18 +8915,18 @@
           <p:spPr>
             <a:xfrm>
               <a:off x="583725" y="771879"/>
-              <a:ext cx="4783149" cy="127744"/>
-            </a:xfrm>
-            <a:prstGeom prst="rect">
-              <a:avLst/>
-            </a:prstGeom>
-            <a:noFill/>
-          </p:spPr>
-          <p:txBody>
-            <a:bodyPr lIns="0" rIns="0" tIns="0" bIns="0" anchorCtr="1" anchor="ctr" wrap="none"/>
-            <a:lstStyle/>
-            <a:p>
-              <a:pPr algn="l" marL="0" marR="0" indent="0">
+              <a:ext cx="4143995" cy="127744"/>
+            </a:xfrm>
+            <a:prstGeom prst="rect">
+              <a:avLst/>
+            </a:prstGeom>
+            <a:noFill/>
+          </p:spPr>
+          <p:txBody>
+            <a:bodyPr wrap="none" lIns="0" tIns="0" rIns="0" bIns="0" anchor="ctr" anchorCtr="1"/>
+            <a:lstStyle/>
+            <a:p>
+              <a:pPr marL="0" marR="0" indent="0" algn="l">
                 <a:lnSpc>
                   <a:spcPts val="1000"/>
                 </a:lnSpc>
@@ -5585,7 +8947,7 @@
                   <a:latin typeface="Open Sans"/>
                   <a:cs typeface="Open Sans"/>
                 </a:rPr>
-                <a:t>Relative Proportion of Households per FCS Classification by State in Fake Country</a:t>
+                <a:t>Percentage of Households per FCS Group by State in Example Country</a:t>
               </a:r>
             </a:p>
           </p:txBody>
@@ -5599,18 +8961,18 @@
           <p:spPr>
             <a:xfrm>
               <a:off x="583725" y="546022"/>
-              <a:ext cx="5796194" cy="158915"/>
-            </a:xfrm>
-            <a:prstGeom prst="rect">
-              <a:avLst/>
-            </a:prstGeom>
-            <a:noFill/>
-          </p:spPr>
-          <p:txBody>
-            <a:bodyPr lIns="0" rIns="0" tIns="0" bIns="0" anchorCtr="1" anchor="ctr" wrap="none"/>
-            <a:lstStyle/>
-            <a:p>
-              <a:pPr algn="l" marL="0" marR="0" indent="0">
+              <a:ext cx="5795780" cy="158915"/>
+            </a:xfrm>
+            <a:prstGeom prst="rect">
+              <a:avLst/>
+            </a:prstGeom>
+            <a:noFill/>
+          </p:spPr>
+          <p:txBody>
+            <a:bodyPr wrap="none" lIns="0" tIns="0" rIns="0" bIns="0" anchor="ctr" anchorCtr="1"/>
+            <a:lstStyle/>
+            <a:p>
+              <a:pPr marL="0" marR="0" indent="0" algn="l">
                 <a:lnSpc>
                   <a:spcPts val="1333"/>
                 </a:lnSpc>
@@ -5631,7 +8993,7 @@
                   <a:latin typeface="Open Sans"/>
                   <a:cs typeface="Open Sans"/>
                 </a:rPr>
-                <a:t>Household Food Consumption Score Classification by State | April 2023</a:t>
+                <a:t>Household Food Consumption Score (FCS) Groups by State | April 2023</a:t>
               </a:r>
             </a:p>
           </p:txBody>
@@ -5653,10 +9015,10 @@
             <a:noFill/>
           </p:spPr>
           <p:txBody>
-            <a:bodyPr lIns="0" rIns="0" tIns="0" bIns="0" anchorCtr="1" anchor="ctr" wrap="none"/>
-            <a:lstStyle/>
-            <a:p>
-              <a:pPr algn="l" marL="0" marR="0" indent="0">
+            <a:bodyPr wrap="none" lIns="0" tIns="0" rIns="0" bIns="0" anchor="ctr" anchorCtr="1"/>
+            <a:lstStyle/>
+            <a:p>
+              <a:pPr marL="0" marR="0" indent="0" algn="l">
                 <a:lnSpc>
                   <a:spcPts val="777"/>
                 </a:lnSpc>
@@ -5690,7 +9052,7 @@
           </p:nvSpPr>
           <p:spPr>
             <a:xfrm>
-              <a:off x="583725" y="414495"/>
+              <a:off x="583725" y="369164"/>
               <a:ext cx="473273" cy="123899"/>
             </a:xfrm>
             <a:prstGeom prst="rect">
@@ -5699,10 +9061,10 @@
             <a:noFill/>
           </p:spPr>
           <p:txBody>
-            <a:bodyPr lIns="0" rIns="0" tIns="0" bIns="0" anchorCtr="1" anchor="ctr" wrap="none"/>
-            <a:lstStyle/>
-            <a:p>
-              <a:pPr algn="l" marL="0" marR="0" indent="0">
+            <a:bodyPr wrap="none" lIns="0" tIns="0" rIns="0" bIns="0" anchor="ctr" anchorCtr="1"/>
+            <a:lstStyle/>
+            <a:p>
+              <a:pPr marL="0" marR="0" indent="0" algn="l">
                 <a:lnSpc>
                   <a:spcPts val="1000"/>
                 </a:lnSpc>
